--- a/졸업 논문/picture/그림모음.pptx
+++ b/졸업 논문/picture/그림모음.pptx
@@ -5,7 +5,7 @@
     <p:sldMasterId id="2147483648" r:id="rId1"/>
   </p:sldMasterIdLst>
   <p:notesMasterIdLst>
-    <p:notesMasterId r:id="rId10"/>
+    <p:notesMasterId r:id="rId12"/>
   </p:notesMasterIdLst>
   <p:sldIdLst>
     <p:sldId id="256" r:id="rId2"/>
@@ -16,6 +16,8 @@
     <p:sldId id="261" r:id="rId7"/>
     <p:sldId id="262" r:id="rId8"/>
     <p:sldId id="263" r:id="rId9"/>
+    <p:sldId id="264" r:id="rId10"/>
+    <p:sldId id="265" r:id="rId11"/>
   </p:sldIdLst>
   <p:sldSz cx="12192000" cy="6858000"/>
   <p:notesSz cx="6858000" cy="9144000"/>
@@ -207,7 +209,7 @@
           <a:p>
             <a:fld id="{DF808D06-9E3F-44FB-93F2-5318620A4091}" type="datetimeFigureOut">
               <a:rPr lang="ko-KR" altLang="en-US" smtClean="0"/>
-              <a:t>2024-04-03</a:t>
+              <a:t>2024-04-15</a:t>
             </a:fld>
             <a:endParaRPr lang="ko-KR" altLang="en-US"/>
           </a:p>
@@ -789,7 +791,7 @@
           <a:p>
             <a:fld id="{1E28F0D3-E3FD-49FD-8E82-3F8837207BDD}" type="datetimeFigureOut">
               <a:rPr lang="ko-KR" altLang="en-US" smtClean="0"/>
-              <a:t>2024-04-03</a:t>
+              <a:t>2024-04-15</a:t>
             </a:fld>
             <a:endParaRPr lang="ko-KR" altLang="en-US"/>
           </a:p>
@@ -987,7 +989,7 @@
           <a:p>
             <a:fld id="{1E28F0D3-E3FD-49FD-8E82-3F8837207BDD}" type="datetimeFigureOut">
               <a:rPr lang="ko-KR" altLang="en-US" smtClean="0"/>
-              <a:t>2024-04-03</a:t>
+              <a:t>2024-04-15</a:t>
             </a:fld>
             <a:endParaRPr lang="ko-KR" altLang="en-US"/>
           </a:p>
@@ -1195,7 +1197,7 @@
           <a:p>
             <a:fld id="{1E28F0D3-E3FD-49FD-8E82-3F8837207BDD}" type="datetimeFigureOut">
               <a:rPr lang="ko-KR" altLang="en-US" smtClean="0"/>
-              <a:t>2024-04-03</a:t>
+              <a:t>2024-04-15</a:t>
             </a:fld>
             <a:endParaRPr lang="ko-KR" altLang="en-US"/>
           </a:p>
@@ -1393,7 +1395,7 @@
           <a:p>
             <a:fld id="{1E28F0D3-E3FD-49FD-8E82-3F8837207BDD}" type="datetimeFigureOut">
               <a:rPr lang="ko-KR" altLang="en-US" smtClean="0"/>
-              <a:t>2024-04-03</a:t>
+              <a:t>2024-04-15</a:t>
             </a:fld>
             <a:endParaRPr lang="ko-KR" altLang="en-US"/>
           </a:p>
@@ -1668,7 +1670,7 @@
           <a:p>
             <a:fld id="{1E28F0D3-E3FD-49FD-8E82-3F8837207BDD}" type="datetimeFigureOut">
               <a:rPr lang="ko-KR" altLang="en-US" smtClean="0"/>
-              <a:t>2024-04-03</a:t>
+              <a:t>2024-04-15</a:t>
             </a:fld>
             <a:endParaRPr lang="ko-KR" altLang="en-US"/>
           </a:p>
@@ -1933,7 +1935,7 @@
           <a:p>
             <a:fld id="{1E28F0D3-E3FD-49FD-8E82-3F8837207BDD}" type="datetimeFigureOut">
               <a:rPr lang="ko-KR" altLang="en-US" smtClean="0"/>
-              <a:t>2024-04-03</a:t>
+              <a:t>2024-04-15</a:t>
             </a:fld>
             <a:endParaRPr lang="ko-KR" altLang="en-US"/>
           </a:p>
@@ -2345,7 +2347,7 @@
           <a:p>
             <a:fld id="{1E28F0D3-E3FD-49FD-8E82-3F8837207BDD}" type="datetimeFigureOut">
               <a:rPr lang="ko-KR" altLang="en-US" smtClean="0"/>
-              <a:t>2024-04-03</a:t>
+              <a:t>2024-04-15</a:t>
             </a:fld>
             <a:endParaRPr lang="ko-KR" altLang="en-US"/>
           </a:p>
@@ -2486,7 +2488,7 @@
           <a:p>
             <a:fld id="{1E28F0D3-E3FD-49FD-8E82-3F8837207BDD}" type="datetimeFigureOut">
               <a:rPr lang="ko-KR" altLang="en-US" smtClean="0"/>
-              <a:t>2024-04-03</a:t>
+              <a:t>2024-04-15</a:t>
             </a:fld>
             <a:endParaRPr lang="ko-KR" altLang="en-US"/>
           </a:p>
@@ -2599,7 +2601,7 @@
           <a:p>
             <a:fld id="{1E28F0D3-E3FD-49FD-8E82-3F8837207BDD}" type="datetimeFigureOut">
               <a:rPr lang="ko-KR" altLang="en-US" smtClean="0"/>
-              <a:t>2024-04-03</a:t>
+              <a:t>2024-04-15</a:t>
             </a:fld>
             <a:endParaRPr lang="ko-KR" altLang="en-US"/>
           </a:p>
@@ -2910,7 +2912,7 @@
           <a:p>
             <a:fld id="{1E28F0D3-E3FD-49FD-8E82-3F8837207BDD}" type="datetimeFigureOut">
               <a:rPr lang="ko-KR" altLang="en-US" smtClean="0"/>
-              <a:t>2024-04-03</a:t>
+              <a:t>2024-04-15</a:t>
             </a:fld>
             <a:endParaRPr lang="ko-KR" altLang="en-US"/>
           </a:p>
@@ -3198,7 +3200,7 @@
           <a:p>
             <a:fld id="{1E28F0D3-E3FD-49FD-8E82-3F8837207BDD}" type="datetimeFigureOut">
               <a:rPr lang="ko-KR" altLang="en-US" smtClean="0"/>
-              <a:t>2024-04-03</a:t>
+              <a:t>2024-04-15</a:t>
             </a:fld>
             <a:endParaRPr lang="ko-KR" altLang="en-US"/>
           </a:p>
@@ -3439,7 +3441,7 @@
           <a:p>
             <a:fld id="{1E28F0D3-E3FD-49FD-8E82-3F8837207BDD}" type="datetimeFigureOut">
               <a:rPr lang="ko-KR" altLang="en-US" smtClean="0"/>
-              <a:t>2024-04-03</a:t>
+              <a:t>2024-04-15</a:t>
             </a:fld>
             <a:endParaRPr lang="ko-KR" altLang="en-US"/>
           </a:p>
@@ -3910,6 +3912,787 @@
     <p:extLst>
       <p:ext uri="{BB962C8B-B14F-4D97-AF65-F5344CB8AC3E}">
         <p14:creationId xmlns:p14="http://schemas.microsoft.com/office/powerpoint/2010/main" val="3456979087"/>
+      </p:ext>
+    </p:extLst>
+  </p:cSld>
+  <p:clrMapOvr>
+    <a:masterClrMapping/>
+  </p:clrMapOvr>
+</p:sld>
+</file>
+
+<file path=ppt/slides/slide10.xml><?xml version="1.0" encoding="utf-8"?>
+<p:sld xmlns:a="http://schemas.openxmlformats.org/drawingml/2006/main" xmlns:r="http://schemas.openxmlformats.org/officeDocument/2006/relationships" xmlns:p="http://schemas.openxmlformats.org/presentationml/2006/main">
+  <p:cSld>
+    <p:spTree>
+      <p:nvGrpSpPr>
+        <p:cNvPr id="1" name=""/>
+        <p:cNvGrpSpPr/>
+        <p:nvPr/>
+      </p:nvGrpSpPr>
+      <p:grpSpPr>
+        <a:xfrm>
+          <a:off x="0" y="0"/>
+          <a:ext cx="0" cy="0"/>
+          <a:chOff x="0" y="0"/>
+          <a:chExt cx="0" cy="0"/>
+        </a:xfrm>
+      </p:grpSpPr>
+      <p:grpSp>
+        <p:nvGrpSpPr>
+          <p:cNvPr id="29" name="그룹 28">
+            <a:extLst>
+              <a:ext uri="{FF2B5EF4-FFF2-40B4-BE49-F238E27FC236}">
+                <a16:creationId xmlns:a16="http://schemas.microsoft.com/office/drawing/2014/main" id="{A26C9C42-696C-76AB-73EA-96871DDD19FC}"/>
+              </a:ext>
+            </a:extLst>
+          </p:cNvPr>
+          <p:cNvGrpSpPr/>
+          <p:nvPr/>
+        </p:nvGrpSpPr>
+        <p:grpSpPr>
+          <a:xfrm>
+            <a:off x="3885748" y="1662260"/>
+            <a:ext cx="2891893" cy="2673452"/>
+            <a:chOff x="3885748" y="1662260"/>
+            <a:chExt cx="2891893" cy="2673452"/>
+          </a:xfrm>
+        </p:grpSpPr>
+        <p:cxnSp>
+          <p:nvCxnSpPr>
+            <p:cNvPr id="8" name="직선 연결선 7">
+              <a:extLst>
+                <a:ext uri="{FF2B5EF4-FFF2-40B4-BE49-F238E27FC236}">
+                  <a16:creationId xmlns:a16="http://schemas.microsoft.com/office/drawing/2014/main" id="{DA5EFCCE-80EC-E628-B093-499F34AC25DA}"/>
+                </a:ext>
+              </a:extLst>
+            </p:cNvPr>
+            <p:cNvCxnSpPr>
+              <a:cxnSpLocks/>
+            </p:cNvCxnSpPr>
+            <p:nvPr/>
+          </p:nvCxnSpPr>
+          <p:spPr>
+            <a:xfrm flipH="1">
+              <a:off x="4457699" y="2957513"/>
+              <a:ext cx="728663" cy="1126807"/>
+            </a:xfrm>
+            <a:prstGeom prst="line">
+              <a:avLst/>
+            </a:prstGeom>
+            <a:ln w="9525"/>
+          </p:spPr>
+          <p:style>
+            <a:lnRef idx="2">
+              <a:schemeClr val="dk1"/>
+            </a:lnRef>
+            <a:fillRef idx="0">
+              <a:schemeClr val="dk1"/>
+            </a:fillRef>
+            <a:effectRef idx="1">
+              <a:schemeClr val="dk1"/>
+            </a:effectRef>
+            <a:fontRef idx="minor">
+              <a:schemeClr val="tx1"/>
+            </a:fontRef>
+          </p:style>
+        </p:cxnSp>
+        <p:sp>
+          <p:nvSpPr>
+            <p:cNvPr id="18" name="자유형: 도형 17">
+              <a:extLst>
+                <a:ext uri="{FF2B5EF4-FFF2-40B4-BE49-F238E27FC236}">
+                  <a16:creationId xmlns:a16="http://schemas.microsoft.com/office/drawing/2014/main" id="{728E8B31-5E64-E035-EE76-929963FD8B40}"/>
+                </a:ext>
+              </a:extLst>
+            </p:cNvPr>
+            <p:cNvSpPr/>
+            <p:nvPr/>
+          </p:nvSpPr>
+          <p:spPr>
+            <a:xfrm>
+              <a:off x="5186363" y="2228850"/>
+              <a:ext cx="1100138" cy="728662"/>
+            </a:xfrm>
+            <a:custGeom>
+              <a:avLst/>
+              <a:gdLst>
+                <a:gd name="connsiteX0" fmla="*/ 0 w 1100137"/>
+                <a:gd name="connsiteY0" fmla="*/ 704850 h 704850"/>
+                <a:gd name="connsiteX1" fmla="*/ 442912 w 1100137"/>
+                <a:gd name="connsiteY1" fmla="*/ 219075 h 704850"/>
+                <a:gd name="connsiteX2" fmla="*/ 1100137 w 1100137"/>
+                <a:gd name="connsiteY2" fmla="*/ 0 h 704850"/>
+              </a:gdLst>
+              <a:ahLst/>
+              <a:cxnLst>
+                <a:cxn ang="0">
+                  <a:pos x="connsiteX0" y="connsiteY0"/>
+                </a:cxn>
+                <a:cxn ang="0">
+                  <a:pos x="connsiteX1" y="connsiteY1"/>
+                </a:cxn>
+                <a:cxn ang="0">
+                  <a:pos x="connsiteX2" y="connsiteY2"/>
+                </a:cxn>
+              </a:cxnLst>
+              <a:rect l="l" t="t" r="r" b="b"/>
+              <a:pathLst>
+                <a:path w="1100137" h="704850">
+                  <a:moveTo>
+                    <a:pt x="0" y="704850"/>
+                  </a:moveTo>
+                  <a:cubicBezTo>
+                    <a:pt x="129778" y="520700"/>
+                    <a:pt x="259556" y="336550"/>
+                    <a:pt x="442912" y="219075"/>
+                  </a:cubicBezTo>
+                  <a:cubicBezTo>
+                    <a:pt x="626268" y="101600"/>
+                    <a:pt x="970756" y="37306"/>
+                    <a:pt x="1100137" y="0"/>
+                  </a:cubicBezTo>
+                </a:path>
+              </a:pathLst>
+            </a:custGeom>
+            <a:ln w="9525"/>
+          </p:spPr>
+          <p:style>
+            <a:lnRef idx="1">
+              <a:schemeClr val="dk1"/>
+            </a:lnRef>
+            <a:fillRef idx="0">
+              <a:schemeClr val="dk1"/>
+            </a:fillRef>
+            <a:effectRef idx="0">
+              <a:schemeClr val="dk1"/>
+            </a:effectRef>
+            <a:fontRef idx="minor">
+              <a:schemeClr val="tx1"/>
+            </a:fontRef>
+          </p:style>
+          <p:txBody>
+            <a:bodyPr rtlCol="0" anchor="ctr"/>
+            <a:lstStyle/>
+            <a:p>
+              <a:pPr algn="ctr"/>
+              <a:endParaRPr lang="ko-KR" altLang="en-US" dirty="0"/>
+            </a:p>
+          </p:txBody>
+        </p:sp>
+        <p:cxnSp>
+          <p:nvCxnSpPr>
+            <p:cNvPr id="20" name="직선 연결선 19">
+              <a:extLst>
+                <a:ext uri="{FF2B5EF4-FFF2-40B4-BE49-F238E27FC236}">
+                  <a16:creationId xmlns:a16="http://schemas.microsoft.com/office/drawing/2014/main" id="{F21A0A55-9763-F8BF-BB92-979E8C141111}"/>
+                </a:ext>
+              </a:extLst>
+            </p:cNvPr>
+            <p:cNvCxnSpPr>
+              <a:cxnSpLocks/>
+            </p:cNvCxnSpPr>
+            <p:nvPr/>
+          </p:nvCxnSpPr>
+          <p:spPr>
+            <a:xfrm>
+              <a:off x="5505370" y="1893092"/>
+              <a:ext cx="0" cy="1638301"/>
+            </a:xfrm>
+            <a:prstGeom prst="line">
+              <a:avLst/>
+            </a:prstGeom>
+            <a:ln w="9525">
+              <a:prstDash val="dash"/>
+            </a:ln>
+          </p:spPr>
+          <p:style>
+            <a:lnRef idx="2">
+              <a:schemeClr val="dk1"/>
+            </a:lnRef>
+            <a:fillRef idx="0">
+              <a:schemeClr val="dk1"/>
+            </a:fillRef>
+            <a:effectRef idx="1">
+              <a:schemeClr val="dk1"/>
+            </a:effectRef>
+            <a:fontRef idx="minor">
+              <a:schemeClr val="tx1"/>
+            </a:fontRef>
+          </p:style>
+        </p:cxnSp>
+        <p:cxnSp>
+          <p:nvCxnSpPr>
+            <p:cNvPr id="23" name="직선 연결선 22">
+              <a:extLst>
+                <a:ext uri="{FF2B5EF4-FFF2-40B4-BE49-F238E27FC236}">
+                  <a16:creationId xmlns:a16="http://schemas.microsoft.com/office/drawing/2014/main" id="{CB2997AE-0A28-BB1B-EE34-AEED6FF91E38}"/>
+                </a:ext>
+              </a:extLst>
+            </p:cNvPr>
+            <p:cNvCxnSpPr>
+              <a:cxnSpLocks/>
+            </p:cNvCxnSpPr>
+            <p:nvPr/>
+          </p:nvCxnSpPr>
+          <p:spPr>
+            <a:xfrm>
+              <a:off x="6286501" y="1882615"/>
+              <a:ext cx="0" cy="1638301"/>
+            </a:xfrm>
+            <a:prstGeom prst="line">
+              <a:avLst/>
+            </a:prstGeom>
+            <a:ln w="9525">
+              <a:prstDash val="dash"/>
+            </a:ln>
+          </p:spPr>
+          <p:style>
+            <a:lnRef idx="2">
+              <a:schemeClr val="dk1"/>
+            </a:lnRef>
+            <a:fillRef idx="0">
+              <a:schemeClr val="dk1"/>
+            </a:fillRef>
+            <a:effectRef idx="1">
+              <a:schemeClr val="dk1"/>
+            </a:effectRef>
+            <a:fontRef idx="minor">
+              <a:schemeClr val="tx1"/>
+            </a:fontRef>
+          </p:style>
+        </p:cxnSp>
+        <mc:AlternateContent xmlns:mc="http://schemas.openxmlformats.org/markup-compatibility/2006" xmlns:a14="http://schemas.microsoft.com/office/drawing/2010/main">
+          <mc:Choice Requires="a14">
+            <p:sp>
+              <p:nvSpPr>
+                <p:cNvPr id="24" name="TextBox 23">
+                  <a:extLst>
+                    <a:ext uri="{FF2B5EF4-FFF2-40B4-BE49-F238E27FC236}">
+                      <a16:creationId xmlns:a16="http://schemas.microsoft.com/office/drawing/2014/main" id="{651EC07A-2D26-D1BF-2C0E-1D4CB52FC71C}"/>
+                    </a:ext>
+                  </a:extLst>
+                </p:cNvPr>
+                <p:cNvSpPr txBox="1"/>
+                <p:nvPr/>
+              </p:nvSpPr>
+              <p:spPr>
+                <a:xfrm>
+                  <a:off x="4659258" y="2018578"/>
+                  <a:ext cx="567142" cy="230832"/>
+                </a:xfrm>
+                <a:prstGeom prst="rect">
+                  <a:avLst/>
+                </a:prstGeom>
+                <a:noFill/>
+              </p:spPr>
+              <p:txBody>
+                <a:bodyPr wrap="none" rtlCol="0">
+                  <a:spAutoFit/>
+                </a:bodyPr>
+                <a:lstStyle/>
+                <a:p>
+                  <a:pPr/>
+                  <a14:m>
+                    <m:oMathPara xmlns:m="http://schemas.openxmlformats.org/officeDocument/2006/math">
+                      <m:oMathParaPr>
+                        <m:jc m:val="centerGroup"/>
+                      </m:oMathParaPr>
+                      <m:oMath xmlns:m="http://schemas.openxmlformats.org/officeDocument/2006/math">
+                        <m:r>
+                          <a:rPr lang="en-US" altLang="ko-KR" sz="900" b="0" i="1" smtClean="0">
+                            <a:latin typeface="Cambria Math" panose="02040503050406030204" pitchFamily="18" charset="0"/>
+                          </a:rPr>
+                          <m:t>𝐿𝑖𝑛𝑒𝑎𝑟</m:t>
+                        </m:r>
+                      </m:oMath>
+                    </m:oMathPara>
+                  </a14:m>
+                  <a:endParaRPr lang="ko-KR" altLang="en-US" sz="900" dirty="0"/>
+                </a:p>
+              </p:txBody>
+            </p:sp>
+          </mc:Choice>
+          <mc:Fallback xmlns="">
+            <p:sp>
+              <p:nvSpPr>
+                <p:cNvPr id="24" name="TextBox 23">
+                  <a:extLst>
+                    <a:ext uri="{FF2B5EF4-FFF2-40B4-BE49-F238E27FC236}">
+                      <a16:creationId xmlns:a16="http://schemas.microsoft.com/office/drawing/2014/main" id="{651EC07A-2D26-D1BF-2C0E-1D4CB52FC71C}"/>
+                    </a:ext>
+                  </a:extLst>
+                </p:cNvPr>
+                <p:cNvSpPr txBox="1">
+                  <a:spLocks noRot="1" noChangeAspect="1" noMove="1" noResize="1" noEditPoints="1" noAdjustHandles="1" noChangeArrowheads="1" noChangeShapeType="1" noTextEdit="1"/>
+                </p:cNvSpPr>
+                <p:nvPr/>
+              </p:nvSpPr>
+              <p:spPr>
+                <a:xfrm>
+                  <a:off x="4659258" y="2018578"/>
+                  <a:ext cx="567142" cy="230832"/>
+                </a:xfrm>
+                <a:prstGeom prst="rect">
+                  <a:avLst/>
+                </a:prstGeom>
+                <a:blipFill>
+                  <a:blip r:embed="rId2"/>
+                  <a:stretch>
+                    <a:fillRect/>
+                  </a:stretch>
+                </a:blipFill>
+              </p:spPr>
+              <p:txBody>
+                <a:bodyPr/>
+                <a:lstStyle/>
+                <a:p>
+                  <a:r>
+                    <a:rPr lang="ko-KR" altLang="en-US">
+                      <a:noFill/>
+                    </a:rPr>
+                    <a:t> </a:t>
+                  </a:r>
+                </a:p>
+              </p:txBody>
+            </p:sp>
+          </mc:Fallback>
+        </mc:AlternateContent>
+        <mc:AlternateContent xmlns:mc="http://schemas.openxmlformats.org/markup-compatibility/2006" xmlns:a14="http://schemas.microsoft.com/office/drawing/2010/main">
+          <mc:Choice Requires="a14">
+            <p:sp>
+              <p:nvSpPr>
+                <p:cNvPr id="25" name="TextBox 24">
+                  <a:extLst>
+                    <a:ext uri="{FF2B5EF4-FFF2-40B4-BE49-F238E27FC236}">
+                      <a16:creationId xmlns:a16="http://schemas.microsoft.com/office/drawing/2014/main" id="{AA56C174-0D13-BD9C-D5E2-945B3D71E401}"/>
+                    </a:ext>
+                  </a:extLst>
+                </p:cNvPr>
+                <p:cNvSpPr txBox="1"/>
+                <p:nvPr/>
+              </p:nvSpPr>
+              <p:spPr>
+                <a:xfrm>
+                  <a:off x="5505369" y="2018578"/>
+                  <a:ext cx="880818" cy="230832"/>
+                </a:xfrm>
+                <a:prstGeom prst="rect">
+                  <a:avLst/>
+                </a:prstGeom>
+                <a:noFill/>
+              </p:spPr>
+              <p:txBody>
+                <a:bodyPr wrap="none" rtlCol="0">
+                  <a:spAutoFit/>
+                </a:bodyPr>
+                <a:lstStyle/>
+                <a:p>
+                  <a:pPr/>
+                  <a14:m>
+                    <m:oMathPara xmlns:m="http://schemas.openxmlformats.org/officeDocument/2006/math">
+                      <m:oMathParaPr>
+                        <m:jc m:val="centerGroup"/>
+                      </m:oMathParaPr>
+                      <m:oMath xmlns:m="http://schemas.openxmlformats.org/officeDocument/2006/math">
+                        <m:r>
+                          <a:rPr lang="en-US" altLang="ko-KR" sz="900" b="0" i="1" smtClean="0">
+                            <a:latin typeface="Cambria Math" panose="02040503050406030204" pitchFamily="18" charset="0"/>
+                          </a:rPr>
+                          <m:t>𝑇𝑟𝑎𝑛𝑠𝑖𝑡𝑖𝑜𝑛𝑎𝑙</m:t>
+                        </m:r>
+                      </m:oMath>
+                    </m:oMathPara>
+                  </a14:m>
+                  <a:endParaRPr lang="ko-KR" altLang="en-US" sz="900" dirty="0"/>
+                </a:p>
+              </p:txBody>
+            </p:sp>
+          </mc:Choice>
+          <mc:Fallback xmlns="">
+            <p:sp>
+              <p:nvSpPr>
+                <p:cNvPr id="25" name="TextBox 24">
+                  <a:extLst>
+                    <a:ext uri="{FF2B5EF4-FFF2-40B4-BE49-F238E27FC236}">
+                      <a16:creationId xmlns:a16="http://schemas.microsoft.com/office/drawing/2014/main" id="{AA56C174-0D13-BD9C-D5E2-945B3D71E401}"/>
+                    </a:ext>
+                  </a:extLst>
+                </p:cNvPr>
+                <p:cNvSpPr txBox="1">
+                  <a:spLocks noRot="1" noChangeAspect="1" noMove="1" noResize="1" noEditPoints="1" noAdjustHandles="1" noChangeArrowheads="1" noChangeShapeType="1" noTextEdit="1"/>
+                </p:cNvSpPr>
+                <p:nvPr/>
+              </p:nvSpPr>
+              <p:spPr>
+                <a:xfrm>
+                  <a:off x="5505369" y="2018578"/>
+                  <a:ext cx="880818" cy="230832"/>
+                </a:xfrm>
+                <a:prstGeom prst="rect">
+                  <a:avLst/>
+                </a:prstGeom>
+                <a:blipFill>
+                  <a:blip r:embed="rId3"/>
+                  <a:stretch>
+                    <a:fillRect/>
+                  </a:stretch>
+                </a:blipFill>
+              </p:spPr>
+              <p:txBody>
+                <a:bodyPr/>
+                <a:lstStyle/>
+                <a:p>
+                  <a:r>
+                    <a:rPr lang="ko-KR" altLang="en-US">
+                      <a:noFill/>
+                    </a:rPr>
+                    <a:t> </a:t>
+                  </a:r>
+                </a:p>
+              </p:txBody>
+            </p:sp>
+          </mc:Fallback>
+        </mc:AlternateContent>
+        <p:grpSp>
+          <p:nvGrpSpPr>
+            <p:cNvPr id="28" name="그룹 27">
+              <a:extLst>
+                <a:ext uri="{FF2B5EF4-FFF2-40B4-BE49-F238E27FC236}">
+                  <a16:creationId xmlns:a16="http://schemas.microsoft.com/office/drawing/2014/main" id="{F4D7C98E-F2D6-7338-4AE1-F1838EB51478}"/>
+                </a:ext>
+              </a:extLst>
+            </p:cNvPr>
+            <p:cNvGrpSpPr/>
+            <p:nvPr/>
+          </p:nvGrpSpPr>
+          <p:grpSpPr>
+            <a:xfrm>
+              <a:off x="3885748" y="1662260"/>
+              <a:ext cx="2891893" cy="2673452"/>
+              <a:chOff x="3885748" y="1662260"/>
+              <a:chExt cx="2891893" cy="2673452"/>
+            </a:xfrm>
+          </p:grpSpPr>
+          <p:grpSp>
+            <p:nvGrpSpPr>
+              <p:cNvPr id="10" name="그룹 9">
+                <a:extLst>
+                  <a:ext uri="{FF2B5EF4-FFF2-40B4-BE49-F238E27FC236}">
+                    <a16:creationId xmlns:a16="http://schemas.microsoft.com/office/drawing/2014/main" id="{DEFC2749-EEB4-492C-1F96-1D0D8E6FAA8F}"/>
+                  </a:ext>
+                </a:extLst>
+              </p:cNvPr>
+              <p:cNvGrpSpPr/>
+              <p:nvPr/>
+            </p:nvGrpSpPr>
+            <p:grpSpPr>
+              <a:xfrm>
+                <a:off x="4457700" y="1924320"/>
+                <a:ext cx="2160000" cy="2160000"/>
+                <a:chOff x="4457700" y="1924320"/>
+                <a:chExt cx="2160000" cy="2160000"/>
+              </a:xfrm>
+            </p:grpSpPr>
+            <p:cxnSp>
+              <p:nvCxnSpPr>
+                <p:cNvPr id="3" name="직선 연결선 2">
+                  <a:extLst>
+                    <a:ext uri="{FF2B5EF4-FFF2-40B4-BE49-F238E27FC236}">
+                      <a16:creationId xmlns:a16="http://schemas.microsoft.com/office/drawing/2014/main" id="{53E59133-B224-3461-7784-01CF88F7CB42}"/>
+                    </a:ext>
+                  </a:extLst>
+                </p:cNvPr>
+                <p:cNvCxnSpPr>
+                  <a:cxnSpLocks/>
+                </p:cNvCxnSpPr>
+                <p:nvPr/>
+              </p:nvCxnSpPr>
+              <p:spPr>
+                <a:xfrm>
+                  <a:off x="4457700" y="4084320"/>
+                  <a:ext cx="2160000" cy="0"/>
+                </a:xfrm>
+                <a:prstGeom prst="line">
+                  <a:avLst/>
+                </a:prstGeom>
+              </p:spPr>
+              <p:style>
+                <a:lnRef idx="2">
+                  <a:schemeClr val="dk1"/>
+                </a:lnRef>
+                <a:fillRef idx="0">
+                  <a:schemeClr val="dk1"/>
+                </a:fillRef>
+                <a:effectRef idx="1">
+                  <a:schemeClr val="dk1"/>
+                </a:effectRef>
+                <a:fontRef idx="minor">
+                  <a:schemeClr val="tx1"/>
+                </a:fontRef>
+              </p:style>
+            </p:cxnSp>
+            <p:cxnSp>
+              <p:nvCxnSpPr>
+                <p:cNvPr id="5" name="직선 연결선 4">
+                  <a:extLst>
+                    <a:ext uri="{FF2B5EF4-FFF2-40B4-BE49-F238E27FC236}">
+                      <a16:creationId xmlns:a16="http://schemas.microsoft.com/office/drawing/2014/main" id="{2920CEE3-6C56-E1C6-2DAC-D9DA3F62B88A}"/>
+                    </a:ext>
+                  </a:extLst>
+                </p:cNvPr>
+                <p:cNvCxnSpPr>
+                  <a:cxnSpLocks/>
+                </p:cNvCxnSpPr>
+                <p:nvPr/>
+              </p:nvCxnSpPr>
+              <p:spPr>
+                <a:xfrm>
+                  <a:off x="4462461" y="1924320"/>
+                  <a:ext cx="0" cy="2160000"/>
+                </a:xfrm>
+                <a:prstGeom prst="line">
+                  <a:avLst/>
+                </a:prstGeom>
+              </p:spPr>
+              <p:style>
+                <a:lnRef idx="2">
+                  <a:schemeClr val="dk1"/>
+                </a:lnRef>
+                <a:fillRef idx="0">
+                  <a:schemeClr val="dk1"/>
+                </a:fillRef>
+                <a:effectRef idx="1">
+                  <a:schemeClr val="dk1"/>
+                </a:effectRef>
+                <a:fontRef idx="minor">
+                  <a:schemeClr val="tx1"/>
+                </a:fontRef>
+              </p:style>
+            </p:cxnSp>
+          </p:grpSp>
+          <mc:AlternateContent xmlns:mc="http://schemas.openxmlformats.org/markup-compatibility/2006" xmlns:a14="http://schemas.microsoft.com/office/drawing/2010/main">
+            <mc:Choice Requires="a14">
+              <p:sp>
+                <p:nvSpPr>
+                  <p:cNvPr id="26" name="TextBox 25">
+                    <a:extLst>
+                      <a:ext uri="{FF2B5EF4-FFF2-40B4-BE49-F238E27FC236}">
+                        <a16:creationId xmlns:a16="http://schemas.microsoft.com/office/drawing/2014/main" id="{8872BDA4-36ED-B783-35C7-628CFFD7B2B1}"/>
+                      </a:ext>
+                    </a:extLst>
+                  </p:cNvPr>
+                  <p:cNvSpPr txBox="1"/>
+                  <p:nvPr/>
+                </p:nvSpPr>
+                <p:spPr>
+                  <a:xfrm>
+                    <a:off x="5994734" y="4104880"/>
+                    <a:ext cx="782907" cy="230832"/>
+                  </a:xfrm>
+                  <a:prstGeom prst="rect">
+                    <a:avLst/>
+                  </a:prstGeom>
+                  <a:noFill/>
+                </p:spPr>
+                <p:txBody>
+                  <a:bodyPr wrap="none" rtlCol="0">
+                    <a:spAutoFit/>
+                  </a:bodyPr>
+                  <a:lstStyle/>
+                  <a:p>
+                    <a:pPr/>
+                    <a14:m>
+                      <m:oMathPara xmlns:m="http://schemas.openxmlformats.org/officeDocument/2006/math">
+                        <m:oMathParaPr>
+                          <m:jc m:val="centerGroup"/>
+                        </m:oMathParaPr>
+                        <m:oMath xmlns:m="http://schemas.openxmlformats.org/officeDocument/2006/math">
+                          <m:r>
+                            <a:rPr lang="en-US" altLang="ko-KR" sz="900" b="0" i="1" smtClean="0">
+                              <a:latin typeface="Cambria Math" panose="02040503050406030204" pitchFamily="18" charset="0"/>
+                            </a:rPr>
+                            <m:t>𝑆𝑖𝑑𝑒</m:t>
+                          </m:r>
+                          <m:r>
+                            <a:rPr lang="en-US" altLang="ko-KR" sz="900" b="0" i="1" smtClean="0">
+                              <a:latin typeface="Cambria Math" panose="02040503050406030204" pitchFamily="18" charset="0"/>
+                            </a:rPr>
+                            <m:t> </m:t>
+                          </m:r>
+                          <m:r>
+                            <a:rPr lang="en-US" altLang="ko-KR" sz="900" b="0" i="1" smtClean="0">
+                              <a:latin typeface="Cambria Math" panose="02040503050406030204" pitchFamily="18" charset="0"/>
+                            </a:rPr>
+                            <m:t>𝐴𝑛𝑔𝑙𝑒</m:t>
+                          </m:r>
+                        </m:oMath>
+                      </m:oMathPara>
+                    </a14:m>
+                    <a:endParaRPr lang="ko-KR" altLang="en-US" sz="900" dirty="0"/>
+                  </a:p>
+                </p:txBody>
+              </p:sp>
+            </mc:Choice>
+            <mc:Fallback xmlns="">
+              <p:sp>
+                <p:nvSpPr>
+                  <p:cNvPr id="26" name="TextBox 25">
+                    <a:extLst>
+                      <a:ext uri="{FF2B5EF4-FFF2-40B4-BE49-F238E27FC236}">
+                        <a16:creationId xmlns:a16="http://schemas.microsoft.com/office/drawing/2014/main" id="{8872BDA4-36ED-B783-35C7-628CFFD7B2B1}"/>
+                      </a:ext>
+                    </a:extLst>
+                  </p:cNvPr>
+                  <p:cNvSpPr txBox="1">
+                    <a:spLocks noRot="1" noChangeAspect="1" noMove="1" noResize="1" noEditPoints="1" noAdjustHandles="1" noChangeArrowheads="1" noChangeShapeType="1" noTextEdit="1"/>
+                  </p:cNvSpPr>
+                  <p:nvPr/>
+                </p:nvSpPr>
+                <p:spPr>
+                  <a:xfrm>
+                    <a:off x="5994734" y="4104880"/>
+                    <a:ext cx="782907" cy="230832"/>
+                  </a:xfrm>
+                  <a:prstGeom prst="rect">
+                    <a:avLst/>
+                  </a:prstGeom>
+                  <a:blipFill>
+                    <a:blip r:embed="rId4"/>
+                    <a:stretch>
+                      <a:fillRect b="-2632"/>
+                    </a:stretch>
+                  </a:blipFill>
+                </p:spPr>
+                <p:txBody>
+                  <a:bodyPr/>
+                  <a:lstStyle/>
+                  <a:p>
+                    <a:r>
+                      <a:rPr lang="ko-KR" altLang="en-US">
+                        <a:noFill/>
+                      </a:rPr>
+                      <a:t> </a:t>
+                    </a:r>
+                  </a:p>
+                </p:txBody>
+              </p:sp>
+            </mc:Fallback>
+          </mc:AlternateContent>
+          <mc:AlternateContent xmlns:mc="http://schemas.openxmlformats.org/markup-compatibility/2006" xmlns:a14="http://schemas.microsoft.com/office/drawing/2010/main">
+            <mc:Choice Requires="a14">
+              <p:sp>
+                <p:nvSpPr>
+                  <p:cNvPr id="27" name="TextBox 26">
+                    <a:extLst>
+                      <a:ext uri="{FF2B5EF4-FFF2-40B4-BE49-F238E27FC236}">
+                        <a16:creationId xmlns:a16="http://schemas.microsoft.com/office/drawing/2014/main" id="{8940A942-D90B-8319-0852-03005CC8BE0F}"/>
+                      </a:ext>
+                    </a:extLst>
+                  </p:cNvPr>
+                  <p:cNvSpPr txBox="1"/>
+                  <p:nvPr/>
+                </p:nvSpPr>
+                <p:spPr>
+                  <a:xfrm>
+                    <a:off x="3885748" y="1662260"/>
+                    <a:ext cx="936282" cy="230832"/>
+                  </a:xfrm>
+                  <a:prstGeom prst="rect">
+                    <a:avLst/>
+                  </a:prstGeom>
+                  <a:noFill/>
+                </p:spPr>
+                <p:txBody>
+                  <a:bodyPr wrap="none" rtlCol="0">
+                    <a:spAutoFit/>
+                  </a:bodyPr>
+                  <a:lstStyle/>
+                  <a:p>
+                    <a:pPr/>
+                    <a14:m>
+                      <m:oMathPara xmlns:m="http://schemas.openxmlformats.org/officeDocument/2006/math">
+                        <m:oMathParaPr>
+                          <m:jc m:val="centerGroup"/>
+                        </m:oMathParaPr>
+                        <m:oMath xmlns:m="http://schemas.openxmlformats.org/officeDocument/2006/math">
+                          <m:r>
+                            <a:rPr lang="en-US" altLang="ko-KR" sz="900" b="0" i="1" smtClean="0">
+                              <a:latin typeface="Cambria Math" panose="02040503050406030204" pitchFamily="18" charset="0"/>
+                            </a:rPr>
+                            <m:t>𝐿𝑎𝑡𝑒𝑟𝑎𝑙</m:t>
+                          </m:r>
+                          <m:r>
+                            <a:rPr lang="en-US" altLang="ko-KR" sz="900" b="0" i="1" smtClean="0">
+                              <a:latin typeface="Cambria Math" panose="02040503050406030204" pitchFamily="18" charset="0"/>
+                            </a:rPr>
+                            <m:t> </m:t>
+                          </m:r>
+                          <m:r>
+                            <a:rPr lang="en-US" altLang="ko-KR" sz="900" b="0" i="1" smtClean="0">
+                              <a:latin typeface="Cambria Math" panose="02040503050406030204" pitchFamily="18" charset="0"/>
+                            </a:rPr>
+                            <m:t>𝐹𝑜𝑟𝑐𝑒</m:t>
+                          </m:r>
+                        </m:oMath>
+                      </m:oMathPara>
+                    </a14:m>
+                    <a:endParaRPr lang="ko-KR" altLang="en-US" sz="900" dirty="0"/>
+                  </a:p>
+                </p:txBody>
+              </p:sp>
+            </mc:Choice>
+            <mc:Fallback xmlns="">
+              <p:sp>
+                <p:nvSpPr>
+                  <p:cNvPr id="27" name="TextBox 26">
+                    <a:extLst>
+                      <a:ext uri="{FF2B5EF4-FFF2-40B4-BE49-F238E27FC236}">
+                        <a16:creationId xmlns:a16="http://schemas.microsoft.com/office/drawing/2014/main" id="{8940A942-D90B-8319-0852-03005CC8BE0F}"/>
+                      </a:ext>
+                    </a:extLst>
+                  </p:cNvPr>
+                  <p:cNvSpPr txBox="1">
+                    <a:spLocks noRot="1" noChangeAspect="1" noMove="1" noResize="1" noEditPoints="1" noAdjustHandles="1" noChangeArrowheads="1" noChangeShapeType="1" noTextEdit="1"/>
+                  </p:cNvSpPr>
+                  <p:nvPr/>
+                </p:nvSpPr>
+                <p:spPr>
+                  <a:xfrm>
+                    <a:off x="3885748" y="1662260"/>
+                    <a:ext cx="936282" cy="230832"/>
+                  </a:xfrm>
+                  <a:prstGeom prst="rect">
+                    <a:avLst/>
+                  </a:prstGeom>
+                  <a:blipFill>
+                    <a:blip r:embed="rId5"/>
+                    <a:stretch>
+                      <a:fillRect/>
+                    </a:stretch>
+                  </a:blipFill>
+                </p:spPr>
+                <p:txBody>
+                  <a:bodyPr/>
+                  <a:lstStyle/>
+                  <a:p>
+                    <a:r>
+                      <a:rPr lang="ko-KR" altLang="en-US">
+                        <a:noFill/>
+                      </a:rPr>
+                      <a:t> </a:t>
+                    </a:r>
+                  </a:p>
+                </p:txBody>
+              </p:sp>
+            </mc:Fallback>
+          </mc:AlternateContent>
+        </p:grpSp>
+      </p:grpSp>
+    </p:spTree>
+    <p:extLst>
+      <p:ext uri="{BB962C8B-B14F-4D97-AF65-F5344CB8AC3E}">
+        <p14:creationId xmlns:p14="http://schemas.microsoft.com/office/powerpoint/2010/main" val="3495622270"/>
       </p:ext>
     </p:extLst>
   </p:cSld>
@@ -12053,52 +12836,12 @@
           <a:chExt cx="0" cy="0"/>
         </a:xfrm>
       </p:grpSpPr>
-      <p:cxnSp>
-        <p:nvCxnSpPr>
-          <p:cNvPr id="53" name="직선 연결선 52">
+      <p:grpSp>
+        <p:nvGrpSpPr>
+          <p:cNvPr id="3" name="그룹 2">
             <a:extLst>
               <a:ext uri="{FF2B5EF4-FFF2-40B4-BE49-F238E27FC236}">
-                <a16:creationId xmlns:a16="http://schemas.microsoft.com/office/drawing/2014/main" id="{37ECC442-9741-CB43-A432-353709582449}"/>
-              </a:ext>
-            </a:extLst>
-          </p:cNvPr>
-          <p:cNvCxnSpPr>
-            <a:cxnSpLocks/>
-            <a:stCxn id="39" idx="0"/>
-          </p:cNvCxnSpPr>
-          <p:nvPr/>
-        </p:nvCxnSpPr>
-        <p:spPr>
-          <a:xfrm>
-            <a:off x="4464581" y="2003353"/>
-            <a:ext cx="2453442" cy="2146056"/>
-          </a:xfrm>
-          <a:prstGeom prst="line">
-            <a:avLst/>
-          </a:prstGeom>
-          <a:ln w="3175"/>
-        </p:spPr>
-        <p:style>
-          <a:lnRef idx="2">
-            <a:schemeClr val="dk1"/>
-          </a:lnRef>
-          <a:fillRef idx="0">
-            <a:schemeClr val="dk1"/>
-          </a:fillRef>
-          <a:effectRef idx="1">
-            <a:schemeClr val="dk1"/>
-          </a:effectRef>
-          <a:fontRef idx="minor">
-            <a:schemeClr val="tx1"/>
-          </a:fontRef>
-        </p:style>
-      </p:cxnSp>
-      <p:grpSp>
-        <p:nvGrpSpPr>
-          <p:cNvPr id="97" name="그룹 96">
-            <a:extLst>
-              <a:ext uri="{FF2B5EF4-FFF2-40B4-BE49-F238E27FC236}">
-                <a16:creationId xmlns:a16="http://schemas.microsoft.com/office/drawing/2014/main" id="{17B0D439-3288-7E91-9098-3377179C134D}"/>
+                <a16:creationId xmlns:a16="http://schemas.microsoft.com/office/drawing/2014/main" id="{885610C3-9A35-DF7F-FF2C-BC234F616883}"/>
               </a:ext>
             </a:extLst>
           </p:cNvPr>
@@ -12107,18 +12850,18 @@
         </p:nvGrpSpPr>
         <p:grpSpPr>
           <a:xfrm>
-            <a:off x="-2081977" y="150590"/>
-            <a:ext cx="18000000" cy="18731373"/>
-            <a:chOff x="-2081977" y="150590"/>
-            <a:chExt cx="18000000" cy="18731373"/>
+            <a:off x="-7851982" y="-5922840"/>
+            <a:ext cx="18701435" cy="18000000"/>
+            <a:chOff x="-7851982" y="-5922840"/>
+            <a:chExt cx="18701435" cy="18000000"/>
           </a:xfrm>
         </p:grpSpPr>
         <p:grpSp>
           <p:nvGrpSpPr>
-            <p:cNvPr id="32" name="그룹 31">
+            <p:cNvPr id="2" name="그룹 1">
               <a:extLst>
                 <a:ext uri="{FF2B5EF4-FFF2-40B4-BE49-F238E27FC236}">
-                  <a16:creationId xmlns:a16="http://schemas.microsoft.com/office/drawing/2014/main" id="{7B2CF6CF-D359-9829-3630-F51FB2B07684}"/>
+                  <a16:creationId xmlns:a16="http://schemas.microsoft.com/office/drawing/2014/main" id="{CEEA3446-49C5-586D-E73B-AAE8A39B83A5}"/>
                 </a:ext>
               </a:extLst>
             </p:cNvPr>
@@ -12126,444 +12869,19 @@
             <p:nvPr/>
           </p:nvGrpSpPr>
           <p:grpSpPr>
-            <a:xfrm>
-              <a:off x="4603750" y="150590"/>
-              <a:ext cx="4033570" cy="1402862"/>
-              <a:chOff x="5227369" y="1846359"/>
-              <a:chExt cx="5410201" cy="2001253"/>
+            <a:xfrm rot="5400000">
+              <a:off x="-7501264" y="-6273558"/>
+              <a:ext cx="18000000" cy="18701435"/>
+              <a:chOff x="-3938914" y="2737094"/>
+              <a:chExt cx="18000000" cy="18701435"/>
             </a:xfrm>
           </p:grpSpPr>
-          <p:sp>
-            <p:nvSpPr>
-              <p:cNvPr id="4" name="직사각형 3">
+          <p:grpSp>
+            <p:nvGrpSpPr>
+              <p:cNvPr id="32" name="그룹 31">
                 <a:extLst>
                   <a:ext uri="{FF2B5EF4-FFF2-40B4-BE49-F238E27FC236}">
-                    <a16:creationId xmlns:a16="http://schemas.microsoft.com/office/drawing/2014/main" id="{53EFC9D4-88C5-F883-0066-BEDC587F2578}"/>
-                  </a:ext>
-                </a:extLst>
-              </p:cNvPr>
-              <p:cNvSpPr/>
-              <p:nvPr/>
-            </p:nvSpPr>
-            <p:spPr>
-              <a:xfrm rot="10800000">
-                <a:off x="5227370" y="3324238"/>
-                <a:ext cx="1431758" cy="523374"/>
-              </a:xfrm>
-              <a:prstGeom prst="rect">
-                <a:avLst/>
-              </a:prstGeom>
-              <a:solidFill>
-                <a:schemeClr val="bg2"/>
-              </a:solidFill>
-            </p:spPr>
-            <p:style>
-              <a:lnRef idx="2">
-                <a:schemeClr val="accent1">
-                  <a:shade val="15000"/>
-                </a:schemeClr>
-              </a:lnRef>
-              <a:fillRef idx="1">
-                <a:schemeClr val="accent1"/>
-              </a:fillRef>
-              <a:effectRef idx="0">
-                <a:schemeClr val="accent1"/>
-              </a:effectRef>
-              <a:fontRef idx="minor">
-                <a:schemeClr val="lt1"/>
-              </a:fontRef>
-            </p:style>
-            <p:txBody>
-              <a:bodyPr rtlCol="0" anchor="ctr"/>
-              <a:lstStyle/>
-              <a:p>
-                <a:pPr algn="ctr"/>
-                <a:endParaRPr lang="ko-KR" altLang="en-US"/>
-              </a:p>
-            </p:txBody>
-          </p:sp>
-          <p:sp>
-            <p:nvSpPr>
-              <p:cNvPr id="6" name="직사각형 5">
-                <a:extLst>
-                  <a:ext uri="{FF2B5EF4-FFF2-40B4-BE49-F238E27FC236}">
-                    <a16:creationId xmlns:a16="http://schemas.microsoft.com/office/drawing/2014/main" id="{5BC1D082-0169-FA05-20D2-BC6549820B82}"/>
-                  </a:ext>
-                </a:extLst>
-              </p:cNvPr>
-              <p:cNvSpPr/>
-              <p:nvPr/>
-            </p:nvSpPr>
-            <p:spPr>
-              <a:xfrm rot="10800000">
-                <a:off x="5227369" y="1846359"/>
-                <a:ext cx="1431758" cy="523374"/>
-              </a:xfrm>
-              <a:prstGeom prst="rect">
-                <a:avLst/>
-              </a:prstGeom>
-              <a:solidFill>
-                <a:schemeClr val="bg2"/>
-              </a:solidFill>
-            </p:spPr>
-            <p:style>
-              <a:lnRef idx="2">
-                <a:schemeClr val="accent1">
-                  <a:shade val="15000"/>
-                </a:schemeClr>
-              </a:lnRef>
-              <a:fillRef idx="1">
-                <a:schemeClr val="accent1"/>
-              </a:fillRef>
-              <a:effectRef idx="0">
-                <a:schemeClr val="accent1"/>
-              </a:effectRef>
-              <a:fontRef idx="minor">
-                <a:schemeClr val="lt1"/>
-              </a:fontRef>
-            </p:style>
-            <p:txBody>
-              <a:bodyPr rtlCol="0" anchor="ctr"/>
-              <a:lstStyle/>
-              <a:p>
-                <a:pPr algn="ctr"/>
-                <a:endParaRPr lang="ko-KR" altLang="en-US"/>
-              </a:p>
-            </p:txBody>
-          </p:sp>
-          <p:sp>
-            <p:nvSpPr>
-              <p:cNvPr id="7" name="직사각형 6">
-                <a:extLst>
-                  <a:ext uri="{FF2B5EF4-FFF2-40B4-BE49-F238E27FC236}">
-                    <a16:creationId xmlns:a16="http://schemas.microsoft.com/office/drawing/2014/main" id="{AFAF5F41-8FB3-F11D-6CB5-899FC3704740}"/>
-                  </a:ext>
-                </a:extLst>
-              </p:cNvPr>
-              <p:cNvSpPr/>
-              <p:nvPr/>
-            </p:nvSpPr>
-            <p:spPr>
-              <a:xfrm rot="10800000">
-                <a:off x="9205812" y="3324238"/>
-                <a:ext cx="1431758" cy="523374"/>
-              </a:xfrm>
-              <a:prstGeom prst="rect">
-                <a:avLst/>
-              </a:prstGeom>
-              <a:solidFill>
-                <a:schemeClr val="bg2"/>
-              </a:solidFill>
-            </p:spPr>
-            <p:style>
-              <a:lnRef idx="2">
-                <a:schemeClr val="accent1">
-                  <a:shade val="15000"/>
-                </a:schemeClr>
-              </a:lnRef>
-              <a:fillRef idx="1">
-                <a:schemeClr val="accent1"/>
-              </a:fillRef>
-              <a:effectRef idx="0">
-                <a:schemeClr val="accent1"/>
-              </a:effectRef>
-              <a:fontRef idx="minor">
-                <a:schemeClr val="lt1"/>
-              </a:fontRef>
-            </p:style>
-            <p:txBody>
-              <a:bodyPr rtlCol="0" anchor="ctr"/>
-              <a:lstStyle/>
-              <a:p>
-                <a:pPr algn="ctr"/>
-                <a:endParaRPr lang="ko-KR" altLang="en-US"/>
-              </a:p>
-            </p:txBody>
-          </p:sp>
-          <p:sp>
-            <p:nvSpPr>
-              <p:cNvPr id="8" name="직사각형 7">
-                <a:extLst>
-                  <a:ext uri="{FF2B5EF4-FFF2-40B4-BE49-F238E27FC236}">
-                    <a16:creationId xmlns:a16="http://schemas.microsoft.com/office/drawing/2014/main" id="{314532FD-CAF6-CFCB-1251-570B2984EB03}"/>
-                  </a:ext>
-                </a:extLst>
-              </p:cNvPr>
-              <p:cNvSpPr/>
-              <p:nvPr/>
-            </p:nvSpPr>
-            <p:spPr>
-              <a:xfrm rot="10800000">
-                <a:off x="9205811" y="1846359"/>
-                <a:ext cx="1431758" cy="523374"/>
-              </a:xfrm>
-              <a:prstGeom prst="rect">
-                <a:avLst/>
-              </a:prstGeom>
-              <a:solidFill>
-                <a:schemeClr val="bg2"/>
-              </a:solidFill>
-            </p:spPr>
-            <p:style>
-              <a:lnRef idx="2">
-                <a:schemeClr val="accent1">
-                  <a:shade val="15000"/>
-                </a:schemeClr>
-              </a:lnRef>
-              <a:fillRef idx="1">
-                <a:schemeClr val="accent1"/>
-              </a:fillRef>
-              <a:effectRef idx="0">
-                <a:schemeClr val="accent1"/>
-              </a:effectRef>
-              <a:fontRef idx="minor">
-                <a:schemeClr val="lt1"/>
-              </a:fontRef>
-            </p:style>
-            <p:txBody>
-              <a:bodyPr rtlCol="0" anchor="ctr"/>
-              <a:lstStyle/>
-              <a:p>
-                <a:pPr algn="ctr"/>
-                <a:endParaRPr lang="ko-KR" altLang="en-US"/>
-              </a:p>
-            </p:txBody>
-          </p:sp>
-          <p:cxnSp>
-            <p:nvCxnSpPr>
-              <p:cNvPr id="12" name="직선 연결선 11">
-                <a:extLst>
-                  <a:ext uri="{FF2B5EF4-FFF2-40B4-BE49-F238E27FC236}">
-                    <a16:creationId xmlns:a16="http://schemas.microsoft.com/office/drawing/2014/main" id="{52E93FCF-5046-F3F9-3110-ADDA83C0F2F0}"/>
-                  </a:ext>
-                </a:extLst>
-              </p:cNvPr>
-              <p:cNvCxnSpPr>
-                <a:cxnSpLocks/>
-                <a:stCxn id="8" idx="0"/>
-                <a:endCxn id="7" idx="2"/>
-              </p:cNvCxnSpPr>
-              <p:nvPr/>
-            </p:nvCxnSpPr>
-            <p:spPr>
-              <a:xfrm>
-                <a:off x="9921690" y="2369733"/>
-                <a:ext cx="1" cy="954505"/>
-              </a:xfrm>
-              <a:prstGeom prst="line">
-                <a:avLst/>
-              </a:prstGeom>
-              <a:ln w="57150"/>
-            </p:spPr>
-            <p:style>
-              <a:lnRef idx="2">
-                <a:schemeClr val="dk1"/>
-              </a:lnRef>
-              <a:fillRef idx="0">
-                <a:schemeClr val="dk1"/>
-              </a:fillRef>
-              <a:effectRef idx="1">
-                <a:schemeClr val="dk1"/>
-              </a:effectRef>
-              <a:fontRef idx="minor">
-                <a:schemeClr val="tx1"/>
-              </a:fontRef>
-            </p:style>
-          </p:cxnSp>
-          <p:cxnSp>
-            <p:nvCxnSpPr>
-              <p:cNvPr id="16" name="직선 연결선 15">
-                <a:extLst>
-                  <a:ext uri="{FF2B5EF4-FFF2-40B4-BE49-F238E27FC236}">
-                    <a16:creationId xmlns:a16="http://schemas.microsoft.com/office/drawing/2014/main" id="{642C57FE-EF8B-9918-8CC9-7158FCA7D4BD}"/>
-                  </a:ext>
-                </a:extLst>
-              </p:cNvPr>
-              <p:cNvCxnSpPr>
-                <a:cxnSpLocks/>
-              </p:cNvCxnSpPr>
-              <p:nvPr/>
-            </p:nvCxnSpPr>
-            <p:spPr>
-              <a:xfrm>
-                <a:off x="5943247" y="2366323"/>
-                <a:ext cx="1" cy="954505"/>
-              </a:xfrm>
-              <a:prstGeom prst="line">
-                <a:avLst/>
-              </a:prstGeom>
-              <a:ln w="57150"/>
-            </p:spPr>
-            <p:style>
-              <a:lnRef idx="2">
-                <a:schemeClr val="dk1"/>
-              </a:lnRef>
-              <a:fillRef idx="0">
-                <a:schemeClr val="dk1"/>
-              </a:fillRef>
-              <a:effectRef idx="1">
-                <a:schemeClr val="dk1"/>
-              </a:effectRef>
-              <a:fontRef idx="minor">
-                <a:schemeClr val="tx1"/>
-              </a:fontRef>
-            </p:style>
-          </p:cxnSp>
-          <p:cxnSp>
-            <p:nvCxnSpPr>
-              <p:cNvPr id="29" name="직선 연결선 28">
-                <a:extLst>
-                  <a:ext uri="{FF2B5EF4-FFF2-40B4-BE49-F238E27FC236}">
-                    <a16:creationId xmlns:a16="http://schemas.microsoft.com/office/drawing/2014/main" id="{5EBB7EE5-B567-9D09-5749-C15178E3FF8B}"/>
-                  </a:ext>
-                </a:extLst>
-              </p:cNvPr>
-              <p:cNvCxnSpPr>
-                <a:cxnSpLocks/>
-              </p:cNvCxnSpPr>
-              <p:nvPr/>
-            </p:nvCxnSpPr>
-            <p:spPr>
-              <a:xfrm flipH="1">
-                <a:off x="5943247" y="2843575"/>
-                <a:ext cx="3978443" cy="0"/>
-              </a:xfrm>
-              <a:prstGeom prst="line">
-                <a:avLst/>
-              </a:prstGeom>
-              <a:ln w="57150"/>
-            </p:spPr>
-            <p:style>
-              <a:lnRef idx="2">
-                <a:schemeClr val="dk1"/>
-              </a:lnRef>
-              <a:fillRef idx="0">
-                <a:schemeClr val="dk1"/>
-              </a:fillRef>
-              <a:effectRef idx="1">
-                <a:schemeClr val="dk1"/>
-              </a:effectRef>
-              <a:fontRef idx="minor">
-                <a:schemeClr val="tx1"/>
-              </a:fontRef>
-            </p:style>
-          </p:cxnSp>
-          <p:pic>
-            <p:nvPicPr>
-              <p:cNvPr id="10" name="그림 9">
-                <a:extLst>
-                  <a:ext uri="{FF2B5EF4-FFF2-40B4-BE49-F238E27FC236}">
-                    <a16:creationId xmlns:a16="http://schemas.microsoft.com/office/drawing/2014/main" id="{D8AADF05-CF13-E3E2-44E4-4CE219319044}"/>
-                  </a:ext>
-                </a:extLst>
-              </p:cNvPr>
-              <p:cNvPicPr>
-                <a:picLocks noChangeAspect="1"/>
-              </p:cNvPicPr>
-              <p:nvPr/>
-            </p:nvPicPr>
-            <p:blipFill>
-              <a:blip r:embed="rId3"/>
-              <a:stretch>
-                <a:fillRect/>
-              </a:stretch>
-            </p:blipFill>
-            <p:spPr>
-              <a:xfrm>
-                <a:off x="8161915" y="2676976"/>
-                <a:ext cx="339147" cy="333197"/>
-              </a:xfrm>
-              <a:prstGeom prst="rect">
-                <a:avLst/>
-              </a:prstGeom>
-            </p:spPr>
-          </p:pic>
-        </p:grpSp>
-        <p:grpSp>
-          <p:nvGrpSpPr>
-            <p:cNvPr id="96" name="그룹 95">
-              <a:extLst>
-                <a:ext uri="{FF2B5EF4-FFF2-40B4-BE49-F238E27FC236}">
-                  <a16:creationId xmlns:a16="http://schemas.microsoft.com/office/drawing/2014/main" id="{2C655DE7-1A64-A8D2-A207-CB2D07CA4D2B}"/>
-                </a:ext>
-              </a:extLst>
-            </p:cNvPr>
-            <p:cNvGrpSpPr/>
-            <p:nvPr/>
-          </p:nvGrpSpPr>
-          <p:grpSpPr>
-            <a:xfrm>
-              <a:off x="-2081977" y="881963"/>
-              <a:ext cx="18000000" cy="18000000"/>
-              <a:chOff x="-1430127" y="1614521"/>
-              <a:chExt cx="18000000" cy="18000000"/>
-            </a:xfrm>
-          </p:grpSpPr>
-          <p:sp>
-            <p:nvSpPr>
-              <p:cNvPr id="91" name="원호 90">
-                <a:extLst>
-                  <a:ext uri="{FF2B5EF4-FFF2-40B4-BE49-F238E27FC236}">
-                    <a16:creationId xmlns:a16="http://schemas.microsoft.com/office/drawing/2014/main" id="{BDB26671-9105-19C8-E7DE-538D803356E8}"/>
-                  </a:ext>
-                </a:extLst>
-              </p:cNvPr>
-              <p:cNvSpPr>
-                <a:spLocks noChangeAspect="1"/>
-              </p:cNvSpPr>
-              <p:nvPr/>
-            </p:nvSpPr>
-            <p:spPr>
-              <a:xfrm>
-                <a:off x="-1430127" y="1614521"/>
-                <a:ext cx="18000000" cy="18000000"/>
-              </a:xfrm>
-              <a:prstGeom prst="arc">
-                <a:avLst>
-                  <a:gd name="adj1" fmla="val 15155255"/>
-                  <a:gd name="adj2" fmla="val 16106704"/>
-                </a:avLst>
-              </a:prstGeom>
-              <a:noFill/>
-              <a:ln w="28575">
-                <a:solidFill>
-                  <a:schemeClr val="tx1"/>
-                </a:solidFill>
-                <a:headEnd type="triangle" w="med" len="med"/>
-                <a:tailEnd type="none" w="med" len="med"/>
-              </a:ln>
-            </p:spPr>
-            <p:style>
-              <a:lnRef idx="2">
-                <a:schemeClr val="accent1">
-                  <a:shade val="15000"/>
-                </a:schemeClr>
-              </a:lnRef>
-              <a:fillRef idx="1">
-                <a:schemeClr val="accent1"/>
-              </a:fillRef>
-              <a:effectRef idx="0">
-                <a:schemeClr val="accent1"/>
-              </a:effectRef>
-              <a:fontRef idx="minor">
-                <a:schemeClr val="lt1"/>
-              </a:fontRef>
-            </p:style>
-            <p:txBody>
-              <a:bodyPr rtlCol="0" anchor="ctr"/>
-              <a:lstStyle/>
-              <a:p>
-                <a:pPr algn="ctr"/>
-                <a:endParaRPr lang="ko-KR" altLang="en-US" dirty="0"/>
-              </a:p>
-            </p:txBody>
-          </p:sp>
-          <p:grpSp>
-            <p:nvGrpSpPr>
-              <p:cNvPr id="95" name="그룹 94">
-                <a:extLst>
-                  <a:ext uri="{FF2B5EF4-FFF2-40B4-BE49-F238E27FC236}">
-                    <a16:creationId xmlns:a16="http://schemas.microsoft.com/office/drawing/2014/main" id="{D603AA1C-430F-EB92-D527-B4E4634D4AC6}"/>
+                    <a16:creationId xmlns:a16="http://schemas.microsoft.com/office/drawing/2014/main" id="{7B2CF6CF-D359-9829-3630-F51FB2B07684}"/>
                   </a:ext>
                 </a:extLst>
               </p:cNvPr>
@@ -12572,18 +12890,443 @@
             </p:nvGrpSpPr>
             <p:grpSpPr>
               <a:xfrm>
-                <a:off x="4325287" y="1614521"/>
-                <a:ext cx="6489172" cy="6489172"/>
-                <a:chOff x="4325287" y="1614521"/>
-                <a:chExt cx="6489172" cy="6489172"/>
+                <a:off x="4142241" y="2737094"/>
+                <a:ext cx="4033570" cy="1402862"/>
+                <a:chOff x="5227369" y="1846359"/>
+                <a:chExt cx="5410201" cy="2001253"/>
               </a:xfrm>
             </p:grpSpPr>
+            <p:sp>
+              <p:nvSpPr>
+                <p:cNvPr id="4" name="직사각형 3">
+                  <a:extLst>
+                    <a:ext uri="{FF2B5EF4-FFF2-40B4-BE49-F238E27FC236}">
+                      <a16:creationId xmlns:a16="http://schemas.microsoft.com/office/drawing/2014/main" id="{53EFC9D4-88C5-F883-0066-BEDC587F2578}"/>
+                    </a:ext>
+                  </a:extLst>
+                </p:cNvPr>
+                <p:cNvSpPr/>
+                <p:nvPr/>
+              </p:nvSpPr>
+              <p:spPr>
+                <a:xfrm rot="10095988">
+                  <a:off x="5227370" y="3324238"/>
+                  <a:ext cx="1431758" cy="523374"/>
+                </a:xfrm>
+                <a:prstGeom prst="rect">
+                  <a:avLst/>
+                </a:prstGeom>
+                <a:solidFill>
+                  <a:schemeClr val="bg2"/>
+                </a:solidFill>
+              </p:spPr>
+              <p:style>
+                <a:lnRef idx="2">
+                  <a:schemeClr val="accent1">
+                    <a:shade val="15000"/>
+                  </a:schemeClr>
+                </a:lnRef>
+                <a:fillRef idx="1">
+                  <a:schemeClr val="accent1"/>
+                </a:fillRef>
+                <a:effectRef idx="0">
+                  <a:schemeClr val="accent1"/>
+                </a:effectRef>
+                <a:fontRef idx="minor">
+                  <a:schemeClr val="lt1"/>
+                </a:fontRef>
+              </p:style>
+              <p:txBody>
+                <a:bodyPr rtlCol="0" anchor="ctr"/>
+                <a:lstStyle/>
+                <a:p>
+                  <a:pPr algn="ctr"/>
+                  <a:endParaRPr lang="ko-KR" altLang="en-US"/>
+                </a:p>
+              </p:txBody>
+            </p:sp>
+            <p:sp>
+              <p:nvSpPr>
+                <p:cNvPr id="6" name="직사각형 5">
+                  <a:extLst>
+                    <a:ext uri="{FF2B5EF4-FFF2-40B4-BE49-F238E27FC236}">
+                      <a16:creationId xmlns:a16="http://schemas.microsoft.com/office/drawing/2014/main" id="{5BC1D082-0169-FA05-20D2-BC6549820B82}"/>
+                    </a:ext>
+                  </a:extLst>
+                </p:cNvPr>
+                <p:cNvSpPr/>
+                <p:nvPr/>
+              </p:nvSpPr>
+              <p:spPr>
+                <a:xfrm rot="10095988">
+                  <a:off x="5227369" y="1846359"/>
+                  <a:ext cx="1431758" cy="523374"/>
+                </a:xfrm>
+                <a:prstGeom prst="rect">
+                  <a:avLst/>
+                </a:prstGeom>
+                <a:solidFill>
+                  <a:schemeClr val="bg2"/>
+                </a:solidFill>
+              </p:spPr>
+              <p:style>
+                <a:lnRef idx="2">
+                  <a:schemeClr val="accent1">
+                    <a:shade val="15000"/>
+                  </a:schemeClr>
+                </a:lnRef>
+                <a:fillRef idx="1">
+                  <a:schemeClr val="accent1"/>
+                </a:fillRef>
+                <a:effectRef idx="0">
+                  <a:schemeClr val="accent1"/>
+                </a:effectRef>
+                <a:fontRef idx="minor">
+                  <a:schemeClr val="lt1"/>
+                </a:fontRef>
+              </p:style>
+              <p:txBody>
+                <a:bodyPr rtlCol="0" anchor="ctr"/>
+                <a:lstStyle/>
+                <a:p>
+                  <a:pPr algn="ctr"/>
+                  <a:endParaRPr lang="ko-KR" altLang="en-US"/>
+                </a:p>
+              </p:txBody>
+            </p:sp>
+            <p:sp>
+              <p:nvSpPr>
+                <p:cNvPr id="7" name="직사각형 6">
+                  <a:extLst>
+                    <a:ext uri="{FF2B5EF4-FFF2-40B4-BE49-F238E27FC236}">
+                      <a16:creationId xmlns:a16="http://schemas.microsoft.com/office/drawing/2014/main" id="{AFAF5F41-8FB3-F11D-6CB5-899FC3704740}"/>
+                    </a:ext>
+                  </a:extLst>
+                </p:cNvPr>
+                <p:cNvSpPr/>
+                <p:nvPr/>
+              </p:nvSpPr>
+              <p:spPr>
+                <a:xfrm rot="10800000">
+                  <a:off x="9205812" y="3324238"/>
+                  <a:ext cx="1431758" cy="523374"/>
+                </a:xfrm>
+                <a:prstGeom prst="rect">
+                  <a:avLst/>
+                </a:prstGeom>
+                <a:solidFill>
+                  <a:schemeClr val="bg2"/>
+                </a:solidFill>
+              </p:spPr>
+              <p:style>
+                <a:lnRef idx="2">
+                  <a:schemeClr val="accent1">
+                    <a:shade val="15000"/>
+                  </a:schemeClr>
+                </a:lnRef>
+                <a:fillRef idx="1">
+                  <a:schemeClr val="accent1"/>
+                </a:fillRef>
+                <a:effectRef idx="0">
+                  <a:schemeClr val="accent1"/>
+                </a:effectRef>
+                <a:fontRef idx="minor">
+                  <a:schemeClr val="lt1"/>
+                </a:fontRef>
+              </p:style>
+              <p:txBody>
+                <a:bodyPr rtlCol="0" anchor="ctr"/>
+                <a:lstStyle/>
+                <a:p>
+                  <a:pPr algn="ctr"/>
+                  <a:endParaRPr lang="ko-KR" altLang="en-US"/>
+                </a:p>
+              </p:txBody>
+            </p:sp>
+            <p:sp>
+              <p:nvSpPr>
+                <p:cNvPr id="8" name="직사각형 7">
+                  <a:extLst>
+                    <a:ext uri="{FF2B5EF4-FFF2-40B4-BE49-F238E27FC236}">
+                      <a16:creationId xmlns:a16="http://schemas.microsoft.com/office/drawing/2014/main" id="{314532FD-CAF6-CFCB-1251-570B2984EB03}"/>
+                    </a:ext>
+                  </a:extLst>
+                </p:cNvPr>
+                <p:cNvSpPr/>
+                <p:nvPr/>
+              </p:nvSpPr>
+              <p:spPr>
+                <a:xfrm rot="10800000">
+                  <a:off x="9205811" y="1846359"/>
+                  <a:ext cx="1431758" cy="523374"/>
+                </a:xfrm>
+                <a:prstGeom prst="rect">
+                  <a:avLst/>
+                </a:prstGeom>
+                <a:solidFill>
+                  <a:schemeClr val="bg2"/>
+                </a:solidFill>
+              </p:spPr>
+              <p:style>
+                <a:lnRef idx="2">
+                  <a:schemeClr val="accent1">
+                    <a:shade val="15000"/>
+                  </a:schemeClr>
+                </a:lnRef>
+                <a:fillRef idx="1">
+                  <a:schemeClr val="accent1"/>
+                </a:fillRef>
+                <a:effectRef idx="0">
+                  <a:schemeClr val="accent1"/>
+                </a:effectRef>
+                <a:fontRef idx="minor">
+                  <a:schemeClr val="lt1"/>
+                </a:fontRef>
+              </p:style>
+              <p:txBody>
+                <a:bodyPr rtlCol="0" anchor="ctr"/>
+                <a:lstStyle/>
+                <a:p>
+                  <a:pPr algn="ctr"/>
+                  <a:endParaRPr lang="ko-KR" altLang="en-US"/>
+                </a:p>
+              </p:txBody>
+            </p:sp>
+            <p:cxnSp>
+              <p:nvCxnSpPr>
+                <p:cNvPr id="12" name="직선 연결선 11">
+                  <a:extLst>
+                    <a:ext uri="{FF2B5EF4-FFF2-40B4-BE49-F238E27FC236}">
+                      <a16:creationId xmlns:a16="http://schemas.microsoft.com/office/drawing/2014/main" id="{52E93FCF-5046-F3F9-3110-ADDA83C0F2F0}"/>
+                    </a:ext>
+                  </a:extLst>
+                </p:cNvPr>
+                <p:cNvCxnSpPr>
+                  <a:cxnSpLocks/>
+                  <a:stCxn id="8" idx="0"/>
+                  <a:endCxn id="7" idx="2"/>
+                </p:cNvCxnSpPr>
+                <p:nvPr/>
+              </p:nvCxnSpPr>
+              <p:spPr>
+                <a:xfrm>
+                  <a:off x="9921690" y="2369733"/>
+                  <a:ext cx="1" cy="954505"/>
+                </a:xfrm>
+                <a:prstGeom prst="line">
+                  <a:avLst/>
+                </a:prstGeom>
+                <a:ln w="57150"/>
+              </p:spPr>
+              <p:style>
+                <a:lnRef idx="2">
+                  <a:schemeClr val="dk1"/>
+                </a:lnRef>
+                <a:fillRef idx="0">
+                  <a:schemeClr val="dk1"/>
+                </a:fillRef>
+                <a:effectRef idx="1">
+                  <a:schemeClr val="dk1"/>
+                </a:effectRef>
+                <a:fontRef idx="minor">
+                  <a:schemeClr val="tx1"/>
+                </a:fontRef>
+              </p:style>
+            </p:cxnSp>
+            <p:cxnSp>
+              <p:nvCxnSpPr>
+                <p:cNvPr id="16" name="직선 연결선 15">
+                  <a:extLst>
+                    <a:ext uri="{FF2B5EF4-FFF2-40B4-BE49-F238E27FC236}">
+                      <a16:creationId xmlns:a16="http://schemas.microsoft.com/office/drawing/2014/main" id="{642C57FE-EF8B-9918-8CC9-7158FCA7D4BD}"/>
+                    </a:ext>
+                  </a:extLst>
+                </p:cNvPr>
+                <p:cNvCxnSpPr>
+                  <a:cxnSpLocks/>
+                </p:cNvCxnSpPr>
+                <p:nvPr/>
+              </p:nvCxnSpPr>
+              <p:spPr>
+                <a:xfrm>
+                  <a:off x="5943247" y="2366323"/>
+                  <a:ext cx="1" cy="954505"/>
+                </a:xfrm>
+                <a:prstGeom prst="line">
+                  <a:avLst/>
+                </a:prstGeom>
+                <a:ln w="57150"/>
+              </p:spPr>
+              <p:style>
+                <a:lnRef idx="2">
+                  <a:schemeClr val="dk1"/>
+                </a:lnRef>
+                <a:fillRef idx="0">
+                  <a:schemeClr val="dk1"/>
+                </a:fillRef>
+                <a:effectRef idx="1">
+                  <a:schemeClr val="dk1"/>
+                </a:effectRef>
+                <a:fontRef idx="minor">
+                  <a:schemeClr val="tx1"/>
+                </a:fontRef>
+              </p:style>
+            </p:cxnSp>
+            <p:cxnSp>
+              <p:nvCxnSpPr>
+                <p:cNvPr id="29" name="직선 연결선 28">
+                  <a:extLst>
+                    <a:ext uri="{FF2B5EF4-FFF2-40B4-BE49-F238E27FC236}">
+                      <a16:creationId xmlns:a16="http://schemas.microsoft.com/office/drawing/2014/main" id="{5EBB7EE5-B567-9D09-5749-C15178E3FF8B}"/>
+                    </a:ext>
+                  </a:extLst>
+                </p:cNvPr>
+                <p:cNvCxnSpPr>
+                  <a:cxnSpLocks/>
+                </p:cNvCxnSpPr>
+                <p:nvPr/>
+              </p:nvCxnSpPr>
+              <p:spPr>
+                <a:xfrm flipH="1">
+                  <a:off x="5943247" y="2843575"/>
+                  <a:ext cx="3978443" cy="0"/>
+                </a:xfrm>
+                <a:prstGeom prst="line">
+                  <a:avLst/>
+                </a:prstGeom>
+                <a:ln w="57150"/>
+              </p:spPr>
+              <p:style>
+                <a:lnRef idx="2">
+                  <a:schemeClr val="dk1"/>
+                </a:lnRef>
+                <a:fillRef idx="0">
+                  <a:schemeClr val="dk1"/>
+                </a:fillRef>
+                <a:effectRef idx="1">
+                  <a:schemeClr val="dk1"/>
+                </a:effectRef>
+                <a:fontRef idx="minor">
+                  <a:schemeClr val="tx1"/>
+                </a:fontRef>
+              </p:style>
+            </p:cxnSp>
+            <p:pic>
+              <p:nvPicPr>
+                <p:cNvPr id="10" name="그림 9">
+                  <a:extLst>
+                    <a:ext uri="{FF2B5EF4-FFF2-40B4-BE49-F238E27FC236}">
+                      <a16:creationId xmlns:a16="http://schemas.microsoft.com/office/drawing/2014/main" id="{D8AADF05-CF13-E3E2-44E4-4CE219319044}"/>
+                    </a:ext>
+                  </a:extLst>
+                </p:cNvPr>
+                <p:cNvPicPr>
+                  <a:picLocks noChangeAspect="1"/>
+                </p:cNvPicPr>
+                <p:nvPr/>
+              </p:nvPicPr>
+              <p:blipFill>
+                <a:blip r:embed="rId3"/>
+                <a:stretch>
+                  <a:fillRect/>
+                </a:stretch>
+              </p:blipFill>
+              <p:spPr>
+                <a:xfrm>
+                  <a:off x="8161915" y="2676976"/>
+                  <a:ext cx="339147" cy="333197"/>
+                </a:xfrm>
+                <a:prstGeom prst="rect">
+                  <a:avLst/>
+                </a:prstGeom>
+              </p:spPr>
+            </p:pic>
+          </p:grpSp>
+          <p:grpSp>
+            <p:nvGrpSpPr>
+              <p:cNvPr id="96" name="그룹 95">
+                <a:extLst>
+                  <a:ext uri="{FF2B5EF4-FFF2-40B4-BE49-F238E27FC236}">
+                    <a16:creationId xmlns:a16="http://schemas.microsoft.com/office/drawing/2014/main" id="{2C655DE7-1A64-A8D2-A207-CB2D07CA4D2B}"/>
+                  </a:ext>
+                </a:extLst>
+              </p:cNvPr>
+              <p:cNvGrpSpPr/>
+              <p:nvPr/>
+            </p:nvGrpSpPr>
+            <p:grpSpPr>
+              <a:xfrm>
+                <a:off x="-3938914" y="3419479"/>
+                <a:ext cx="18000000" cy="18019050"/>
+                <a:chOff x="-1430127" y="1547846"/>
+                <a:chExt cx="18000000" cy="18019050"/>
+              </a:xfrm>
+            </p:grpSpPr>
+            <p:sp>
+              <p:nvSpPr>
+                <p:cNvPr id="91" name="원호 90">
+                  <a:extLst>
+                    <a:ext uri="{FF2B5EF4-FFF2-40B4-BE49-F238E27FC236}">
+                      <a16:creationId xmlns:a16="http://schemas.microsoft.com/office/drawing/2014/main" id="{BDB26671-9105-19C8-E7DE-538D803356E8}"/>
+                    </a:ext>
+                  </a:extLst>
+                </p:cNvPr>
+                <p:cNvSpPr>
+                  <a:spLocks noChangeAspect="1"/>
+                </p:cNvSpPr>
+                <p:nvPr/>
+              </p:nvSpPr>
+              <p:spPr>
+                <a:xfrm>
+                  <a:off x="-1430127" y="1566896"/>
+                  <a:ext cx="18000000" cy="18000000"/>
+                </a:xfrm>
+                <a:prstGeom prst="arc">
+                  <a:avLst>
+                    <a:gd name="adj1" fmla="val 15155255"/>
+                    <a:gd name="adj2" fmla="val 16106704"/>
+                  </a:avLst>
+                </a:prstGeom>
+                <a:noFill/>
+                <a:ln w="28575">
+                  <a:solidFill>
+                    <a:schemeClr val="tx1"/>
+                  </a:solidFill>
+                  <a:headEnd type="triangle" w="med" len="med"/>
+                  <a:tailEnd type="none" w="med" len="med"/>
+                </a:ln>
+              </p:spPr>
+              <p:style>
+                <a:lnRef idx="2">
+                  <a:schemeClr val="accent1">
+                    <a:shade val="15000"/>
+                  </a:schemeClr>
+                </a:lnRef>
+                <a:fillRef idx="1">
+                  <a:schemeClr val="accent1"/>
+                </a:fillRef>
+                <a:effectRef idx="0">
+                  <a:schemeClr val="accent1"/>
+                </a:effectRef>
+                <a:fontRef idx="minor">
+                  <a:schemeClr val="lt1"/>
+                </a:fontRef>
+              </p:style>
+              <p:txBody>
+                <a:bodyPr rtlCol="0" anchor="ctr"/>
+                <a:lstStyle/>
+                <a:p>
+                  <a:pPr algn="ctr"/>
+                  <a:endParaRPr lang="ko-KR" altLang="en-US" dirty="0"/>
+                </a:p>
+              </p:txBody>
+            </p:sp>
             <p:grpSp>
               <p:nvGrpSpPr>
-                <p:cNvPr id="89" name="그룹 88">
+                <p:cNvPr id="95" name="그룹 94">
                   <a:extLst>
                     <a:ext uri="{FF2B5EF4-FFF2-40B4-BE49-F238E27FC236}">
-                      <a16:creationId xmlns:a16="http://schemas.microsoft.com/office/drawing/2014/main" id="{CABE4DE0-08DC-F4DE-1D8B-6BB221917AC4}"/>
+                      <a16:creationId xmlns:a16="http://schemas.microsoft.com/office/drawing/2014/main" id="{D603AA1C-430F-EB92-D527-B4E4634D4AC6}"/>
                     </a:ext>
                   </a:extLst>
                 </p:cNvPr>
@@ -12592,69 +13335,12 @@
               </p:nvGrpSpPr>
               <p:grpSpPr>
                 <a:xfrm>
-                  <a:off x="4325287" y="1614521"/>
-                  <a:ext cx="6489172" cy="6489172"/>
-                  <a:chOff x="4202113" y="2311387"/>
-                  <a:chExt cx="6489172" cy="6489172"/>
+                  <a:off x="4325287" y="1547846"/>
+                  <a:ext cx="6489172" cy="6508222"/>
+                  <a:chOff x="4325287" y="1547846"/>
+                  <a:chExt cx="6489172" cy="6508222"/>
                 </a:xfrm>
               </p:grpSpPr>
-              <p:sp>
-                <p:nvSpPr>
-                  <p:cNvPr id="39" name="원호 38">
-                    <a:extLst>
-                      <a:ext uri="{FF2B5EF4-FFF2-40B4-BE49-F238E27FC236}">
-                        <a16:creationId xmlns:a16="http://schemas.microsoft.com/office/drawing/2014/main" id="{6E161078-AD1F-79F4-5FC7-9C4A6B80CE2A}"/>
-                      </a:ext>
-                    </a:extLst>
-                  </p:cNvPr>
-                  <p:cNvSpPr>
-                    <a:spLocks noChangeAspect="1"/>
-                  </p:cNvSpPr>
-                  <p:nvPr/>
-                </p:nvSpPr>
-                <p:spPr>
-                  <a:xfrm>
-                    <a:off x="4202113" y="2311387"/>
-                    <a:ext cx="6489172" cy="6489172"/>
-                  </a:xfrm>
-                  <a:prstGeom prst="arc">
-                    <a:avLst>
-                      <a:gd name="adj1" fmla="val 13252365"/>
-                      <a:gd name="adj2" fmla="val 18882133"/>
-                    </a:avLst>
-                  </a:prstGeom>
-                  <a:noFill/>
-                  <a:ln w="3175">
-                    <a:solidFill>
-                      <a:schemeClr val="tx1"/>
-                    </a:solidFill>
-                  </a:ln>
-                </p:spPr>
-                <p:style>
-                  <a:lnRef idx="2">
-                    <a:schemeClr val="accent1">
-                      <a:shade val="15000"/>
-                    </a:schemeClr>
-                  </a:lnRef>
-                  <a:fillRef idx="1">
-                    <a:schemeClr val="accent1"/>
-                  </a:fillRef>
-                  <a:effectRef idx="0">
-                    <a:schemeClr val="accent1"/>
-                  </a:effectRef>
-                  <a:fontRef idx="minor">
-                    <a:schemeClr val="lt1"/>
-                  </a:fontRef>
-                </p:style>
-                <p:txBody>
-                  <a:bodyPr rtlCol="0" anchor="ctr"/>
-                  <a:lstStyle/>
-                  <a:p>
-                    <a:pPr algn="ctr"/>
-                    <a:endParaRPr lang="ko-KR" altLang="en-US" dirty="0"/>
-                  </a:p>
-                </p:txBody>
-              </p:sp>
               <p:sp>
                 <p:nvSpPr>
                   <p:cNvPr id="87" name="원호 86">
@@ -12671,7 +13357,7 @@
                 </p:nvSpPr>
                 <p:spPr>
                   <a:xfrm>
-                    <a:off x="4202113" y="2311387"/>
+                    <a:off x="4325287" y="1566896"/>
                     <a:ext cx="6489172" cy="6489172"/>
                   </a:xfrm>
                   <a:prstGeom prst="arc">
@@ -12714,195 +13400,195 @@
                   </a:p>
                 </p:txBody>
               </p:sp>
+              <p:sp>
+                <p:nvSpPr>
+                  <p:cNvPr id="93" name="원호 92">
+                    <a:extLst>
+                      <a:ext uri="{FF2B5EF4-FFF2-40B4-BE49-F238E27FC236}">
+                        <a16:creationId xmlns:a16="http://schemas.microsoft.com/office/drawing/2014/main" id="{E4FFDD82-9B1B-7E72-A065-24040C4310C2}"/>
+                      </a:ext>
+                    </a:extLst>
+                  </p:cNvPr>
+                  <p:cNvSpPr>
+                    <a:spLocks noChangeAspect="1"/>
+                  </p:cNvSpPr>
+                  <p:nvPr/>
+                </p:nvSpPr>
+                <p:spPr>
+                  <a:xfrm>
+                    <a:off x="5747014" y="1547846"/>
+                    <a:ext cx="3600000" cy="3600000"/>
+                  </a:xfrm>
+                  <a:prstGeom prst="arc">
+                    <a:avLst>
+                      <a:gd name="adj1" fmla="val 12329599"/>
+                      <a:gd name="adj2" fmla="val 16278670"/>
+                    </a:avLst>
+                  </a:prstGeom>
+                  <a:noFill/>
+                  <a:ln w="28575">
+                    <a:solidFill>
+                      <a:schemeClr val="tx1"/>
+                    </a:solidFill>
+                    <a:headEnd type="triangle" w="med" len="med"/>
+                    <a:tailEnd type="none" w="med" len="med"/>
+                  </a:ln>
+                </p:spPr>
+                <p:style>
+                  <a:lnRef idx="2">
+                    <a:schemeClr val="accent1">
+                      <a:shade val="15000"/>
+                    </a:schemeClr>
+                  </a:lnRef>
+                  <a:fillRef idx="1">
+                    <a:schemeClr val="accent1"/>
+                  </a:fillRef>
+                  <a:effectRef idx="0">
+                    <a:schemeClr val="accent1"/>
+                  </a:effectRef>
+                  <a:fontRef idx="minor">
+                    <a:schemeClr val="lt1"/>
+                  </a:fontRef>
+                </p:style>
+                <p:txBody>
+                  <a:bodyPr rtlCol="0" anchor="ctr"/>
+                  <a:lstStyle/>
+                  <a:p>
+                    <a:pPr algn="ctr"/>
+                    <a:endParaRPr lang="ko-KR" altLang="en-US" dirty="0"/>
+                  </a:p>
+                </p:txBody>
+              </p:sp>
             </p:grpSp>
-            <p:sp>
-              <p:nvSpPr>
-                <p:cNvPr id="93" name="원호 92">
-                  <a:extLst>
-                    <a:ext uri="{FF2B5EF4-FFF2-40B4-BE49-F238E27FC236}">
-                      <a16:creationId xmlns:a16="http://schemas.microsoft.com/office/drawing/2014/main" id="{E4FFDD82-9B1B-7E72-A065-24040C4310C2}"/>
-                    </a:ext>
-                  </a:extLst>
-                </p:cNvPr>
-                <p:cNvSpPr>
-                  <a:spLocks noChangeAspect="1"/>
-                </p:cNvSpPr>
-                <p:nvPr/>
-              </p:nvSpPr>
-              <p:spPr>
-                <a:xfrm>
-                  <a:off x="5747014" y="1614521"/>
-                  <a:ext cx="3600000" cy="3600000"/>
-                </a:xfrm>
-                <a:prstGeom prst="arc">
-                  <a:avLst>
-                    <a:gd name="adj1" fmla="val 12329599"/>
-                    <a:gd name="adj2" fmla="val 16278670"/>
-                  </a:avLst>
-                </a:prstGeom>
-                <a:noFill/>
-                <a:ln w="28575">
-                  <a:solidFill>
-                    <a:schemeClr val="tx1"/>
-                  </a:solidFill>
-                  <a:headEnd type="triangle" w="med" len="med"/>
-                  <a:tailEnd type="none" w="med" len="med"/>
-                </a:ln>
-              </p:spPr>
-              <p:style>
-                <a:lnRef idx="2">
-                  <a:schemeClr val="accent1">
-                    <a:shade val="15000"/>
-                  </a:schemeClr>
-                </a:lnRef>
-                <a:fillRef idx="1">
-                  <a:schemeClr val="accent1"/>
-                </a:fillRef>
-                <a:effectRef idx="0">
-                  <a:schemeClr val="accent1"/>
-                </a:effectRef>
-                <a:fontRef idx="minor">
-                  <a:schemeClr val="lt1"/>
-                </a:fontRef>
-              </p:style>
-              <p:txBody>
-                <a:bodyPr rtlCol="0" anchor="ctr"/>
-                <a:lstStyle/>
-                <a:p>
-                  <a:pPr algn="ctr"/>
-                  <a:endParaRPr lang="ko-KR" altLang="en-US" dirty="0"/>
-                </a:p>
-              </p:txBody>
-            </p:sp>
           </p:grpSp>
         </p:grpSp>
-      </p:grpSp>
-      <p:sp>
-        <p:nvSpPr>
-          <p:cNvPr id="98" name="TextBox 97">
-            <a:extLst>
-              <a:ext uri="{FF2B5EF4-FFF2-40B4-BE49-F238E27FC236}">
-                <a16:creationId xmlns:a16="http://schemas.microsoft.com/office/drawing/2014/main" id="{3F1E609A-2B79-64BC-0F08-BE1014743106}"/>
-              </a:ext>
-            </a:extLst>
-          </p:cNvPr>
-          <p:cNvSpPr txBox="1"/>
-          <p:nvPr/>
-        </p:nvSpPr>
-        <p:spPr>
-          <a:xfrm>
-            <a:off x="3359596" y="765754"/>
-            <a:ext cx="1293944" cy="369332"/>
-          </a:xfrm>
-          <a:prstGeom prst="rect">
-            <a:avLst/>
-          </a:prstGeom>
-          <a:noFill/>
-        </p:spPr>
-        <p:txBody>
-          <a:bodyPr wrap="none" rtlCol="0">
-            <a:spAutoFit/>
-          </a:bodyPr>
-          <a:lstStyle/>
-          <a:p>
-            <a:r>
-              <a:rPr lang="en-US" altLang="ko-KR" dirty="0">
+        <p:sp>
+          <p:nvSpPr>
+            <p:cNvPr id="98" name="TextBox 97">
+              <a:extLst>
+                <a:ext uri="{FF2B5EF4-FFF2-40B4-BE49-F238E27FC236}">
+                  <a16:creationId xmlns:a16="http://schemas.microsoft.com/office/drawing/2014/main" id="{3F1E609A-2B79-64BC-0F08-BE1014743106}"/>
+                </a:ext>
+              </a:extLst>
+            </p:cNvPr>
+            <p:cNvSpPr txBox="1"/>
+            <p:nvPr/>
+          </p:nvSpPr>
+          <p:spPr>
+            <a:xfrm>
+              <a:off x="8003202" y="59816"/>
+              <a:ext cx="1293944" cy="369332"/>
+            </a:xfrm>
+            <a:prstGeom prst="rect">
+              <a:avLst/>
+            </a:prstGeom>
+            <a:noFill/>
+          </p:spPr>
+          <p:txBody>
+            <a:bodyPr wrap="none" rtlCol="0">
+              <a:spAutoFit/>
+            </a:bodyPr>
+            <a:lstStyle/>
+            <a:p>
+              <a:r>
+                <a:rPr lang="en-US" altLang="ko-KR" dirty="0">
+                  <a:latin typeface="Times New Roman" panose="02020603050405020304" pitchFamily="18" charset="0"/>
+                  <a:cs typeface="Times New Roman" panose="02020603050405020304" pitchFamily="18" charset="0"/>
+                </a:rPr>
+                <a:t>Under Steer</a:t>
+              </a:r>
+              <a:endParaRPr lang="ko-KR" altLang="en-US" dirty="0">
                 <a:latin typeface="Times New Roman" panose="02020603050405020304" pitchFamily="18" charset="0"/>
                 <a:cs typeface="Times New Roman" panose="02020603050405020304" pitchFamily="18" charset="0"/>
-              </a:rPr>
-              <a:t>Under Steer</a:t>
-            </a:r>
-            <a:endParaRPr lang="ko-KR" altLang="en-US" dirty="0">
-              <a:latin typeface="Times New Roman" panose="02020603050405020304" pitchFamily="18" charset="0"/>
-              <a:cs typeface="Times New Roman" panose="02020603050405020304" pitchFamily="18" charset="0"/>
-            </a:endParaRPr>
-          </a:p>
-        </p:txBody>
-      </p:sp>
-      <p:sp>
-        <p:nvSpPr>
-          <p:cNvPr id="99" name="TextBox 98">
-            <a:extLst>
-              <a:ext uri="{FF2B5EF4-FFF2-40B4-BE49-F238E27FC236}">
-                <a16:creationId xmlns:a16="http://schemas.microsoft.com/office/drawing/2014/main" id="{59E9F2E7-AAD7-F40A-03B0-E940670AB4F9}"/>
-              </a:ext>
-            </a:extLst>
-          </p:cNvPr>
-          <p:cNvSpPr txBox="1"/>
-          <p:nvPr/>
-        </p:nvSpPr>
-        <p:spPr>
-          <a:xfrm>
-            <a:off x="5458542" y="1669661"/>
-            <a:ext cx="1178528" cy="369332"/>
-          </a:xfrm>
-          <a:prstGeom prst="rect">
-            <a:avLst/>
-          </a:prstGeom>
-          <a:noFill/>
-        </p:spPr>
-        <p:txBody>
-          <a:bodyPr wrap="none" rtlCol="0">
-            <a:spAutoFit/>
-          </a:bodyPr>
-          <a:lstStyle/>
-          <a:p>
-            <a:r>
-              <a:rPr lang="en-US" altLang="ko-KR" dirty="0">
+              </a:endParaRPr>
+            </a:p>
+          </p:txBody>
+        </p:sp>
+        <p:sp>
+          <p:nvSpPr>
+            <p:cNvPr id="99" name="TextBox 98">
+              <a:extLst>
+                <a:ext uri="{FF2B5EF4-FFF2-40B4-BE49-F238E27FC236}">
+                  <a16:creationId xmlns:a16="http://schemas.microsoft.com/office/drawing/2014/main" id="{59E9F2E7-AAD7-F40A-03B0-E940670AB4F9}"/>
+                </a:ext>
+              </a:extLst>
+            </p:cNvPr>
+            <p:cNvSpPr txBox="1"/>
+            <p:nvPr/>
+          </p:nvSpPr>
+          <p:spPr>
+            <a:xfrm>
+              <a:off x="8003202" y="1254300"/>
+              <a:ext cx="1178528" cy="369332"/>
+            </a:xfrm>
+            <a:prstGeom prst="rect">
+              <a:avLst/>
+            </a:prstGeom>
+            <a:noFill/>
+          </p:spPr>
+          <p:txBody>
+            <a:bodyPr wrap="none" rtlCol="0">
+              <a:spAutoFit/>
+            </a:bodyPr>
+            <a:lstStyle/>
+            <a:p>
+              <a:r>
+                <a:rPr lang="en-US" altLang="ko-KR" dirty="0">
+                  <a:latin typeface="Times New Roman" panose="02020603050405020304" pitchFamily="18" charset="0"/>
+                  <a:cs typeface="Times New Roman" panose="02020603050405020304" pitchFamily="18" charset="0"/>
+                </a:rPr>
+                <a:t>Over Steer</a:t>
+              </a:r>
+              <a:endParaRPr lang="ko-KR" altLang="en-US" dirty="0">
                 <a:latin typeface="Times New Roman" panose="02020603050405020304" pitchFamily="18" charset="0"/>
                 <a:cs typeface="Times New Roman" panose="02020603050405020304" pitchFamily="18" charset="0"/>
-              </a:rPr>
-              <a:t>Over Steer</a:t>
-            </a:r>
-            <a:endParaRPr lang="ko-KR" altLang="en-US" dirty="0">
-              <a:latin typeface="Times New Roman" panose="02020603050405020304" pitchFamily="18" charset="0"/>
-              <a:cs typeface="Times New Roman" panose="02020603050405020304" pitchFamily="18" charset="0"/>
-            </a:endParaRPr>
-          </a:p>
-        </p:txBody>
-      </p:sp>
-      <p:sp>
-        <p:nvSpPr>
-          <p:cNvPr id="100" name="TextBox 99">
-            <a:extLst>
-              <a:ext uri="{FF2B5EF4-FFF2-40B4-BE49-F238E27FC236}">
-                <a16:creationId xmlns:a16="http://schemas.microsoft.com/office/drawing/2014/main" id="{A296D3A5-FF0E-48EB-86D0-52030C621738}"/>
-              </a:ext>
-            </a:extLst>
-          </p:cNvPr>
-          <p:cNvSpPr txBox="1"/>
-          <p:nvPr/>
-        </p:nvSpPr>
-        <p:spPr>
-          <a:xfrm>
-            <a:off x="3400448" y="1499577"/>
-            <a:ext cx="1409360" cy="369332"/>
-          </a:xfrm>
-          <a:prstGeom prst="rect">
-            <a:avLst/>
-          </a:prstGeom>
-          <a:noFill/>
-        </p:spPr>
-        <p:txBody>
-          <a:bodyPr wrap="none" rtlCol="0">
-            <a:spAutoFit/>
-          </a:bodyPr>
-          <a:lstStyle/>
-          <a:p>
-            <a:r>
-              <a:rPr lang="en-US" altLang="ko-KR" dirty="0">
+              </a:endParaRPr>
+            </a:p>
+          </p:txBody>
+        </p:sp>
+        <p:sp>
+          <p:nvSpPr>
+            <p:cNvPr id="100" name="TextBox 99">
+              <a:extLst>
+                <a:ext uri="{FF2B5EF4-FFF2-40B4-BE49-F238E27FC236}">
+                  <a16:creationId xmlns:a16="http://schemas.microsoft.com/office/drawing/2014/main" id="{A296D3A5-FF0E-48EB-86D0-52030C621738}"/>
+                </a:ext>
+              </a:extLst>
+            </p:cNvPr>
+            <p:cNvSpPr txBox="1"/>
+            <p:nvPr/>
+          </p:nvSpPr>
+          <p:spPr>
+            <a:xfrm>
+              <a:off x="7887786" y="656391"/>
+              <a:ext cx="1409360" cy="369332"/>
+            </a:xfrm>
+            <a:prstGeom prst="rect">
+              <a:avLst/>
+            </a:prstGeom>
+            <a:noFill/>
+          </p:spPr>
+          <p:txBody>
+            <a:bodyPr wrap="none" rtlCol="0">
+              <a:spAutoFit/>
+            </a:bodyPr>
+            <a:lstStyle/>
+            <a:p>
+              <a:r>
+                <a:rPr lang="en-US" altLang="ko-KR" dirty="0">
+                  <a:latin typeface="Times New Roman" panose="02020603050405020304" pitchFamily="18" charset="0"/>
+                  <a:cs typeface="Times New Roman" panose="02020603050405020304" pitchFamily="18" charset="0"/>
+                </a:rPr>
+                <a:t>Neutral Steer</a:t>
+              </a:r>
+              <a:endParaRPr lang="ko-KR" altLang="en-US" dirty="0">
                 <a:latin typeface="Times New Roman" panose="02020603050405020304" pitchFamily="18" charset="0"/>
                 <a:cs typeface="Times New Roman" panose="02020603050405020304" pitchFamily="18" charset="0"/>
-              </a:rPr>
-              <a:t>Neutral Steer</a:t>
-            </a:r>
-            <a:endParaRPr lang="ko-KR" altLang="en-US" dirty="0">
-              <a:latin typeface="Times New Roman" panose="02020603050405020304" pitchFamily="18" charset="0"/>
-              <a:cs typeface="Times New Roman" panose="02020603050405020304" pitchFamily="18" charset="0"/>
-            </a:endParaRPr>
-          </a:p>
-        </p:txBody>
-      </p:sp>
+              </a:endParaRPr>
+            </a:p>
+          </p:txBody>
+        </p:sp>
+      </p:grpSp>
     </p:spTree>
     <p:extLst>
       <p:ext uri="{BB962C8B-B14F-4D97-AF65-F5344CB8AC3E}">
@@ -15887,8 +16573,8 @@
                 </p:cxnSp>
               </p:grpSp>
             </p:grpSp>
-            <mc:AlternateContent xmlns:mc="http://schemas.openxmlformats.org/markup-compatibility/2006">
-              <mc:Choice xmlns:a14="http://schemas.microsoft.com/office/drawing/2010/main" Requires="a14">
+            <mc:AlternateContent xmlns:mc="http://schemas.openxmlformats.org/markup-compatibility/2006" xmlns:a14="http://schemas.microsoft.com/office/drawing/2010/main">
+              <mc:Choice Requires="a14">
                 <p:sp>
                   <p:nvSpPr>
                     <p:cNvPr id="19" name="TextBox 18">
@@ -15917,6 +16603,7 @@
                     </a:bodyPr>
                     <a:lstStyle/>
                     <a:p>
+                      <a:pPr/>
                       <a14:m>
                         <m:oMathPara xmlns:m="http://schemas.openxmlformats.org/officeDocument/2006/math">
                           <m:oMathParaPr>
@@ -15937,7 +16624,7 @@
                   </p:txBody>
                 </p:sp>
               </mc:Choice>
-              <mc:Fallback>
+              <mc:Fallback xmlns="">
                 <p:sp>
                   <p:nvSpPr>
                     <p:cNvPr id="19" name="TextBox 18">
@@ -15982,8 +16669,8 @@
                 </p:sp>
               </mc:Fallback>
             </mc:AlternateContent>
-            <mc:AlternateContent xmlns:mc="http://schemas.openxmlformats.org/markup-compatibility/2006">
-              <mc:Choice xmlns:a14="http://schemas.microsoft.com/office/drawing/2010/main" Requires="a14">
+            <mc:AlternateContent xmlns:mc="http://schemas.openxmlformats.org/markup-compatibility/2006" xmlns:a14="http://schemas.microsoft.com/office/drawing/2010/main">
+              <mc:Choice Requires="a14">
                 <p:sp>
                   <p:nvSpPr>
                     <p:cNvPr id="20" name="TextBox 19">
@@ -16012,6 +16699,7 @@
                     </a:bodyPr>
                     <a:lstStyle/>
                     <a:p>
+                      <a:pPr/>
                       <a14:m>
                         <m:oMathPara xmlns:m="http://schemas.openxmlformats.org/officeDocument/2006/math">
                           <m:oMathParaPr>
@@ -16032,7 +16720,7 @@
                   </p:txBody>
                 </p:sp>
               </mc:Choice>
-              <mc:Fallback>
+              <mc:Fallback xmlns="">
                 <p:sp>
                   <p:nvSpPr>
                     <p:cNvPr id="20" name="TextBox 19">
@@ -16077,8 +16765,8 @@
                 </p:sp>
               </mc:Fallback>
             </mc:AlternateContent>
-            <mc:AlternateContent xmlns:mc="http://schemas.openxmlformats.org/markup-compatibility/2006">
-              <mc:Choice xmlns:a14="http://schemas.microsoft.com/office/drawing/2010/main" Requires="a14">
+            <mc:AlternateContent xmlns:mc="http://schemas.openxmlformats.org/markup-compatibility/2006" xmlns:a14="http://schemas.microsoft.com/office/drawing/2010/main">
+              <mc:Choice Requires="a14">
                 <p:sp>
                   <p:nvSpPr>
                     <p:cNvPr id="21" name="TextBox 20">
@@ -16107,6 +16795,7 @@
                     </a:bodyPr>
                     <a:lstStyle/>
                     <a:p>
+                      <a:pPr/>
                       <a14:m>
                         <m:oMathPara xmlns:m="http://schemas.openxmlformats.org/officeDocument/2006/math">
                           <m:oMathParaPr>
@@ -16139,7 +16828,7 @@
                   </p:txBody>
                 </p:sp>
               </mc:Choice>
-              <mc:Fallback>
+              <mc:Fallback xmlns="">
                 <p:sp>
                   <p:nvSpPr>
                     <p:cNvPr id="21" name="TextBox 20">
@@ -16184,8 +16873,8 @@
                 </p:sp>
               </mc:Fallback>
             </mc:AlternateContent>
-            <mc:AlternateContent xmlns:mc="http://schemas.openxmlformats.org/markup-compatibility/2006">
-              <mc:Choice xmlns:a14="http://schemas.microsoft.com/office/drawing/2010/main" Requires="a14">
+            <mc:AlternateContent xmlns:mc="http://schemas.openxmlformats.org/markup-compatibility/2006" xmlns:a14="http://schemas.microsoft.com/office/drawing/2010/main">
+              <mc:Choice Requires="a14">
                 <p:sp>
                   <p:nvSpPr>
                     <p:cNvPr id="22" name="TextBox 21">
@@ -16214,6 +16903,7 @@
                     </a:bodyPr>
                     <a:lstStyle/>
                     <a:p>
+                      <a:pPr/>
                       <a14:m>
                         <m:oMathPara xmlns:m="http://schemas.openxmlformats.org/officeDocument/2006/math">
                           <m:oMathParaPr>
@@ -16246,7 +16936,7 @@
                   </p:txBody>
                 </p:sp>
               </mc:Choice>
-              <mc:Fallback>
+              <mc:Fallback xmlns="">
                 <p:sp>
                   <p:nvSpPr>
                     <p:cNvPr id="22" name="TextBox 21">
@@ -16333,8 +17023,8 @@
               </a:fontRef>
             </p:style>
           </p:cxnSp>
-          <mc:AlternateContent xmlns:mc="http://schemas.openxmlformats.org/markup-compatibility/2006">
-            <mc:Choice xmlns:a14="http://schemas.microsoft.com/office/drawing/2010/main" Requires="a14">
+          <mc:AlternateContent xmlns:mc="http://schemas.openxmlformats.org/markup-compatibility/2006" xmlns:a14="http://schemas.microsoft.com/office/drawing/2010/main">
+            <mc:Choice Requires="a14">
               <p:sp>
                 <p:nvSpPr>
                   <p:cNvPr id="29" name="TextBox 28">
@@ -16363,6 +17053,7 @@
                   </a:bodyPr>
                   <a:lstStyle/>
                   <a:p>
+                    <a:pPr/>
                     <a14:m>
                       <m:oMathPara xmlns:m="http://schemas.openxmlformats.org/officeDocument/2006/math">
                         <m:oMathParaPr>
@@ -16395,7 +17086,7 @@
                 </p:txBody>
               </p:sp>
             </mc:Choice>
-            <mc:Fallback>
+            <mc:Fallback xmlns="">
               <p:sp>
                 <p:nvSpPr>
                   <p:cNvPr id="29" name="TextBox 28">
@@ -16483,8 +17174,8 @@
               </a:fontRef>
             </p:style>
           </p:cxnSp>
-          <mc:AlternateContent xmlns:mc="http://schemas.openxmlformats.org/markup-compatibility/2006">
-            <mc:Choice xmlns:a14="http://schemas.microsoft.com/office/drawing/2010/main" Requires="a14">
+          <mc:AlternateContent xmlns:mc="http://schemas.openxmlformats.org/markup-compatibility/2006" xmlns:a14="http://schemas.microsoft.com/office/drawing/2010/main">
+            <mc:Choice Requires="a14">
               <p:sp>
                 <p:nvSpPr>
                   <p:cNvPr id="35" name="TextBox 34">
@@ -16513,6 +17204,7 @@
                   </a:bodyPr>
                   <a:lstStyle/>
                   <a:p>
+                    <a:pPr/>
                     <a14:m>
                       <m:oMathPara xmlns:m="http://schemas.openxmlformats.org/officeDocument/2006/math">
                         <m:oMathParaPr>
@@ -16533,7 +17225,7 @@
                 </p:txBody>
               </p:sp>
             </mc:Choice>
-            <mc:Fallback>
+            <mc:Fallback xmlns="">
               <p:sp>
                 <p:nvSpPr>
                   <p:cNvPr id="35" name="TextBox 34">
@@ -16620,8 +17312,8 @@
             </a:fontRef>
           </p:style>
         </p:cxnSp>
-        <mc:AlternateContent xmlns:mc="http://schemas.openxmlformats.org/markup-compatibility/2006">
-          <mc:Choice xmlns:a14="http://schemas.microsoft.com/office/drawing/2010/main" Requires="a14">
+        <mc:AlternateContent xmlns:mc="http://schemas.openxmlformats.org/markup-compatibility/2006" xmlns:a14="http://schemas.microsoft.com/office/drawing/2010/main">
+          <mc:Choice Requires="a14">
             <p:sp>
               <p:nvSpPr>
                 <p:cNvPr id="40" name="TextBox 39">
@@ -16650,6 +17342,7 @@
                 </a:bodyPr>
                 <a:lstStyle/>
                 <a:p>
+                  <a:pPr/>
                   <a14:m>
                     <m:oMathPara xmlns:m="http://schemas.openxmlformats.org/officeDocument/2006/math">
                       <m:oMathParaPr>
@@ -16670,7 +17363,7 @@
               </p:txBody>
             </p:sp>
           </mc:Choice>
-          <mc:Fallback>
+          <mc:Fallback xmlns="">
             <p:sp>
               <p:nvSpPr>
                 <p:cNvPr id="40" name="TextBox 39">
@@ -16843,6 +17536,849 @@
     <p:extLst>
       <p:ext uri="{BB962C8B-B14F-4D97-AF65-F5344CB8AC3E}">
         <p14:creationId xmlns:p14="http://schemas.microsoft.com/office/powerpoint/2010/main" val="4016678048"/>
+      </p:ext>
+    </p:extLst>
+  </p:cSld>
+  <p:clrMapOvr>
+    <a:masterClrMapping/>
+  </p:clrMapOvr>
+</p:sld>
+</file>
+
+<file path=ppt/slides/slide9.xml><?xml version="1.0" encoding="utf-8"?>
+<p:sld xmlns:a="http://schemas.openxmlformats.org/drawingml/2006/main" xmlns:r="http://schemas.openxmlformats.org/officeDocument/2006/relationships" xmlns:p="http://schemas.openxmlformats.org/presentationml/2006/main">
+  <p:cSld>
+    <p:spTree>
+      <p:nvGrpSpPr>
+        <p:cNvPr id="1" name=""/>
+        <p:cNvGrpSpPr/>
+        <p:nvPr/>
+      </p:nvGrpSpPr>
+      <p:grpSpPr>
+        <a:xfrm>
+          <a:off x="0" y="0"/>
+          <a:ext cx="0" cy="0"/>
+          <a:chOff x="0" y="0"/>
+          <a:chExt cx="0" cy="0"/>
+        </a:xfrm>
+      </p:grpSpPr>
+      <p:grpSp>
+        <p:nvGrpSpPr>
+          <p:cNvPr id="61" name="그룹 60">
+            <a:extLst>
+              <a:ext uri="{FF2B5EF4-FFF2-40B4-BE49-F238E27FC236}">
+                <a16:creationId xmlns:a16="http://schemas.microsoft.com/office/drawing/2014/main" id="{F6A7E548-17F4-8996-243A-BD763D9B12DB}"/>
+              </a:ext>
+            </a:extLst>
+          </p:cNvPr>
+          <p:cNvGrpSpPr/>
+          <p:nvPr/>
+        </p:nvGrpSpPr>
+        <p:grpSpPr>
+          <a:xfrm>
+            <a:off x="4460788" y="1779576"/>
+            <a:ext cx="2832708" cy="2589850"/>
+            <a:chOff x="4460788" y="1779576"/>
+            <a:chExt cx="2832708" cy="2589850"/>
+          </a:xfrm>
+        </p:grpSpPr>
+        <p:grpSp>
+          <p:nvGrpSpPr>
+            <p:cNvPr id="26" name="그룹 25">
+              <a:extLst>
+                <a:ext uri="{FF2B5EF4-FFF2-40B4-BE49-F238E27FC236}">
+                  <a16:creationId xmlns:a16="http://schemas.microsoft.com/office/drawing/2014/main" id="{5297A3ED-A674-CA92-1E4A-EBF26FB39B42}"/>
+                </a:ext>
+              </a:extLst>
+            </p:cNvPr>
+            <p:cNvGrpSpPr/>
+            <p:nvPr/>
+          </p:nvGrpSpPr>
+          <p:grpSpPr>
+            <a:xfrm>
+              <a:off x="4460788" y="1779576"/>
+              <a:ext cx="2579619" cy="2589850"/>
+              <a:chOff x="4460788" y="1779576"/>
+              <a:chExt cx="2579619" cy="2589850"/>
+            </a:xfrm>
+          </p:grpSpPr>
+          <p:grpSp>
+            <p:nvGrpSpPr>
+              <p:cNvPr id="20" name="그룹 19">
+                <a:extLst>
+                  <a:ext uri="{FF2B5EF4-FFF2-40B4-BE49-F238E27FC236}">
+                    <a16:creationId xmlns:a16="http://schemas.microsoft.com/office/drawing/2014/main" id="{0E63BC00-C6D0-DD51-DFDE-E9E88C08A057}"/>
+                  </a:ext>
+                </a:extLst>
+              </p:cNvPr>
+              <p:cNvGrpSpPr/>
+              <p:nvPr/>
+            </p:nvGrpSpPr>
+            <p:grpSpPr>
+              <a:xfrm>
+                <a:off x="4460788" y="1849426"/>
+                <a:ext cx="2520000" cy="2520000"/>
+                <a:chOff x="1241853" y="1386048"/>
+                <a:chExt cx="2520000" cy="2520000"/>
+              </a:xfrm>
+            </p:grpSpPr>
+            <p:cxnSp>
+              <p:nvCxnSpPr>
+                <p:cNvPr id="21" name="직선 연결선 20">
+                  <a:extLst>
+                    <a:ext uri="{FF2B5EF4-FFF2-40B4-BE49-F238E27FC236}">
+                      <a16:creationId xmlns:a16="http://schemas.microsoft.com/office/drawing/2014/main" id="{B0F74855-43A1-2A01-0660-B751C108BD15}"/>
+                    </a:ext>
+                  </a:extLst>
+                </p:cNvPr>
+                <p:cNvCxnSpPr>
+                  <a:cxnSpLocks/>
+                </p:cNvCxnSpPr>
+                <p:nvPr/>
+              </p:nvCxnSpPr>
+              <p:spPr>
+                <a:xfrm>
+                  <a:off x="1241853" y="2646048"/>
+                  <a:ext cx="2520000" cy="0"/>
+                </a:xfrm>
+                <a:prstGeom prst="line">
+                  <a:avLst/>
+                </a:prstGeom>
+                <a:ln w="19050">
+                  <a:headEnd type="arrow" w="med" len="med"/>
+                  <a:tailEnd type="arrow" w="med" len="med"/>
+                </a:ln>
+              </p:spPr>
+              <p:style>
+                <a:lnRef idx="2">
+                  <a:schemeClr val="dk1"/>
+                </a:lnRef>
+                <a:fillRef idx="0">
+                  <a:schemeClr val="dk1"/>
+                </a:fillRef>
+                <a:effectRef idx="1">
+                  <a:schemeClr val="dk1"/>
+                </a:effectRef>
+                <a:fontRef idx="minor">
+                  <a:schemeClr val="tx1"/>
+                </a:fontRef>
+              </p:style>
+            </p:cxnSp>
+            <p:cxnSp>
+              <p:nvCxnSpPr>
+                <p:cNvPr id="22" name="직선 연결선 21">
+                  <a:extLst>
+                    <a:ext uri="{FF2B5EF4-FFF2-40B4-BE49-F238E27FC236}">
+                      <a16:creationId xmlns:a16="http://schemas.microsoft.com/office/drawing/2014/main" id="{6A85ACF6-B691-60C5-92CA-7947A7FA88E8}"/>
+                    </a:ext>
+                  </a:extLst>
+                </p:cNvPr>
+                <p:cNvCxnSpPr>
+                  <a:cxnSpLocks/>
+                </p:cNvCxnSpPr>
+                <p:nvPr/>
+              </p:nvCxnSpPr>
+              <p:spPr>
+                <a:xfrm>
+                  <a:off x="2501853" y="1386048"/>
+                  <a:ext cx="0" cy="2520000"/>
+                </a:xfrm>
+                <a:prstGeom prst="line">
+                  <a:avLst/>
+                </a:prstGeom>
+                <a:ln w="19050">
+                  <a:headEnd type="arrow" w="med" len="med"/>
+                  <a:tailEnd type="arrow" w="med" len="med"/>
+                </a:ln>
+              </p:spPr>
+              <p:style>
+                <a:lnRef idx="2">
+                  <a:schemeClr val="dk1"/>
+                </a:lnRef>
+                <a:fillRef idx="0">
+                  <a:schemeClr val="dk1"/>
+                </a:fillRef>
+                <a:effectRef idx="1">
+                  <a:schemeClr val="dk1"/>
+                </a:effectRef>
+                <a:fontRef idx="minor">
+                  <a:schemeClr val="tx1"/>
+                </a:fontRef>
+              </p:style>
+            </p:cxnSp>
+          </p:grpSp>
+          <mc:AlternateContent xmlns:mc="http://schemas.openxmlformats.org/markup-compatibility/2006" xmlns:a14="http://schemas.microsoft.com/office/drawing/2010/main">
+            <mc:Choice Requires="a14">
+              <p:sp>
+                <p:nvSpPr>
+                  <p:cNvPr id="24" name="TextBox 23">
+                    <a:extLst>
+                      <a:ext uri="{FF2B5EF4-FFF2-40B4-BE49-F238E27FC236}">
+                        <a16:creationId xmlns:a16="http://schemas.microsoft.com/office/drawing/2014/main" id="{66641ACF-2D83-9811-AE5D-849FA0EF3623}"/>
+                      </a:ext>
+                    </a:extLst>
+                  </p:cNvPr>
+                  <p:cNvSpPr txBox="1"/>
+                  <p:nvPr/>
+                </p:nvSpPr>
+                <p:spPr>
+                  <a:xfrm>
+                    <a:off x="5763417" y="1779576"/>
+                    <a:ext cx="391581" cy="276999"/>
+                  </a:xfrm>
+                  <a:prstGeom prst="rect">
+                    <a:avLst/>
+                  </a:prstGeom>
+                  <a:noFill/>
+                </p:spPr>
+                <p:txBody>
+                  <a:bodyPr wrap="none" rtlCol="0">
+                    <a:spAutoFit/>
+                  </a:bodyPr>
+                  <a:lstStyle/>
+                  <a:p>
+                    <a:pPr/>
+                    <a14:m>
+                      <m:oMathPara xmlns:m="http://schemas.openxmlformats.org/officeDocument/2006/math">
+                        <m:oMathParaPr>
+                          <m:jc m:val="centerGroup"/>
+                        </m:oMathParaPr>
+                        <m:oMath xmlns:m="http://schemas.openxmlformats.org/officeDocument/2006/math">
+                          <m:sSub>
+                            <m:sSubPr>
+                              <m:ctrlPr>
+                                <a:rPr lang="en-US" altLang="ko-KR" sz="1200" i="1">
+                                  <a:latin typeface="Cambria Math" panose="02040503050406030204" pitchFamily="18" charset="0"/>
+                                </a:rPr>
+                              </m:ctrlPr>
+                            </m:sSubPr>
+                            <m:e>
+                              <m:r>
+                                <a:rPr lang="en-US" altLang="ko-KR" sz="1200" i="1">
+                                  <a:latin typeface="Cambria Math" panose="02040503050406030204" pitchFamily="18" charset="0"/>
+                                </a:rPr>
+                                <m:t>𝑥</m:t>
+                              </m:r>
+                            </m:e>
+                            <m:sub>
+                              <m:r>
+                                <a:rPr lang="en-US" altLang="ko-KR" sz="1200" i="1">
+                                  <a:latin typeface="Cambria Math" panose="02040503050406030204" pitchFamily="18" charset="0"/>
+                                </a:rPr>
+                                <m:t>2</m:t>
+                              </m:r>
+                            </m:sub>
+                          </m:sSub>
+                        </m:oMath>
+                      </m:oMathPara>
+                    </a14:m>
+                    <a:endParaRPr lang="ko-KR" altLang="en-US" dirty="0"/>
+                  </a:p>
+                </p:txBody>
+              </p:sp>
+            </mc:Choice>
+            <mc:Fallback xmlns="">
+              <p:sp>
+                <p:nvSpPr>
+                  <p:cNvPr id="24" name="TextBox 23">
+                    <a:extLst>
+                      <a:ext uri="{FF2B5EF4-FFF2-40B4-BE49-F238E27FC236}">
+                        <a16:creationId xmlns:a16="http://schemas.microsoft.com/office/drawing/2014/main" id="{66641ACF-2D83-9811-AE5D-849FA0EF3623}"/>
+                      </a:ext>
+                    </a:extLst>
+                  </p:cNvPr>
+                  <p:cNvSpPr txBox="1">
+                    <a:spLocks noRot="1" noChangeAspect="1" noMove="1" noResize="1" noEditPoints="1" noAdjustHandles="1" noChangeArrowheads="1" noChangeShapeType="1" noTextEdit="1"/>
+                  </p:cNvSpPr>
+                  <p:nvPr/>
+                </p:nvSpPr>
+                <p:spPr>
+                  <a:xfrm>
+                    <a:off x="5763417" y="1779576"/>
+                    <a:ext cx="391581" cy="276999"/>
+                  </a:xfrm>
+                  <a:prstGeom prst="rect">
+                    <a:avLst/>
+                  </a:prstGeom>
+                  <a:blipFill>
+                    <a:blip r:embed="rId2"/>
+                    <a:stretch>
+                      <a:fillRect/>
+                    </a:stretch>
+                  </a:blipFill>
+                </p:spPr>
+                <p:txBody>
+                  <a:bodyPr/>
+                  <a:lstStyle/>
+                  <a:p>
+                    <a:r>
+                      <a:rPr lang="ko-KR" altLang="en-US">
+                        <a:noFill/>
+                      </a:rPr>
+                      <a:t> </a:t>
+                    </a:r>
+                  </a:p>
+                </p:txBody>
+              </p:sp>
+            </mc:Fallback>
+          </mc:AlternateContent>
+          <mc:AlternateContent xmlns:mc="http://schemas.openxmlformats.org/markup-compatibility/2006" xmlns:a14="http://schemas.microsoft.com/office/drawing/2010/main">
+            <mc:Choice Requires="a14">
+              <p:sp>
+                <p:nvSpPr>
+                  <p:cNvPr id="25" name="TextBox 24">
+                    <a:extLst>
+                      <a:ext uri="{FF2B5EF4-FFF2-40B4-BE49-F238E27FC236}">
+                        <a16:creationId xmlns:a16="http://schemas.microsoft.com/office/drawing/2014/main" id="{040684D7-62DD-B688-76C4-4D3C3953CA4B}"/>
+                      </a:ext>
+                    </a:extLst>
+                  </p:cNvPr>
+                  <p:cNvSpPr txBox="1"/>
+                  <p:nvPr/>
+                </p:nvSpPr>
+                <p:spPr>
+                  <a:xfrm>
+                    <a:off x="6652417" y="2770176"/>
+                    <a:ext cx="387990" cy="276999"/>
+                  </a:xfrm>
+                  <a:prstGeom prst="rect">
+                    <a:avLst/>
+                  </a:prstGeom>
+                  <a:noFill/>
+                </p:spPr>
+                <p:txBody>
+                  <a:bodyPr wrap="none" rtlCol="0">
+                    <a:spAutoFit/>
+                  </a:bodyPr>
+                  <a:lstStyle/>
+                  <a:p>
+                    <a:pPr/>
+                    <a14:m>
+                      <m:oMathPara xmlns:m="http://schemas.openxmlformats.org/officeDocument/2006/math">
+                        <m:oMathParaPr>
+                          <m:jc m:val="centerGroup"/>
+                        </m:oMathParaPr>
+                        <m:oMath xmlns:m="http://schemas.openxmlformats.org/officeDocument/2006/math">
+                          <m:sSub>
+                            <m:sSubPr>
+                              <m:ctrlPr>
+                                <a:rPr lang="en-US" altLang="ko-KR" sz="1200" i="1" smtClean="0">
+                                  <a:latin typeface="Cambria Math" panose="02040503050406030204" pitchFamily="18" charset="0"/>
+                                </a:rPr>
+                              </m:ctrlPr>
+                            </m:sSubPr>
+                            <m:e>
+                              <m:r>
+                                <a:rPr lang="en-US" altLang="ko-KR" sz="1200" i="1">
+                                  <a:latin typeface="Cambria Math" panose="02040503050406030204" pitchFamily="18" charset="0"/>
+                                </a:rPr>
+                                <m:t>𝑥</m:t>
+                              </m:r>
+                            </m:e>
+                            <m:sub>
+                              <m:r>
+                                <a:rPr lang="en-US" altLang="ko-KR" sz="1200" b="0" i="1" smtClean="0">
+                                  <a:latin typeface="Cambria Math" panose="02040503050406030204" pitchFamily="18" charset="0"/>
+                                </a:rPr>
+                                <m:t>1</m:t>
+                              </m:r>
+                            </m:sub>
+                          </m:sSub>
+                        </m:oMath>
+                      </m:oMathPara>
+                    </a14:m>
+                    <a:endParaRPr lang="ko-KR" altLang="en-US" dirty="0"/>
+                  </a:p>
+                </p:txBody>
+              </p:sp>
+            </mc:Choice>
+            <mc:Fallback xmlns="">
+              <p:sp>
+                <p:nvSpPr>
+                  <p:cNvPr id="25" name="TextBox 24">
+                    <a:extLst>
+                      <a:ext uri="{FF2B5EF4-FFF2-40B4-BE49-F238E27FC236}">
+                        <a16:creationId xmlns:a16="http://schemas.microsoft.com/office/drawing/2014/main" id="{040684D7-62DD-B688-76C4-4D3C3953CA4B}"/>
+                      </a:ext>
+                    </a:extLst>
+                  </p:cNvPr>
+                  <p:cNvSpPr txBox="1">
+                    <a:spLocks noRot="1" noChangeAspect="1" noMove="1" noResize="1" noEditPoints="1" noAdjustHandles="1" noChangeArrowheads="1" noChangeShapeType="1" noTextEdit="1"/>
+                  </p:cNvSpPr>
+                  <p:nvPr/>
+                </p:nvSpPr>
+                <p:spPr>
+                  <a:xfrm>
+                    <a:off x="6652417" y="2770176"/>
+                    <a:ext cx="387990" cy="276999"/>
+                  </a:xfrm>
+                  <a:prstGeom prst="rect">
+                    <a:avLst/>
+                  </a:prstGeom>
+                  <a:blipFill>
+                    <a:blip r:embed="rId3"/>
+                    <a:stretch>
+                      <a:fillRect/>
+                    </a:stretch>
+                  </a:blipFill>
+                </p:spPr>
+                <p:txBody>
+                  <a:bodyPr/>
+                  <a:lstStyle/>
+                  <a:p>
+                    <a:r>
+                      <a:rPr lang="ko-KR" altLang="en-US">
+                        <a:noFill/>
+                      </a:rPr>
+                      <a:t> </a:t>
+                    </a:r>
+                  </a:p>
+                </p:txBody>
+              </p:sp>
+            </mc:Fallback>
+          </mc:AlternateContent>
+        </p:grpSp>
+        <p:cxnSp>
+          <p:nvCxnSpPr>
+            <p:cNvPr id="28" name="직선 연결선 27">
+              <a:extLst>
+                <a:ext uri="{FF2B5EF4-FFF2-40B4-BE49-F238E27FC236}">
+                  <a16:creationId xmlns:a16="http://schemas.microsoft.com/office/drawing/2014/main" id="{710FB164-B3BF-96A9-4E51-942A9648D2B0}"/>
+                </a:ext>
+              </a:extLst>
+            </p:cNvPr>
+            <p:cNvCxnSpPr>
+              <a:cxnSpLocks/>
+            </p:cNvCxnSpPr>
+            <p:nvPr/>
+          </p:nvCxnSpPr>
+          <p:spPr>
+            <a:xfrm>
+              <a:off x="4733925" y="2157413"/>
+              <a:ext cx="1952625" cy="1890712"/>
+            </a:xfrm>
+            <a:prstGeom prst="line">
+              <a:avLst/>
+            </a:prstGeom>
+            <a:ln w="6350"/>
+          </p:spPr>
+          <p:style>
+            <a:lnRef idx="2">
+              <a:schemeClr val="dk1"/>
+            </a:lnRef>
+            <a:fillRef idx="0">
+              <a:schemeClr val="dk1"/>
+            </a:fillRef>
+            <a:effectRef idx="1">
+              <a:schemeClr val="dk1"/>
+            </a:effectRef>
+            <a:fontRef idx="minor">
+              <a:schemeClr val="tx1"/>
+            </a:fontRef>
+          </p:style>
+        </p:cxnSp>
+        <mc:AlternateContent xmlns:mc="http://schemas.openxmlformats.org/markup-compatibility/2006" xmlns:a14="http://schemas.microsoft.com/office/drawing/2010/main">
+          <mc:Choice Requires="a14">
+            <p:sp>
+              <p:nvSpPr>
+                <p:cNvPr id="32" name="TextBox 31">
+                  <a:extLst>
+                    <a:ext uri="{FF2B5EF4-FFF2-40B4-BE49-F238E27FC236}">
+                      <a16:creationId xmlns:a16="http://schemas.microsoft.com/office/drawing/2014/main" id="{311FAB56-CD9B-D167-A6F3-E4D3DC8450E6}"/>
+                    </a:ext>
+                  </a:extLst>
+                </p:cNvPr>
+                <p:cNvSpPr txBox="1"/>
+                <p:nvPr/>
+              </p:nvSpPr>
+              <p:spPr>
+                <a:xfrm>
+                  <a:off x="6469488" y="3722189"/>
+                  <a:ext cx="824008" cy="276999"/>
+                </a:xfrm>
+                <a:prstGeom prst="rect">
+                  <a:avLst/>
+                </a:prstGeom>
+                <a:noFill/>
+              </p:spPr>
+              <p:txBody>
+                <a:bodyPr wrap="none" rtlCol="0">
+                  <a:spAutoFit/>
+                </a:bodyPr>
+                <a:lstStyle/>
+                <a:p>
+                  <a:pPr/>
+                  <a14:m>
+                    <m:oMathPara xmlns:m="http://schemas.openxmlformats.org/officeDocument/2006/math">
+                      <m:oMathParaPr>
+                        <m:jc m:val="centerGroup"/>
+                      </m:oMathParaPr>
+                      <m:oMath xmlns:m="http://schemas.openxmlformats.org/officeDocument/2006/math">
+                        <m:r>
+                          <a:rPr lang="en-US" altLang="ko-KR" sz="1200" b="0" i="1" smtClean="0">
+                            <a:latin typeface="Cambria Math" panose="02040503050406030204" pitchFamily="18" charset="0"/>
+                          </a:rPr>
+                          <m:t>𝑆</m:t>
+                        </m:r>
+                        <m:d>
+                          <m:dPr>
+                            <m:ctrlPr>
+                              <a:rPr lang="en-US" altLang="ko-KR" sz="1200" b="0" i="1" smtClean="0">
+                                <a:latin typeface="Cambria Math" panose="02040503050406030204" pitchFamily="18" charset="0"/>
+                              </a:rPr>
+                            </m:ctrlPr>
+                          </m:dPr>
+                          <m:e>
+                            <m:r>
+                              <a:rPr lang="en-US" altLang="ko-KR" sz="1200" b="0" i="1" smtClean="0">
+                                <a:latin typeface="Cambria Math" panose="02040503050406030204" pitchFamily="18" charset="0"/>
+                              </a:rPr>
+                              <m:t>𝑥</m:t>
+                            </m:r>
+                          </m:e>
+                        </m:d>
+                        <m:r>
+                          <a:rPr lang="en-US" altLang="ko-KR" sz="1200" b="0" i="1" smtClean="0">
+                            <a:latin typeface="Cambria Math" panose="02040503050406030204" pitchFamily="18" charset="0"/>
+                          </a:rPr>
+                          <m:t>=0</m:t>
+                        </m:r>
+                      </m:oMath>
+                    </m:oMathPara>
+                  </a14:m>
+                  <a:endParaRPr lang="ko-KR" altLang="en-US" dirty="0"/>
+                </a:p>
+              </p:txBody>
+            </p:sp>
+          </mc:Choice>
+          <mc:Fallback xmlns="">
+            <p:sp>
+              <p:nvSpPr>
+                <p:cNvPr id="32" name="TextBox 31">
+                  <a:extLst>
+                    <a:ext uri="{FF2B5EF4-FFF2-40B4-BE49-F238E27FC236}">
+                      <a16:creationId xmlns:a16="http://schemas.microsoft.com/office/drawing/2014/main" id="{311FAB56-CD9B-D167-A6F3-E4D3DC8450E6}"/>
+                    </a:ext>
+                  </a:extLst>
+                </p:cNvPr>
+                <p:cNvSpPr txBox="1">
+                  <a:spLocks noRot="1" noChangeAspect="1" noMove="1" noResize="1" noEditPoints="1" noAdjustHandles="1" noChangeArrowheads="1" noChangeShapeType="1" noTextEdit="1"/>
+                </p:cNvSpPr>
+                <p:nvPr/>
+              </p:nvSpPr>
+              <p:spPr>
+                <a:xfrm>
+                  <a:off x="6469488" y="3722189"/>
+                  <a:ext cx="824008" cy="276999"/>
+                </a:xfrm>
+                <a:prstGeom prst="rect">
+                  <a:avLst/>
+                </a:prstGeom>
+                <a:blipFill>
+                  <a:blip r:embed="rId4"/>
+                  <a:stretch>
+                    <a:fillRect/>
+                  </a:stretch>
+                </a:blipFill>
+              </p:spPr>
+              <p:txBody>
+                <a:bodyPr/>
+                <a:lstStyle/>
+                <a:p>
+                  <a:r>
+                    <a:rPr lang="ko-KR" altLang="en-US">
+                      <a:noFill/>
+                    </a:rPr>
+                    <a:t> </a:t>
+                  </a:r>
+                </a:p>
+              </p:txBody>
+            </p:sp>
+          </mc:Fallback>
+        </mc:AlternateContent>
+        <p:sp>
+          <p:nvSpPr>
+            <p:cNvPr id="34" name="순서도: 연결자 33">
+              <a:extLst>
+                <a:ext uri="{FF2B5EF4-FFF2-40B4-BE49-F238E27FC236}">
+                  <a16:creationId xmlns:a16="http://schemas.microsoft.com/office/drawing/2014/main" id="{ED95889D-1AC4-2D92-5D1B-C53CCD8BF036}"/>
+                </a:ext>
+              </a:extLst>
+            </p:cNvPr>
+            <p:cNvSpPr/>
+            <p:nvPr/>
+          </p:nvSpPr>
+          <p:spPr>
+            <a:xfrm>
+              <a:off x="5276849" y="1922420"/>
+              <a:ext cx="54000" cy="54000"/>
+            </a:xfrm>
+            <a:prstGeom prst="flowChartConnector">
+              <a:avLst/>
+            </a:prstGeom>
+            <a:solidFill>
+              <a:schemeClr val="tx1"/>
+            </a:solidFill>
+            <a:ln>
+              <a:solidFill>
+                <a:schemeClr val="tx1"/>
+              </a:solidFill>
+            </a:ln>
+          </p:spPr>
+          <p:style>
+            <a:lnRef idx="2">
+              <a:schemeClr val="accent1">
+                <a:shade val="15000"/>
+              </a:schemeClr>
+            </a:lnRef>
+            <a:fillRef idx="1">
+              <a:schemeClr val="accent1"/>
+            </a:fillRef>
+            <a:effectRef idx="0">
+              <a:schemeClr val="accent1"/>
+            </a:effectRef>
+            <a:fontRef idx="minor">
+              <a:schemeClr val="lt1"/>
+            </a:fontRef>
+          </p:style>
+          <p:txBody>
+            <a:bodyPr rtlCol="0" anchor="ctr"/>
+            <a:lstStyle/>
+            <a:p>
+              <a:pPr algn="ctr"/>
+              <a:endParaRPr lang="ko-KR" altLang="en-US" dirty="0"/>
+            </a:p>
+          </p:txBody>
+        </p:sp>
+        <p:cxnSp>
+          <p:nvCxnSpPr>
+            <p:cNvPr id="36" name="직선 화살표 연결선 35">
+              <a:extLst>
+                <a:ext uri="{FF2B5EF4-FFF2-40B4-BE49-F238E27FC236}">
+                  <a16:creationId xmlns:a16="http://schemas.microsoft.com/office/drawing/2014/main" id="{03679879-7FE0-F85A-68B8-E5CE499BB838}"/>
+                </a:ext>
+              </a:extLst>
+            </p:cNvPr>
+            <p:cNvCxnSpPr>
+              <a:cxnSpLocks/>
+              <a:stCxn id="34" idx="3"/>
+            </p:cNvCxnSpPr>
+            <p:nvPr/>
+          </p:nvCxnSpPr>
+          <p:spPr>
+            <a:xfrm flipH="1">
+              <a:off x="5026775" y="1968512"/>
+              <a:ext cx="257982" cy="460363"/>
+            </a:xfrm>
+            <a:prstGeom prst="straightConnector1">
+              <a:avLst/>
+            </a:prstGeom>
+            <a:ln w="12700">
+              <a:headEnd type="none" w="med" len="med"/>
+              <a:tailEnd type="triangle" w="med" len="med"/>
+            </a:ln>
+          </p:spPr>
+          <p:style>
+            <a:lnRef idx="2">
+              <a:schemeClr val="dk1"/>
+            </a:lnRef>
+            <a:fillRef idx="0">
+              <a:schemeClr val="dk1"/>
+            </a:fillRef>
+            <a:effectRef idx="1">
+              <a:schemeClr val="dk1"/>
+            </a:effectRef>
+            <a:fontRef idx="minor">
+              <a:schemeClr val="tx1"/>
+            </a:fontRef>
+          </p:style>
+        </p:cxnSp>
+        <p:cxnSp>
+          <p:nvCxnSpPr>
+            <p:cNvPr id="50" name="직선 화살표 연결선 49">
+              <a:extLst>
+                <a:ext uri="{FF2B5EF4-FFF2-40B4-BE49-F238E27FC236}">
+                  <a16:creationId xmlns:a16="http://schemas.microsoft.com/office/drawing/2014/main" id="{2BE37859-B2BA-8FA2-F6D6-C988C7423CB8}"/>
+                </a:ext>
+              </a:extLst>
+            </p:cNvPr>
+            <p:cNvCxnSpPr>
+              <a:cxnSpLocks/>
+            </p:cNvCxnSpPr>
+            <p:nvPr/>
+          </p:nvCxnSpPr>
+          <p:spPr>
+            <a:xfrm>
+              <a:off x="5026775" y="2428875"/>
+              <a:ext cx="639128" cy="618300"/>
+            </a:xfrm>
+            <a:prstGeom prst="straightConnector1">
+              <a:avLst/>
+            </a:prstGeom>
+            <a:ln w="12700">
+              <a:headEnd type="none" w="med" len="med"/>
+              <a:tailEnd type="triangle" w="med" len="med"/>
+            </a:ln>
+          </p:spPr>
+          <p:style>
+            <a:lnRef idx="2">
+              <a:schemeClr val="dk1"/>
+            </a:lnRef>
+            <a:fillRef idx="0">
+              <a:schemeClr val="dk1"/>
+            </a:fillRef>
+            <a:effectRef idx="1">
+              <a:schemeClr val="dk1"/>
+            </a:effectRef>
+            <a:fontRef idx="minor">
+              <a:schemeClr val="tx1"/>
+            </a:fontRef>
+          </p:style>
+        </p:cxnSp>
+        <p:sp>
+          <p:nvSpPr>
+            <p:cNvPr id="53" name="순서도: 연결자 52">
+              <a:extLst>
+                <a:ext uri="{FF2B5EF4-FFF2-40B4-BE49-F238E27FC236}">
+                  <a16:creationId xmlns:a16="http://schemas.microsoft.com/office/drawing/2014/main" id="{5E7D77D5-C286-BDC3-2EB8-6D6CB076AD01}"/>
+                </a:ext>
+              </a:extLst>
+            </p:cNvPr>
+            <p:cNvSpPr/>
+            <p:nvPr/>
+          </p:nvSpPr>
+          <p:spPr>
+            <a:xfrm>
+              <a:off x="5990774" y="3978187"/>
+              <a:ext cx="54000" cy="54000"/>
+            </a:xfrm>
+            <a:prstGeom prst="flowChartConnector">
+              <a:avLst/>
+            </a:prstGeom>
+            <a:solidFill>
+              <a:schemeClr val="tx1"/>
+            </a:solidFill>
+            <a:ln>
+              <a:solidFill>
+                <a:schemeClr val="tx1"/>
+              </a:solidFill>
+            </a:ln>
+          </p:spPr>
+          <p:style>
+            <a:lnRef idx="2">
+              <a:schemeClr val="accent1">
+                <a:shade val="15000"/>
+              </a:schemeClr>
+            </a:lnRef>
+            <a:fillRef idx="1">
+              <a:schemeClr val="accent1"/>
+            </a:fillRef>
+            <a:effectRef idx="0">
+              <a:schemeClr val="accent1"/>
+            </a:effectRef>
+            <a:fontRef idx="minor">
+              <a:schemeClr val="lt1"/>
+            </a:fontRef>
+          </p:style>
+          <p:txBody>
+            <a:bodyPr rtlCol="0" anchor="ctr"/>
+            <a:lstStyle/>
+            <a:p>
+              <a:pPr algn="ctr"/>
+              <a:endParaRPr lang="ko-KR" altLang="en-US" dirty="0"/>
+            </a:p>
+          </p:txBody>
+        </p:sp>
+        <p:cxnSp>
+          <p:nvCxnSpPr>
+            <p:cNvPr id="54" name="직선 화살표 연결선 53">
+              <a:extLst>
+                <a:ext uri="{FF2B5EF4-FFF2-40B4-BE49-F238E27FC236}">
+                  <a16:creationId xmlns:a16="http://schemas.microsoft.com/office/drawing/2014/main" id="{3056CC52-F33E-347B-3CB4-C71FF392E353}"/>
+                </a:ext>
+              </a:extLst>
+            </p:cNvPr>
+            <p:cNvCxnSpPr>
+              <a:cxnSpLocks/>
+              <a:stCxn id="53" idx="7"/>
+            </p:cNvCxnSpPr>
+            <p:nvPr/>
+          </p:nvCxnSpPr>
+          <p:spPr>
+            <a:xfrm flipV="1">
+              <a:off x="6036866" y="3656886"/>
+              <a:ext cx="277893" cy="329209"/>
+            </a:xfrm>
+            <a:prstGeom prst="straightConnector1">
+              <a:avLst/>
+            </a:prstGeom>
+            <a:ln w="12700">
+              <a:headEnd type="none" w="med" len="med"/>
+              <a:tailEnd type="triangle" w="med" len="med"/>
+            </a:ln>
+          </p:spPr>
+          <p:style>
+            <a:lnRef idx="2">
+              <a:schemeClr val="dk1"/>
+            </a:lnRef>
+            <a:fillRef idx="0">
+              <a:schemeClr val="dk1"/>
+            </a:fillRef>
+            <a:effectRef idx="1">
+              <a:schemeClr val="dk1"/>
+            </a:effectRef>
+            <a:fontRef idx="minor">
+              <a:schemeClr val="tx1"/>
+            </a:fontRef>
+          </p:style>
+        </p:cxnSp>
+        <p:cxnSp>
+          <p:nvCxnSpPr>
+            <p:cNvPr id="57" name="직선 화살표 연결선 56">
+              <a:extLst>
+                <a:ext uri="{FF2B5EF4-FFF2-40B4-BE49-F238E27FC236}">
+                  <a16:creationId xmlns:a16="http://schemas.microsoft.com/office/drawing/2014/main" id="{7C1218F3-3444-8B91-51C6-F185296DF125}"/>
+                </a:ext>
+              </a:extLst>
+            </p:cNvPr>
+            <p:cNvCxnSpPr>
+              <a:cxnSpLocks/>
+            </p:cNvCxnSpPr>
+            <p:nvPr/>
+          </p:nvCxnSpPr>
+          <p:spPr>
+            <a:xfrm flipH="1" flipV="1">
+              <a:off x="5919788" y="3298328"/>
+              <a:ext cx="394971" cy="406130"/>
+            </a:xfrm>
+            <a:prstGeom prst="straightConnector1">
+              <a:avLst/>
+            </a:prstGeom>
+            <a:ln w="12700">
+              <a:headEnd type="none" w="med" len="med"/>
+              <a:tailEnd type="triangle" w="med" len="med"/>
+            </a:ln>
+          </p:spPr>
+          <p:style>
+            <a:lnRef idx="2">
+              <a:schemeClr val="dk1"/>
+            </a:lnRef>
+            <a:fillRef idx="0">
+              <a:schemeClr val="dk1"/>
+            </a:fillRef>
+            <a:effectRef idx="1">
+              <a:schemeClr val="dk1"/>
+            </a:effectRef>
+            <a:fontRef idx="minor">
+              <a:schemeClr val="tx1"/>
+            </a:fontRef>
+          </p:style>
+        </p:cxnSp>
+      </p:grpSp>
+    </p:spTree>
+    <p:extLst>
+      <p:ext uri="{BB962C8B-B14F-4D97-AF65-F5344CB8AC3E}">
+        <p14:creationId xmlns:p14="http://schemas.microsoft.com/office/powerpoint/2010/main" val="2886065742"/>
       </p:ext>
     </p:extLst>
   </p:cSld>

--- a/졸업 논문/picture/그림모음.pptx
+++ b/졸업 논문/picture/그림모음.pptx
@@ -5,7 +5,7 @@
     <p:sldMasterId id="2147483648" r:id="rId1"/>
   </p:sldMasterIdLst>
   <p:notesMasterIdLst>
-    <p:notesMasterId r:id="rId12"/>
+    <p:notesMasterId r:id="rId13"/>
   </p:notesMasterIdLst>
   <p:sldIdLst>
     <p:sldId id="256" r:id="rId2"/>
@@ -18,6 +18,7 @@
     <p:sldId id="263" r:id="rId9"/>
     <p:sldId id="264" r:id="rId10"/>
     <p:sldId id="265" r:id="rId11"/>
+    <p:sldId id="266" r:id="rId12"/>
   </p:sldIdLst>
   <p:sldSz cx="12192000" cy="6858000"/>
   <p:notesSz cx="6858000" cy="9144000"/>
@@ -209,7 +210,7 @@
           <a:p>
             <a:fld id="{DF808D06-9E3F-44FB-93F2-5318620A4091}" type="datetimeFigureOut">
               <a:rPr lang="ko-KR" altLang="en-US" smtClean="0"/>
-              <a:t>2024-04-15</a:t>
+              <a:t>2024-04-17</a:t>
             </a:fld>
             <a:endParaRPr lang="ko-KR" altLang="en-US"/>
           </a:p>
@@ -791,7 +792,7 @@
           <a:p>
             <a:fld id="{1E28F0D3-E3FD-49FD-8E82-3F8837207BDD}" type="datetimeFigureOut">
               <a:rPr lang="ko-KR" altLang="en-US" smtClean="0"/>
-              <a:t>2024-04-15</a:t>
+              <a:t>2024-04-17</a:t>
             </a:fld>
             <a:endParaRPr lang="ko-KR" altLang="en-US"/>
           </a:p>
@@ -989,7 +990,7 @@
           <a:p>
             <a:fld id="{1E28F0D3-E3FD-49FD-8E82-3F8837207BDD}" type="datetimeFigureOut">
               <a:rPr lang="ko-KR" altLang="en-US" smtClean="0"/>
-              <a:t>2024-04-15</a:t>
+              <a:t>2024-04-17</a:t>
             </a:fld>
             <a:endParaRPr lang="ko-KR" altLang="en-US"/>
           </a:p>
@@ -1197,7 +1198,7 @@
           <a:p>
             <a:fld id="{1E28F0D3-E3FD-49FD-8E82-3F8837207BDD}" type="datetimeFigureOut">
               <a:rPr lang="ko-KR" altLang="en-US" smtClean="0"/>
-              <a:t>2024-04-15</a:t>
+              <a:t>2024-04-17</a:t>
             </a:fld>
             <a:endParaRPr lang="ko-KR" altLang="en-US"/>
           </a:p>
@@ -1395,7 +1396,7 @@
           <a:p>
             <a:fld id="{1E28F0D3-E3FD-49FD-8E82-3F8837207BDD}" type="datetimeFigureOut">
               <a:rPr lang="ko-KR" altLang="en-US" smtClean="0"/>
-              <a:t>2024-04-15</a:t>
+              <a:t>2024-04-17</a:t>
             </a:fld>
             <a:endParaRPr lang="ko-KR" altLang="en-US"/>
           </a:p>
@@ -1670,7 +1671,7 @@
           <a:p>
             <a:fld id="{1E28F0D3-E3FD-49FD-8E82-3F8837207BDD}" type="datetimeFigureOut">
               <a:rPr lang="ko-KR" altLang="en-US" smtClean="0"/>
-              <a:t>2024-04-15</a:t>
+              <a:t>2024-04-17</a:t>
             </a:fld>
             <a:endParaRPr lang="ko-KR" altLang="en-US"/>
           </a:p>
@@ -1935,7 +1936,7 @@
           <a:p>
             <a:fld id="{1E28F0D3-E3FD-49FD-8E82-3F8837207BDD}" type="datetimeFigureOut">
               <a:rPr lang="ko-KR" altLang="en-US" smtClean="0"/>
-              <a:t>2024-04-15</a:t>
+              <a:t>2024-04-17</a:t>
             </a:fld>
             <a:endParaRPr lang="ko-KR" altLang="en-US"/>
           </a:p>
@@ -2347,7 +2348,7 @@
           <a:p>
             <a:fld id="{1E28F0D3-E3FD-49FD-8E82-3F8837207BDD}" type="datetimeFigureOut">
               <a:rPr lang="ko-KR" altLang="en-US" smtClean="0"/>
-              <a:t>2024-04-15</a:t>
+              <a:t>2024-04-17</a:t>
             </a:fld>
             <a:endParaRPr lang="ko-KR" altLang="en-US"/>
           </a:p>
@@ -2488,7 +2489,7 @@
           <a:p>
             <a:fld id="{1E28F0D3-E3FD-49FD-8E82-3F8837207BDD}" type="datetimeFigureOut">
               <a:rPr lang="ko-KR" altLang="en-US" smtClean="0"/>
-              <a:t>2024-04-15</a:t>
+              <a:t>2024-04-17</a:t>
             </a:fld>
             <a:endParaRPr lang="ko-KR" altLang="en-US"/>
           </a:p>
@@ -2601,7 +2602,7 @@
           <a:p>
             <a:fld id="{1E28F0D3-E3FD-49FD-8E82-3F8837207BDD}" type="datetimeFigureOut">
               <a:rPr lang="ko-KR" altLang="en-US" smtClean="0"/>
-              <a:t>2024-04-15</a:t>
+              <a:t>2024-04-17</a:t>
             </a:fld>
             <a:endParaRPr lang="ko-KR" altLang="en-US"/>
           </a:p>
@@ -2912,7 +2913,7 @@
           <a:p>
             <a:fld id="{1E28F0D3-E3FD-49FD-8E82-3F8837207BDD}" type="datetimeFigureOut">
               <a:rPr lang="ko-KR" altLang="en-US" smtClean="0"/>
-              <a:t>2024-04-15</a:t>
+              <a:t>2024-04-17</a:t>
             </a:fld>
             <a:endParaRPr lang="ko-KR" altLang="en-US"/>
           </a:p>
@@ -3200,7 +3201,7 @@
           <a:p>
             <a:fld id="{1E28F0D3-E3FD-49FD-8E82-3F8837207BDD}" type="datetimeFigureOut">
               <a:rPr lang="ko-KR" altLang="en-US" smtClean="0"/>
-              <a:t>2024-04-15</a:t>
+              <a:t>2024-04-17</a:t>
             </a:fld>
             <a:endParaRPr lang="ko-KR" altLang="en-US"/>
           </a:p>
@@ -3441,7 +3442,7 @@
           <a:p>
             <a:fld id="{1E28F0D3-E3FD-49FD-8E82-3F8837207BDD}" type="datetimeFigureOut">
               <a:rPr lang="ko-KR" altLang="en-US" smtClean="0"/>
-              <a:t>2024-04-15</a:t>
+              <a:t>2024-04-17</a:t>
             </a:fld>
             <a:endParaRPr lang="ko-KR" altLang="en-US"/>
           </a:p>
@@ -4693,6 +4694,460 @@
     <p:extLst>
       <p:ext uri="{BB962C8B-B14F-4D97-AF65-F5344CB8AC3E}">
         <p14:creationId xmlns:p14="http://schemas.microsoft.com/office/powerpoint/2010/main" val="3495622270"/>
+      </p:ext>
+    </p:extLst>
+  </p:cSld>
+  <p:clrMapOvr>
+    <a:masterClrMapping/>
+  </p:clrMapOvr>
+</p:sld>
+</file>
+
+<file path=ppt/slides/slide11.xml><?xml version="1.0" encoding="utf-8"?>
+<p:sld xmlns:a="http://schemas.openxmlformats.org/drawingml/2006/main" xmlns:r="http://schemas.openxmlformats.org/officeDocument/2006/relationships" xmlns:p="http://schemas.openxmlformats.org/presentationml/2006/main">
+  <p:cSld>
+    <p:spTree>
+      <p:nvGrpSpPr>
+        <p:cNvPr id="1" name=""/>
+        <p:cNvGrpSpPr/>
+        <p:nvPr/>
+      </p:nvGrpSpPr>
+      <p:grpSpPr>
+        <a:xfrm>
+          <a:off x="0" y="0"/>
+          <a:ext cx="0" cy="0"/>
+          <a:chOff x="0" y="0"/>
+          <a:chExt cx="0" cy="0"/>
+        </a:xfrm>
+      </p:grpSpPr>
+      <p:grpSp>
+        <p:nvGrpSpPr>
+          <p:cNvPr id="28" name="그룹 27">
+            <a:extLst>
+              <a:ext uri="{FF2B5EF4-FFF2-40B4-BE49-F238E27FC236}">
+                <a16:creationId xmlns:a16="http://schemas.microsoft.com/office/drawing/2014/main" id="{EF306836-AEC3-849F-2671-5986D7EBE921}"/>
+              </a:ext>
+            </a:extLst>
+          </p:cNvPr>
+          <p:cNvGrpSpPr/>
+          <p:nvPr/>
+        </p:nvGrpSpPr>
+        <p:grpSpPr>
+          <a:xfrm>
+            <a:off x="3050649" y="824080"/>
+            <a:ext cx="4511446" cy="5177717"/>
+            <a:chOff x="3050649" y="824080"/>
+            <a:chExt cx="4511446" cy="5177717"/>
+          </a:xfrm>
+        </p:grpSpPr>
+        <p:pic>
+          <p:nvPicPr>
+            <p:cNvPr id="1026" name="Picture 2" descr="승용차용 | NEXEN TIRE">
+              <a:extLst>
+                <a:ext uri="{FF2B5EF4-FFF2-40B4-BE49-F238E27FC236}">
+                  <a16:creationId xmlns:a16="http://schemas.microsoft.com/office/drawing/2014/main" id="{8B3A68E7-3577-ECB2-0419-E315721972FB}"/>
+                </a:ext>
+              </a:extLst>
+            </p:cNvPr>
+            <p:cNvPicPr>
+              <a:picLocks noChangeAspect="1" noChangeArrowheads="1"/>
+            </p:cNvPicPr>
+            <p:nvPr/>
+          </p:nvPicPr>
+          <p:blipFill>
+            <a:blip r:embed="rId2">
+              <a:extLst>
+                <a:ext uri="{28A0092B-C50C-407E-A947-70E740481C1C}">
+                  <a14:useLocalDpi xmlns:a14="http://schemas.microsoft.com/office/drawing/2010/main" val="0"/>
+                </a:ext>
+              </a:extLst>
+            </a:blip>
+            <a:srcRect/>
+            <a:stretch>
+              <a:fillRect/>
+            </a:stretch>
+          </p:blipFill>
+          <p:spPr bwMode="auto">
+            <a:xfrm>
+              <a:off x="3561595" y="824080"/>
+              <a:ext cx="4000500" cy="4000500"/>
+            </a:xfrm>
+            <a:prstGeom prst="rect">
+              <a:avLst/>
+            </a:prstGeom>
+            <a:noFill/>
+            <a:extLst>
+              <a:ext uri="{909E8E84-426E-40DD-AFC4-6F175D3DCCD1}">
+                <a14:hiddenFill xmlns:a14="http://schemas.microsoft.com/office/drawing/2010/main">
+                  <a:solidFill>
+                    <a:srgbClr val="FFFFFF"/>
+                  </a:solidFill>
+                </a14:hiddenFill>
+              </a:ext>
+            </a:extLst>
+          </p:spPr>
+        </p:pic>
+        <p:sp>
+          <p:nvSpPr>
+            <p:cNvPr id="8" name="화살표: 오른쪽 7">
+              <a:extLst>
+                <a:ext uri="{FF2B5EF4-FFF2-40B4-BE49-F238E27FC236}">
+                  <a16:creationId xmlns:a16="http://schemas.microsoft.com/office/drawing/2014/main" id="{8FED9376-15FE-9A73-9D3B-69D4A9CF1548}"/>
+                </a:ext>
+              </a:extLst>
+            </p:cNvPr>
+            <p:cNvSpPr/>
+            <p:nvPr/>
+          </p:nvSpPr>
+          <p:spPr>
+            <a:xfrm rot="11027881">
+              <a:off x="3056305" y="5099178"/>
+              <a:ext cx="2652080" cy="258689"/>
+            </a:xfrm>
+            <a:prstGeom prst="rightArrow">
+              <a:avLst/>
+            </a:prstGeom>
+            <a:solidFill>
+              <a:srgbClr val="FF0000"/>
+            </a:solidFill>
+            <a:ln>
+              <a:solidFill>
+                <a:srgbClr val="FF0000"/>
+              </a:solidFill>
+            </a:ln>
+            <a:effectLst>
+              <a:outerShdw blurRad="50800" dist="38100" dir="2700000" algn="tl" rotWithShape="0">
+                <a:prstClr val="black">
+                  <a:alpha val="40000"/>
+                </a:prstClr>
+              </a:outerShdw>
+            </a:effectLst>
+            <a:scene3d>
+              <a:camera prst="isometricTopUp"/>
+              <a:lightRig rig="threePt" dir="t"/>
+            </a:scene3d>
+          </p:spPr>
+          <p:style>
+            <a:lnRef idx="2">
+              <a:schemeClr val="accent1">
+                <a:shade val="15000"/>
+              </a:schemeClr>
+            </a:lnRef>
+            <a:fillRef idx="1">
+              <a:schemeClr val="accent1"/>
+            </a:fillRef>
+            <a:effectRef idx="0">
+              <a:schemeClr val="accent1"/>
+            </a:effectRef>
+            <a:fontRef idx="minor">
+              <a:schemeClr val="lt1"/>
+            </a:fontRef>
+          </p:style>
+          <p:txBody>
+            <a:bodyPr rtlCol="0" anchor="ctr"/>
+            <a:lstStyle/>
+            <a:p>
+              <a:pPr algn="ctr"/>
+              <a:endParaRPr lang="ko-KR" altLang="en-US"/>
+            </a:p>
+          </p:txBody>
+        </p:sp>
+        <p:sp>
+          <p:nvSpPr>
+            <p:cNvPr id="15" name="화살표: 오른쪽 14">
+              <a:extLst>
+                <a:ext uri="{FF2B5EF4-FFF2-40B4-BE49-F238E27FC236}">
+                  <a16:creationId xmlns:a16="http://schemas.microsoft.com/office/drawing/2014/main" id="{A9FC43FE-8D86-59BD-100B-C615ECF9D2F2}"/>
+                </a:ext>
+              </a:extLst>
+            </p:cNvPr>
+            <p:cNvSpPr/>
+            <p:nvPr/>
+          </p:nvSpPr>
+          <p:spPr>
+            <a:xfrm>
+              <a:off x="6096000" y="4630563"/>
+              <a:ext cx="1097269" cy="258689"/>
+            </a:xfrm>
+            <a:prstGeom prst="rightArrow">
+              <a:avLst/>
+            </a:prstGeom>
+            <a:solidFill>
+              <a:srgbClr val="FF0000"/>
+            </a:solidFill>
+            <a:ln>
+              <a:noFill/>
+            </a:ln>
+            <a:effectLst>
+              <a:outerShdw blurRad="50800" dist="38100" dir="2700000" algn="tl" rotWithShape="0">
+                <a:prstClr val="black">
+                  <a:alpha val="40000"/>
+                </a:prstClr>
+              </a:outerShdw>
+            </a:effectLst>
+            <a:scene3d>
+              <a:camera prst="isometricOffAxis2Top"/>
+              <a:lightRig rig="threePt" dir="t"/>
+            </a:scene3d>
+          </p:spPr>
+          <p:style>
+            <a:lnRef idx="2">
+              <a:schemeClr val="accent1">
+                <a:shade val="15000"/>
+              </a:schemeClr>
+            </a:lnRef>
+            <a:fillRef idx="1">
+              <a:schemeClr val="accent1"/>
+            </a:fillRef>
+            <a:effectRef idx="0">
+              <a:schemeClr val="accent1"/>
+            </a:effectRef>
+            <a:fontRef idx="minor">
+              <a:schemeClr val="lt1"/>
+            </a:fontRef>
+          </p:style>
+          <p:txBody>
+            <a:bodyPr rtlCol="0" anchor="ctr"/>
+            <a:lstStyle/>
+            <a:p>
+              <a:pPr algn="ctr"/>
+              <a:endParaRPr lang="ko-KR" altLang="en-US" dirty="0"/>
+            </a:p>
+          </p:txBody>
+        </p:sp>
+        <mc:AlternateContent xmlns:mc="http://schemas.openxmlformats.org/markup-compatibility/2006">
+          <mc:Choice xmlns:a14="http://schemas.microsoft.com/office/drawing/2010/main" Requires="a14">
+            <p:sp>
+              <p:nvSpPr>
+                <p:cNvPr id="16" name="TextBox 15">
+                  <a:extLst>
+                    <a:ext uri="{FF2B5EF4-FFF2-40B4-BE49-F238E27FC236}">
+                      <a16:creationId xmlns:a16="http://schemas.microsoft.com/office/drawing/2014/main" id="{30BFCC71-8945-B2A5-A2A5-D3160E09A1F2}"/>
+                    </a:ext>
+                  </a:extLst>
+                </p:cNvPr>
+                <p:cNvSpPr txBox="1"/>
+                <p:nvPr/>
+              </p:nvSpPr>
+              <p:spPr>
+                <a:xfrm>
+                  <a:off x="3050649" y="5632465"/>
+                  <a:ext cx="475836" cy="369332"/>
+                </a:xfrm>
+                <a:prstGeom prst="rect">
+                  <a:avLst/>
+                </a:prstGeom>
+                <a:noFill/>
+              </p:spPr>
+              <p:txBody>
+                <a:bodyPr wrap="none" rtlCol="0">
+                  <a:spAutoFit/>
+                </a:bodyPr>
+                <a:lstStyle/>
+                <a:p>
+                  <a14:m>
+                    <m:oMathPara xmlns:m="http://schemas.openxmlformats.org/officeDocument/2006/math">
+                      <m:oMathParaPr>
+                        <m:jc m:val="centerGroup"/>
+                      </m:oMathParaPr>
+                      <m:oMath xmlns:m="http://schemas.openxmlformats.org/officeDocument/2006/math">
+                        <m:sSub>
+                          <m:sSubPr>
+                            <m:ctrlPr>
+                              <a:rPr lang="en-US" altLang="ko-KR" b="0" i="1" smtClean="0">
+                                <a:latin typeface="Cambria Math" panose="02040503050406030204" pitchFamily="18" charset="0"/>
+                              </a:rPr>
+                            </m:ctrlPr>
+                          </m:sSubPr>
+                          <m:e>
+                            <m:r>
+                              <a:rPr lang="en-US" altLang="ko-KR" b="0" i="1" smtClean="0">
+                                <a:latin typeface="Cambria Math" panose="02040503050406030204" pitchFamily="18" charset="0"/>
+                              </a:rPr>
+                              <m:t>𝐹</m:t>
+                            </m:r>
+                          </m:e>
+                          <m:sub>
+                            <m:r>
+                              <a:rPr lang="en-US" altLang="ko-KR" b="0" i="1" smtClean="0">
+                                <a:latin typeface="Cambria Math" panose="02040503050406030204" pitchFamily="18" charset="0"/>
+                              </a:rPr>
+                              <m:t>𝑥</m:t>
+                            </m:r>
+                          </m:sub>
+                        </m:sSub>
+                      </m:oMath>
+                    </m:oMathPara>
+                  </a14:m>
+                  <a:endParaRPr lang="ko-KR" altLang="en-US" dirty="0"/>
+                </a:p>
+              </p:txBody>
+            </p:sp>
+          </mc:Choice>
+          <mc:Fallback>
+            <p:sp>
+              <p:nvSpPr>
+                <p:cNvPr id="16" name="TextBox 15">
+                  <a:extLst>
+                    <a:ext uri="{FF2B5EF4-FFF2-40B4-BE49-F238E27FC236}">
+                      <a16:creationId xmlns:a16="http://schemas.microsoft.com/office/drawing/2014/main" id="{30BFCC71-8945-B2A5-A2A5-D3160E09A1F2}"/>
+                    </a:ext>
+                  </a:extLst>
+                </p:cNvPr>
+                <p:cNvSpPr txBox="1">
+                  <a:spLocks noRot="1" noChangeAspect="1" noMove="1" noResize="1" noEditPoints="1" noAdjustHandles="1" noChangeArrowheads="1" noChangeShapeType="1" noTextEdit="1"/>
+                </p:cNvSpPr>
+                <p:nvPr/>
+              </p:nvSpPr>
+              <p:spPr>
+                <a:xfrm>
+                  <a:off x="3050649" y="5632465"/>
+                  <a:ext cx="475836" cy="369332"/>
+                </a:xfrm>
+                <a:prstGeom prst="rect">
+                  <a:avLst/>
+                </a:prstGeom>
+                <a:blipFill>
+                  <a:blip r:embed="rId3"/>
+                  <a:stretch>
+                    <a:fillRect/>
+                  </a:stretch>
+                </a:blipFill>
+              </p:spPr>
+              <p:txBody>
+                <a:bodyPr/>
+                <a:lstStyle/>
+                <a:p>
+                  <a:r>
+                    <a:rPr lang="ko-KR" altLang="en-US">
+                      <a:noFill/>
+                    </a:rPr>
+                    <a:t> </a:t>
+                  </a:r>
+                </a:p>
+              </p:txBody>
+            </p:sp>
+          </mc:Fallback>
+        </mc:AlternateContent>
+        <mc:AlternateContent xmlns:mc="http://schemas.openxmlformats.org/markup-compatibility/2006">
+          <mc:Choice xmlns:a14="http://schemas.microsoft.com/office/drawing/2010/main" Requires="a14">
+            <p:sp>
+              <p:nvSpPr>
+                <p:cNvPr id="17" name="TextBox 16">
+                  <a:extLst>
+                    <a:ext uri="{FF2B5EF4-FFF2-40B4-BE49-F238E27FC236}">
+                      <a16:creationId xmlns:a16="http://schemas.microsoft.com/office/drawing/2014/main" id="{3FCF42D1-E88F-DE01-C0ED-A5135868701A}"/>
+                    </a:ext>
+                  </a:extLst>
+                </p:cNvPr>
+                <p:cNvSpPr txBox="1"/>
+                <p:nvPr/>
+              </p:nvSpPr>
+              <p:spPr>
+                <a:xfrm>
+                  <a:off x="7078629" y="4656475"/>
+                  <a:ext cx="483466" cy="391261"/>
+                </a:xfrm>
+                <a:prstGeom prst="rect">
+                  <a:avLst/>
+                </a:prstGeom>
+                <a:noFill/>
+              </p:spPr>
+              <p:txBody>
+                <a:bodyPr wrap="none" rtlCol="0">
+                  <a:spAutoFit/>
+                </a:bodyPr>
+                <a:lstStyle/>
+                <a:p>
+                  <a14:m>
+                    <m:oMathPara xmlns:m="http://schemas.openxmlformats.org/officeDocument/2006/math">
+                      <m:oMathParaPr>
+                        <m:jc m:val="centerGroup"/>
+                      </m:oMathParaPr>
+                      <m:oMath xmlns:m="http://schemas.openxmlformats.org/officeDocument/2006/math">
+                        <m:sSub>
+                          <m:sSubPr>
+                            <m:ctrlPr>
+                              <a:rPr lang="en-US" altLang="ko-KR" b="0" i="1" smtClean="0">
+                                <a:latin typeface="Cambria Math" panose="02040503050406030204" pitchFamily="18" charset="0"/>
+                              </a:rPr>
+                            </m:ctrlPr>
+                          </m:sSubPr>
+                          <m:e>
+                            <m:r>
+                              <a:rPr lang="en-US" altLang="ko-KR" b="0" i="1" smtClean="0">
+                                <a:latin typeface="Cambria Math" panose="02040503050406030204" pitchFamily="18" charset="0"/>
+                              </a:rPr>
+                              <m:t>𝐹</m:t>
+                            </m:r>
+                          </m:e>
+                          <m:sub>
+                            <m:r>
+                              <a:rPr lang="en-US" altLang="ko-KR" b="0" i="1" smtClean="0">
+                                <a:latin typeface="Cambria Math" panose="02040503050406030204" pitchFamily="18" charset="0"/>
+                              </a:rPr>
+                              <m:t>𝑦</m:t>
+                            </m:r>
+                          </m:sub>
+                        </m:sSub>
+                      </m:oMath>
+                    </m:oMathPara>
+                  </a14:m>
+                  <a:endParaRPr lang="ko-KR" altLang="en-US" dirty="0"/>
+                </a:p>
+              </p:txBody>
+            </p:sp>
+          </mc:Choice>
+          <mc:Fallback>
+            <p:sp>
+              <p:nvSpPr>
+                <p:cNvPr id="17" name="TextBox 16">
+                  <a:extLst>
+                    <a:ext uri="{FF2B5EF4-FFF2-40B4-BE49-F238E27FC236}">
+                      <a16:creationId xmlns:a16="http://schemas.microsoft.com/office/drawing/2014/main" id="{3FCF42D1-E88F-DE01-C0ED-A5135868701A}"/>
+                    </a:ext>
+                  </a:extLst>
+                </p:cNvPr>
+                <p:cNvSpPr txBox="1">
+                  <a:spLocks noRot="1" noChangeAspect="1" noMove="1" noResize="1" noEditPoints="1" noAdjustHandles="1" noChangeArrowheads="1" noChangeShapeType="1" noTextEdit="1"/>
+                </p:cNvSpPr>
+                <p:nvPr/>
+              </p:nvSpPr>
+              <p:spPr>
+                <a:xfrm>
+                  <a:off x="7078629" y="4656475"/>
+                  <a:ext cx="483466" cy="391261"/>
+                </a:xfrm>
+                <a:prstGeom prst="rect">
+                  <a:avLst/>
+                </a:prstGeom>
+                <a:blipFill>
+                  <a:blip r:embed="rId4"/>
+                  <a:stretch>
+                    <a:fillRect b="-3125"/>
+                  </a:stretch>
+                </a:blipFill>
+              </p:spPr>
+              <p:txBody>
+                <a:bodyPr/>
+                <a:lstStyle/>
+                <a:p>
+                  <a:r>
+                    <a:rPr lang="ko-KR" altLang="en-US">
+                      <a:noFill/>
+                    </a:rPr>
+                    <a:t> </a:t>
+                  </a:r>
+                </a:p>
+              </p:txBody>
+            </p:sp>
+          </mc:Fallback>
+        </mc:AlternateContent>
+      </p:grpSp>
+    </p:spTree>
+    <p:extLst>
+      <p:ext uri="{BB962C8B-B14F-4D97-AF65-F5344CB8AC3E}">
+        <p14:creationId xmlns:p14="http://schemas.microsoft.com/office/powerpoint/2010/main" val="3073230327"/>
       </p:ext>
     </p:extLst>
   </p:cSld>

--- a/졸업 논문/picture/그림모음.pptx
+++ b/졸업 논문/picture/그림모음.pptx
@@ -5,7 +5,7 @@
     <p:sldMasterId id="2147483648" r:id="rId1"/>
   </p:sldMasterIdLst>
   <p:notesMasterIdLst>
-    <p:notesMasterId r:id="rId13"/>
+    <p:notesMasterId r:id="rId15"/>
   </p:notesMasterIdLst>
   <p:sldIdLst>
     <p:sldId id="256" r:id="rId2"/>
@@ -19,6 +19,8 @@
     <p:sldId id="264" r:id="rId10"/>
     <p:sldId id="265" r:id="rId11"/>
     <p:sldId id="266" r:id="rId12"/>
+    <p:sldId id="267" r:id="rId13"/>
+    <p:sldId id="268" r:id="rId14"/>
   </p:sldIdLst>
   <p:sldSz cx="12192000" cy="6858000"/>
   <p:notesSz cx="6858000" cy="9144000"/>
@@ -210,7 +212,7 @@
           <a:p>
             <a:fld id="{DF808D06-9E3F-44FB-93F2-5318620A4091}" type="datetimeFigureOut">
               <a:rPr lang="ko-KR" altLang="en-US" smtClean="0"/>
-              <a:t>2024-04-17</a:t>
+              <a:t>2024-05-15</a:t>
             </a:fld>
             <a:endParaRPr lang="ko-KR" altLang="en-US"/>
           </a:p>
@@ -645,6 +647,90 @@
 </p:notes>
 </file>
 
+<file path=ppt/notesSlides/notesSlide3.xml><?xml version="1.0" encoding="utf-8"?>
+<p:notes xmlns:a="http://schemas.openxmlformats.org/drawingml/2006/main" xmlns:r="http://schemas.openxmlformats.org/officeDocument/2006/relationships" xmlns:p="http://schemas.openxmlformats.org/presentationml/2006/main">
+  <p:cSld>
+    <p:spTree>
+      <p:nvGrpSpPr>
+        <p:cNvPr id="1" name=""/>
+        <p:cNvGrpSpPr/>
+        <p:nvPr/>
+      </p:nvGrpSpPr>
+      <p:grpSpPr>
+        <a:xfrm>
+          <a:off x="0" y="0"/>
+          <a:ext cx="0" cy="0"/>
+          <a:chOff x="0" y="0"/>
+          <a:chExt cx="0" cy="0"/>
+        </a:xfrm>
+      </p:grpSpPr>
+      <p:sp>
+        <p:nvSpPr>
+          <p:cNvPr id="2" name="슬라이드 이미지 개체 틀 1"/>
+          <p:cNvSpPr>
+            <a:spLocks noGrp="1" noRot="1" noChangeAspect="1"/>
+          </p:cNvSpPr>
+          <p:nvPr>
+            <p:ph type="sldImg"/>
+          </p:nvPr>
+        </p:nvSpPr>
+        <p:spPr/>
+      </p:sp>
+      <p:sp>
+        <p:nvSpPr>
+          <p:cNvPr id="3" name="슬라이드 노트 개체 틀 2"/>
+          <p:cNvSpPr>
+            <a:spLocks noGrp="1"/>
+          </p:cNvSpPr>
+          <p:nvPr>
+            <p:ph type="body" idx="1"/>
+          </p:nvPr>
+        </p:nvSpPr>
+        <p:spPr/>
+        <p:txBody>
+          <a:bodyPr/>
+          <a:lstStyle/>
+          <a:p>
+            <a:endParaRPr lang="ko-KR" altLang="en-US" dirty="0"/>
+          </a:p>
+        </p:txBody>
+      </p:sp>
+      <p:sp>
+        <p:nvSpPr>
+          <p:cNvPr id="4" name="슬라이드 번호 개체 틀 3"/>
+          <p:cNvSpPr>
+            <a:spLocks noGrp="1"/>
+          </p:cNvSpPr>
+          <p:nvPr>
+            <p:ph type="sldNum" sz="quarter" idx="5"/>
+          </p:nvPr>
+        </p:nvSpPr>
+        <p:spPr/>
+        <p:txBody>
+          <a:bodyPr/>
+          <a:lstStyle/>
+          <a:p>
+            <a:fld id="{99C9A71B-B8CF-479D-AC54-A5572C23557B}" type="slidenum">
+              <a:rPr lang="ko-KR" altLang="en-US" smtClean="0"/>
+              <a:t>12</a:t>
+            </a:fld>
+            <a:endParaRPr lang="ko-KR" altLang="en-US"/>
+          </a:p>
+        </p:txBody>
+      </p:sp>
+    </p:spTree>
+    <p:extLst>
+      <p:ext uri="{BB962C8B-B14F-4D97-AF65-F5344CB8AC3E}">
+        <p14:creationId xmlns:p14="http://schemas.microsoft.com/office/powerpoint/2010/main" val="3460182880"/>
+      </p:ext>
+    </p:extLst>
+  </p:cSld>
+  <p:clrMapOvr>
+    <a:masterClrMapping/>
+  </p:clrMapOvr>
+</p:notes>
+</file>
+
 <file path=ppt/slideLayouts/slideLayout1.xml><?xml version="1.0" encoding="utf-8"?>
 <p:sldLayout xmlns:a="http://schemas.openxmlformats.org/drawingml/2006/main" xmlns:r="http://schemas.openxmlformats.org/officeDocument/2006/relationships" xmlns:p="http://schemas.openxmlformats.org/presentationml/2006/main" type="title" preserve="1">
   <p:cSld name="제목 슬라이드">
@@ -792,7 +878,7 @@
           <a:p>
             <a:fld id="{1E28F0D3-E3FD-49FD-8E82-3F8837207BDD}" type="datetimeFigureOut">
               <a:rPr lang="ko-KR" altLang="en-US" smtClean="0"/>
-              <a:t>2024-04-17</a:t>
+              <a:t>2024-05-15</a:t>
             </a:fld>
             <a:endParaRPr lang="ko-KR" altLang="en-US"/>
           </a:p>
@@ -990,7 +1076,7 @@
           <a:p>
             <a:fld id="{1E28F0D3-E3FD-49FD-8E82-3F8837207BDD}" type="datetimeFigureOut">
               <a:rPr lang="ko-KR" altLang="en-US" smtClean="0"/>
-              <a:t>2024-04-17</a:t>
+              <a:t>2024-05-15</a:t>
             </a:fld>
             <a:endParaRPr lang="ko-KR" altLang="en-US"/>
           </a:p>
@@ -1198,7 +1284,7 @@
           <a:p>
             <a:fld id="{1E28F0D3-E3FD-49FD-8E82-3F8837207BDD}" type="datetimeFigureOut">
               <a:rPr lang="ko-KR" altLang="en-US" smtClean="0"/>
-              <a:t>2024-04-17</a:t>
+              <a:t>2024-05-15</a:t>
             </a:fld>
             <a:endParaRPr lang="ko-KR" altLang="en-US"/>
           </a:p>
@@ -1396,7 +1482,7 @@
           <a:p>
             <a:fld id="{1E28F0D3-E3FD-49FD-8E82-3F8837207BDD}" type="datetimeFigureOut">
               <a:rPr lang="ko-KR" altLang="en-US" smtClean="0"/>
-              <a:t>2024-04-17</a:t>
+              <a:t>2024-05-15</a:t>
             </a:fld>
             <a:endParaRPr lang="ko-KR" altLang="en-US"/>
           </a:p>
@@ -1671,7 +1757,7 @@
           <a:p>
             <a:fld id="{1E28F0D3-E3FD-49FD-8E82-3F8837207BDD}" type="datetimeFigureOut">
               <a:rPr lang="ko-KR" altLang="en-US" smtClean="0"/>
-              <a:t>2024-04-17</a:t>
+              <a:t>2024-05-15</a:t>
             </a:fld>
             <a:endParaRPr lang="ko-KR" altLang="en-US"/>
           </a:p>
@@ -1936,7 +2022,7 @@
           <a:p>
             <a:fld id="{1E28F0D3-E3FD-49FD-8E82-3F8837207BDD}" type="datetimeFigureOut">
               <a:rPr lang="ko-KR" altLang="en-US" smtClean="0"/>
-              <a:t>2024-04-17</a:t>
+              <a:t>2024-05-15</a:t>
             </a:fld>
             <a:endParaRPr lang="ko-KR" altLang="en-US"/>
           </a:p>
@@ -2348,7 +2434,7 @@
           <a:p>
             <a:fld id="{1E28F0D3-E3FD-49FD-8E82-3F8837207BDD}" type="datetimeFigureOut">
               <a:rPr lang="ko-KR" altLang="en-US" smtClean="0"/>
-              <a:t>2024-04-17</a:t>
+              <a:t>2024-05-15</a:t>
             </a:fld>
             <a:endParaRPr lang="ko-KR" altLang="en-US"/>
           </a:p>
@@ -2489,7 +2575,7 @@
           <a:p>
             <a:fld id="{1E28F0D3-E3FD-49FD-8E82-3F8837207BDD}" type="datetimeFigureOut">
               <a:rPr lang="ko-KR" altLang="en-US" smtClean="0"/>
-              <a:t>2024-04-17</a:t>
+              <a:t>2024-05-15</a:t>
             </a:fld>
             <a:endParaRPr lang="ko-KR" altLang="en-US"/>
           </a:p>
@@ -2602,7 +2688,7 @@
           <a:p>
             <a:fld id="{1E28F0D3-E3FD-49FD-8E82-3F8837207BDD}" type="datetimeFigureOut">
               <a:rPr lang="ko-KR" altLang="en-US" smtClean="0"/>
-              <a:t>2024-04-17</a:t>
+              <a:t>2024-05-15</a:t>
             </a:fld>
             <a:endParaRPr lang="ko-KR" altLang="en-US"/>
           </a:p>
@@ -2913,7 +2999,7 @@
           <a:p>
             <a:fld id="{1E28F0D3-E3FD-49FD-8E82-3F8837207BDD}" type="datetimeFigureOut">
               <a:rPr lang="ko-KR" altLang="en-US" smtClean="0"/>
-              <a:t>2024-04-17</a:t>
+              <a:t>2024-05-15</a:t>
             </a:fld>
             <a:endParaRPr lang="ko-KR" altLang="en-US"/>
           </a:p>
@@ -3201,7 +3287,7 @@
           <a:p>
             <a:fld id="{1E28F0D3-E3FD-49FD-8E82-3F8837207BDD}" type="datetimeFigureOut">
               <a:rPr lang="ko-KR" altLang="en-US" smtClean="0"/>
-              <a:t>2024-04-17</a:t>
+              <a:t>2024-05-15</a:t>
             </a:fld>
             <a:endParaRPr lang="ko-KR" altLang="en-US"/>
           </a:p>
@@ -3442,7 +3528,7 @@
           <a:p>
             <a:fld id="{1E28F0D3-E3FD-49FD-8E82-3F8837207BDD}" type="datetimeFigureOut">
               <a:rPr lang="ko-KR" altLang="en-US" smtClean="0"/>
-              <a:t>2024-04-17</a:t>
+              <a:t>2024-05-15</a:t>
             </a:fld>
             <a:endParaRPr lang="ko-KR" altLang="en-US"/>
           </a:p>
@@ -4915,8 +5001,8 @@
             </a:p>
           </p:txBody>
         </p:sp>
-        <mc:AlternateContent xmlns:mc="http://schemas.openxmlformats.org/markup-compatibility/2006">
-          <mc:Choice xmlns:a14="http://schemas.microsoft.com/office/drawing/2010/main" Requires="a14">
+        <mc:AlternateContent xmlns:mc="http://schemas.openxmlformats.org/markup-compatibility/2006" xmlns:a14="http://schemas.microsoft.com/office/drawing/2010/main">
+          <mc:Choice Requires="a14">
             <p:sp>
               <p:nvSpPr>
                 <p:cNvPr id="16" name="TextBox 15">
@@ -4945,6 +5031,7 @@
                 </a:bodyPr>
                 <a:lstStyle/>
                 <a:p>
+                  <a:pPr/>
                   <a14:m>
                     <m:oMathPara xmlns:m="http://schemas.openxmlformats.org/officeDocument/2006/math">
                       <m:oMathParaPr>
@@ -4984,7 +5071,7 @@
               </p:txBody>
             </p:sp>
           </mc:Choice>
-          <mc:Fallback>
+          <mc:Fallback xmlns="">
             <p:sp>
               <p:nvSpPr>
                 <p:cNvPr id="16" name="TextBox 15">
@@ -5029,8 +5116,8 @@
             </p:sp>
           </mc:Fallback>
         </mc:AlternateContent>
-        <mc:AlternateContent xmlns:mc="http://schemas.openxmlformats.org/markup-compatibility/2006">
-          <mc:Choice xmlns:a14="http://schemas.microsoft.com/office/drawing/2010/main" Requires="a14">
+        <mc:AlternateContent xmlns:mc="http://schemas.openxmlformats.org/markup-compatibility/2006" xmlns:a14="http://schemas.microsoft.com/office/drawing/2010/main">
+          <mc:Choice Requires="a14">
             <p:sp>
               <p:nvSpPr>
                 <p:cNvPr id="17" name="TextBox 16">
@@ -5059,6 +5146,7 @@
                 </a:bodyPr>
                 <a:lstStyle/>
                 <a:p>
+                  <a:pPr/>
                   <a14:m>
                     <m:oMathPara xmlns:m="http://schemas.openxmlformats.org/officeDocument/2006/math">
                       <m:oMathParaPr>
@@ -5098,7 +5186,7 @@
               </p:txBody>
             </p:sp>
           </mc:Choice>
-          <mc:Fallback>
+          <mc:Fallback xmlns="">
             <p:sp>
               <p:nvSpPr>
                 <p:cNvPr id="17" name="TextBox 16">
@@ -5148,6 +5236,351 @@
     <p:extLst>
       <p:ext uri="{BB962C8B-B14F-4D97-AF65-F5344CB8AC3E}">
         <p14:creationId xmlns:p14="http://schemas.microsoft.com/office/powerpoint/2010/main" val="3073230327"/>
+      </p:ext>
+    </p:extLst>
+  </p:cSld>
+  <p:clrMapOvr>
+    <a:masterClrMapping/>
+  </p:clrMapOvr>
+</p:sld>
+</file>
+
+<file path=ppt/slides/slide12.xml><?xml version="1.0" encoding="utf-8"?>
+<p:sld xmlns:a="http://schemas.openxmlformats.org/drawingml/2006/main" xmlns:r="http://schemas.openxmlformats.org/officeDocument/2006/relationships" xmlns:p="http://schemas.openxmlformats.org/presentationml/2006/main">
+  <p:cSld>
+    <p:spTree>
+      <p:nvGrpSpPr>
+        <p:cNvPr id="1" name=""/>
+        <p:cNvGrpSpPr/>
+        <p:nvPr/>
+      </p:nvGrpSpPr>
+      <p:grpSpPr>
+        <a:xfrm>
+          <a:off x="0" y="0"/>
+          <a:ext cx="0" cy="0"/>
+          <a:chOff x="0" y="0"/>
+          <a:chExt cx="0" cy="0"/>
+        </a:xfrm>
+      </p:grpSpPr>
+      <p:grpSp>
+        <p:nvGrpSpPr>
+          <p:cNvPr id="14" name="그룹 13">
+            <a:extLst>
+              <a:ext uri="{FF2B5EF4-FFF2-40B4-BE49-F238E27FC236}">
+                <a16:creationId xmlns:a16="http://schemas.microsoft.com/office/drawing/2014/main" id="{EFEBD8F4-E6FA-C339-F90B-7C96A7B0A449}"/>
+              </a:ext>
+            </a:extLst>
+          </p:cNvPr>
+          <p:cNvGrpSpPr/>
+          <p:nvPr/>
+        </p:nvGrpSpPr>
+        <p:grpSpPr>
+          <a:xfrm>
+            <a:off x="1052732" y="629529"/>
+            <a:ext cx="10086535" cy="5598941"/>
+            <a:chOff x="1052732" y="629529"/>
+            <a:chExt cx="10086535" cy="5598941"/>
+          </a:xfrm>
+        </p:grpSpPr>
+        <p:pic>
+          <p:nvPicPr>
+            <p:cNvPr id="3" name="그림 2" descr="텍스트, 도표, 라인, 그래프이(가) 표시된 사진&#10;&#10;자동 생성된 설명">
+              <a:extLst>
+                <a:ext uri="{FF2B5EF4-FFF2-40B4-BE49-F238E27FC236}">
+                  <a16:creationId xmlns:a16="http://schemas.microsoft.com/office/drawing/2014/main" id="{D953312E-C7C7-B436-E34B-B177B32B25DE}"/>
+                </a:ext>
+              </a:extLst>
+            </p:cNvPr>
+            <p:cNvPicPr>
+              <a:picLocks noChangeAspect="1"/>
+            </p:cNvPicPr>
+            <p:nvPr/>
+          </p:nvPicPr>
+          <p:blipFill rotWithShape="1">
+            <a:blip r:embed="rId3">
+              <a:extLst>
+                <a:ext uri="{28A0092B-C50C-407E-A947-70E740481C1C}">
+                  <a14:useLocalDpi xmlns:a14="http://schemas.microsoft.com/office/drawing/2010/main" val="0"/>
+                </a:ext>
+              </a:extLst>
+            </a:blip>
+            <a:srcRect l="8308" t="3430" r="8961" b="4145"/>
+            <a:stretch/>
+          </p:blipFill>
+          <p:spPr>
+            <a:xfrm>
+              <a:off x="1052732" y="629529"/>
+              <a:ext cx="10086535" cy="5598941"/>
+            </a:xfrm>
+            <a:prstGeom prst="rect">
+              <a:avLst/>
+            </a:prstGeom>
+          </p:spPr>
+        </p:pic>
+        <p:grpSp>
+          <p:nvGrpSpPr>
+            <p:cNvPr id="6" name="그룹 5">
+              <a:extLst>
+                <a:ext uri="{FF2B5EF4-FFF2-40B4-BE49-F238E27FC236}">
+                  <a16:creationId xmlns:a16="http://schemas.microsoft.com/office/drawing/2014/main" id="{F9E447CD-0E84-013B-C993-FB8772E10F0B}"/>
+                </a:ext>
+              </a:extLst>
+            </p:cNvPr>
+            <p:cNvGrpSpPr/>
+            <p:nvPr/>
+          </p:nvGrpSpPr>
+          <p:grpSpPr>
+            <a:xfrm>
+              <a:off x="2279650" y="2666425"/>
+              <a:ext cx="641916" cy="1177865"/>
+              <a:chOff x="2279650" y="2666425"/>
+              <a:chExt cx="641916" cy="1177865"/>
+            </a:xfrm>
+          </p:grpSpPr>
+          <p:sp>
+            <p:nvSpPr>
+              <p:cNvPr id="4" name="직사각형 3">
+                <a:extLst>
+                  <a:ext uri="{FF2B5EF4-FFF2-40B4-BE49-F238E27FC236}">
+                    <a16:creationId xmlns:a16="http://schemas.microsoft.com/office/drawing/2014/main" id="{BB81512F-6FF5-F36E-25E2-B2CFB9774F94}"/>
+                  </a:ext>
+                </a:extLst>
+              </p:cNvPr>
+              <p:cNvSpPr/>
+              <p:nvPr/>
+            </p:nvSpPr>
+            <p:spPr>
+              <a:xfrm>
+                <a:off x="2279650" y="3251200"/>
+                <a:ext cx="622300" cy="593090"/>
+              </a:xfrm>
+              <a:prstGeom prst="rect">
+                <a:avLst/>
+              </a:prstGeom>
+              <a:noFill/>
+              <a:ln>
+                <a:solidFill>
+                  <a:srgbClr val="FF0000"/>
+                </a:solidFill>
+              </a:ln>
+            </p:spPr>
+            <p:style>
+              <a:lnRef idx="2">
+                <a:schemeClr val="accent1">
+                  <a:shade val="15000"/>
+                </a:schemeClr>
+              </a:lnRef>
+              <a:fillRef idx="1">
+                <a:schemeClr val="accent1"/>
+              </a:fillRef>
+              <a:effectRef idx="0">
+                <a:schemeClr val="accent1"/>
+              </a:effectRef>
+              <a:fontRef idx="minor">
+                <a:schemeClr val="lt1"/>
+              </a:fontRef>
+            </p:style>
+            <p:txBody>
+              <a:bodyPr rtlCol="0" anchor="ctr"/>
+              <a:lstStyle/>
+              <a:p>
+                <a:pPr algn="ctr"/>
+                <a:endParaRPr lang="ko-KR" altLang="en-US" dirty="0"/>
+              </a:p>
+            </p:txBody>
+          </p:sp>
+          <p:sp>
+            <p:nvSpPr>
+              <p:cNvPr id="5" name="TextBox 4">
+                <a:extLst>
+                  <a:ext uri="{FF2B5EF4-FFF2-40B4-BE49-F238E27FC236}">
+                    <a16:creationId xmlns:a16="http://schemas.microsoft.com/office/drawing/2014/main" id="{0986D8C4-88DD-6861-8B1B-AE8F2A92CC40}"/>
+                  </a:ext>
+                </a:extLst>
+              </p:cNvPr>
+              <p:cNvSpPr txBox="1"/>
+              <p:nvPr/>
+            </p:nvSpPr>
+            <p:spPr>
+              <a:xfrm>
+                <a:off x="2496116" y="2666425"/>
+                <a:ext cx="425450" cy="584775"/>
+              </a:xfrm>
+              <a:prstGeom prst="rect">
+                <a:avLst/>
+              </a:prstGeom>
+              <a:noFill/>
+            </p:spPr>
+            <p:txBody>
+              <a:bodyPr wrap="square" rtlCol="0">
+                <a:spAutoFit/>
+              </a:bodyPr>
+              <a:lstStyle/>
+              <a:p>
+                <a:r>
+                  <a:rPr lang="ko-KR" altLang="en-US" sz="3200" b="1" dirty="0">
+                    <a:solidFill>
+                      <a:srgbClr val="FF0000"/>
+                    </a:solidFill>
+                  </a:rPr>
+                  <a:t>①</a:t>
+                </a:r>
+                <a:endParaRPr lang="ko-KR" altLang="en-US" b="1" dirty="0">
+                  <a:solidFill>
+                    <a:srgbClr val="FF0000"/>
+                  </a:solidFill>
+                </a:endParaRPr>
+              </a:p>
+            </p:txBody>
+          </p:sp>
+        </p:grpSp>
+        <p:grpSp>
+          <p:nvGrpSpPr>
+            <p:cNvPr id="11" name="그룹 10">
+              <a:extLst>
+                <a:ext uri="{FF2B5EF4-FFF2-40B4-BE49-F238E27FC236}">
+                  <a16:creationId xmlns:a16="http://schemas.microsoft.com/office/drawing/2014/main" id="{5FAA6648-54CA-F77D-2429-E326A358A0AA}"/>
+                </a:ext>
+              </a:extLst>
+            </p:cNvPr>
+            <p:cNvGrpSpPr/>
+            <p:nvPr/>
+          </p:nvGrpSpPr>
+          <p:grpSpPr>
+            <a:xfrm>
+              <a:off x="7143750" y="3251200"/>
+              <a:ext cx="622300" cy="1186180"/>
+              <a:chOff x="2279650" y="2658110"/>
+              <a:chExt cx="622300" cy="1186180"/>
+            </a:xfrm>
+          </p:grpSpPr>
+          <p:sp>
+            <p:nvSpPr>
+              <p:cNvPr id="12" name="직사각형 11">
+                <a:extLst>
+                  <a:ext uri="{FF2B5EF4-FFF2-40B4-BE49-F238E27FC236}">
+                    <a16:creationId xmlns:a16="http://schemas.microsoft.com/office/drawing/2014/main" id="{FAC468B2-B854-A269-60F8-5911543CAF08}"/>
+                  </a:ext>
+                </a:extLst>
+              </p:cNvPr>
+              <p:cNvSpPr/>
+              <p:nvPr/>
+            </p:nvSpPr>
+            <p:spPr>
+              <a:xfrm>
+                <a:off x="2279650" y="3251200"/>
+                <a:ext cx="622300" cy="593090"/>
+              </a:xfrm>
+              <a:prstGeom prst="rect">
+                <a:avLst/>
+              </a:prstGeom>
+              <a:noFill/>
+              <a:ln>
+                <a:solidFill>
+                  <a:srgbClr val="FF0000"/>
+                </a:solidFill>
+              </a:ln>
+            </p:spPr>
+            <p:style>
+              <a:lnRef idx="2">
+                <a:schemeClr val="accent1">
+                  <a:shade val="15000"/>
+                </a:schemeClr>
+              </a:lnRef>
+              <a:fillRef idx="1">
+                <a:schemeClr val="accent1"/>
+              </a:fillRef>
+              <a:effectRef idx="0">
+                <a:schemeClr val="accent1"/>
+              </a:effectRef>
+              <a:fontRef idx="minor">
+                <a:schemeClr val="lt1"/>
+              </a:fontRef>
+            </p:style>
+            <p:txBody>
+              <a:bodyPr rtlCol="0" anchor="ctr"/>
+              <a:lstStyle/>
+              <a:p>
+                <a:pPr algn="ctr"/>
+                <a:endParaRPr lang="ko-KR" altLang="en-US" dirty="0"/>
+              </a:p>
+            </p:txBody>
+          </p:sp>
+          <p:sp>
+            <p:nvSpPr>
+              <p:cNvPr id="13" name="TextBox 12">
+                <a:extLst>
+                  <a:ext uri="{FF2B5EF4-FFF2-40B4-BE49-F238E27FC236}">
+                    <a16:creationId xmlns:a16="http://schemas.microsoft.com/office/drawing/2014/main" id="{C21659C1-410C-5CAA-095E-0F190BF9FB76}"/>
+                  </a:ext>
+                </a:extLst>
+              </p:cNvPr>
+              <p:cNvSpPr txBox="1"/>
+              <p:nvPr/>
+            </p:nvSpPr>
+            <p:spPr>
+              <a:xfrm>
+                <a:off x="2279650" y="2658110"/>
+                <a:ext cx="425450" cy="584775"/>
+              </a:xfrm>
+              <a:prstGeom prst="rect">
+                <a:avLst/>
+              </a:prstGeom>
+              <a:noFill/>
+            </p:spPr>
+            <p:txBody>
+              <a:bodyPr wrap="square" rtlCol="0">
+                <a:spAutoFit/>
+              </a:bodyPr>
+              <a:lstStyle/>
+              <a:p>
+                <a:r>
+                  <a:rPr lang="ko-KR" altLang="en-US" sz="3200" b="1" dirty="0">
+                    <a:solidFill>
+                      <a:srgbClr val="FF0000"/>
+                    </a:solidFill>
+                  </a:rPr>
+                  <a:t>②</a:t>
+                </a:r>
+              </a:p>
+            </p:txBody>
+          </p:sp>
+        </p:grpSp>
+      </p:grpSp>
+    </p:spTree>
+    <p:extLst>
+      <p:ext uri="{BB962C8B-B14F-4D97-AF65-F5344CB8AC3E}">
+        <p14:creationId xmlns:p14="http://schemas.microsoft.com/office/powerpoint/2010/main" val="3234655011"/>
+      </p:ext>
+    </p:extLst>
+  </p:cSld>
+  <p:clrMapOvr>
+    <a:masterClrMapping/>
+  </p:clrMapOvr>
+</p:sld>
+</file>
+
+<file path=ppt/slides/slide13.xml><?xml version="1.0" encoding="utf-8"?>
+<p:sld xmlns:a="http://schemas.openxmlformats.org/drawingml/2006/main" xmlns:r="http://schemas.openxmlformats.org/officeDocument/2006/relationships" xmlns:p="http://schemas.openxmlformats.org/presentationml/2006/main">
+  <p:cSld>
+    <p:spTree>
+      <p:nvGrpSpPr>
+        <p:cNvPr id="1" name=""/>
+        <p:cNvGrpSpPr/>
+        <p:nvPr/>
+      </p:nvGrpSpPr>
+      <p:grpSpPr>
+        <a:xfrm>
+          <a:off x="0" y="0"/>
+          <a:ext cx="0" cy="0"/>
+          <a:chOff x="0" y="0"/>
+          <a:chExt cx="0" cy="0"/>
+        </a:xfrm>
+      </p:grpSpPr>
+    </p:spTree>
+    <p:extLst>
+      <p:ext uri="{BB962C8B-B14F-4D97-AF65-F5344CB8AC3E}">
+        <p14:creationId xmlns:p14="http://schemas.microsoft.com/office/powerpoint/2010/main" val="1817887542"/>
       </p:ext>
     </p:extLst>
   </p:cSld>

--- a/졸업 논문/picture/그림모음.pptx
+++ b/졸업 논문/picture/그림모음.pptx
@@ -212,7 +212,7 @@
           <a:p>
             <a:fld id="{DF808D06-9E3F-44FB-93F2-5318620A4091}" type="datetimeFigureOut">
               <a:rPr lang="ko-KR" altLang="en-US" smtClean="0"/>
-              <a:t>2024-05-15</a:t>
+              <a:t>2024-05-16</a:t>
             </a:fld>
             <a:endParaRPr lang="ko-KR" altLang="en-US"/>
           </a:p>
@@ -878,7 +878,7 @@
           <a:p>
             <a:fld id="{1E28F0D3-E3FD-49FD-8E82-3F8837207BDD}" type="datetimeFigureOut">
               <a:rPr lang="ko-KR" altLang="en-US" smtClean="0"/>
-              <a:t>2024-05-15</a:t>
+              <a:t>2024-05-16</a:t>
             </a:fld>
             <a:endParaRPr lang="ko-KR" altLang="en-US"/>
           </a:p>
@@ -1076,7 +1076,7 @@
           <a:p>
             <a:fld id="{1E28F0D3-E3FD-49FD-8E82-3F8837207BDD}" type="datetimeFigureOut">
               <a:rPr lang="ko-KR" altLang="en-US" smtClean="0"/>
-              <a:t>2024-05-15</a:t>
+              <a:t>2024-05-16</a:t>
             </a:fld>
             <a:endParaRPr lang="ko-KR" altLang="en-US"/>
           </a:p>
@@ -1284,7 +1284,7 @@
           <a:p>
             <a:fld id="{1E28F0D3-E3FD-49FD-8E82-3F8837207BDD}" type="datetimeFigureOut">
               <a:rPr lang="ko-KR" altLang="en-US" smtClean="0"/>
-              <a:t>2024-05-15</a:t>
+              <a:t>2024-05-16</a:t>
             </a:fld>
             <a:endParaRPr lang="ko-KR" altLang="en-US"/>
           </a:p>
@@ -1482,7 +1482,7 @@
           <a:p>
             <a:fld id="{1E28F0D3-E3FD-49FD-8E82-3F8837207BDD}" type="datetimeFigureOut">
               <a:rPr lang="ko-KR" altLang="en-US" smtClean="0"/>
-              <a:t>2024-05-15</a:t>
+              <a:t>2024-05-16</a:t>
             </a:fld>
             <a:endParaRPr lang="ko-KR" altLang="en-US"/>
           </a:p>
@@ -1757,7 +1757,7 @@
           <a:p>
             <a:fld id="{1E28F0D3-E3FD-49FD-8E82-3F8837207BDD}" type="datetimeFigureOut">
               <a:rPr lang="ko-KR" altLang="en-US" smtClean="0"/>
-              <a:t>2024-05-15</a:t>
+              <a:t>2024-05-16</a:t>
             </a:fld>
             <a:endParaRPr lang="ko-KR" altLang="en-US"/>
           </a:p>
@@ -2022,7 +2022,7 @@
           <a:p>
             <a:fld id="{1E28F0D3-E3FD-49FD-8E82-3F8837207BDD}" type="datetimeFigureOut">
               <a:rPr lang="ko-KR" altLang="en-US" smtClean="0"/>
-              <a:t>2024-05-15</a:t>
+              <a:t>2024-05-16</a:t>
             </a:fld>
             <a:endParaRPr lang="ko-KR" altLang="en-US"/>
           </a:p>
@@ -2434,7 +2434,7 @@
           <a:p>
             <a:fld id="{1E28F0D3-E3FD-49FD-8E82-3F8837207BDD}" type="datetimeFigureOut">
               <a:rPr lang="ko-KR" altLang="en-US" smtClean="0"/>
-              <a:t>2024-05-15</a:t>
+              <a:t>2024-05-16</a:t>
             </a:fld>
             <a:endParaRPr lang="ko-KR" altLang="en-US"/>
           </a:p>
@@ -2575,7 +2575,7 @@
           <a:p>
             <a:fld id="{1E28F0D3-E3FD-49FD-8E82-3F8837207BDD}" type="datetimeFigureOut">
               <a:rPr lang="ko-KR" altLang="en-US" smtClean="0"/>
-              <a:t>2024-05-15</a:t>
+              <a:t>2024-05-16</a:t>
             </a:fld>
             <a:endParaRPr lang="ko-KR" altLang="en-US"/>
           </a:p>
@@ -2688,7 +2688,7 @@
           <a:p>
             <a:fld id="{1E28F0D3-E3FD-49FD-8E82-3F8837207BDD}" type="datetimeFigureOut">
               <a:rPr lang="ko-KR" altLang="en-US" smtClean="0"/>
-              <a:t>2024-05-15</a:t>
+              <a:t>2024-05-16</a:t>
             </a:fld>
             <a:endParaRPr lang="ko-KR" altLang="en-US"/>
           </a:p>
@@ -2999,7 +2999,7 @@
           <a:p>
             <a:fld id="{1E28F0D3-E3FD-49FD-8E82-3F8837207BDD}" type="datetimeFigureOut">
               <a:rPr lang="ko-KR" altLang="en-US" smtClean="0"/>
-              <a:t>2024-05-15</a:t>
+              <a:t>2024-05-16</a:t>
             </a:fld>
             <a:endParaRPr lang="ko-KR" altLang="en-US"/>
           </a:p>
@@ -3287,7 +3287,7 @@
           <a:p>
             <a:fld id="{1E28F0D3-E3FD-49FD-8E82-3F8837207BDD}" type="datetimeFigureOut">
               <a:rPr lang="ko-KR" altLang="en-US" smtClean="0"/>
-              <a:t>2024-05-15</a:t>
+              <a:t>2024-05-16</a:t>
             </a:fld>
             <a:endParaRPr lang="ko-KR" altLang="en-US"/>
           </a:p>
@@ -3528,7 +3528,7 @@
           <a:p>
             <a:fld id="{1E28F0D3-E3FD-49FD-8E82-3F8837207BDD}" type="datetimeFigureOut">
               <a:rPr lang="ko-KR" altLang="en-US" smtClean="0"/>
-              <a:t>2024-05-15</a:t>
+              <a:t>2024-05-16</a:t>
             </a:fld>
             <a:endParaRPr lang="ko-KR" altLang="en-US"/>
           </a:p>
@@ -5331,10 +5331,10 @@
           </p:nvGrpSpPr>
           <p:grpSpPr>
             <a:xfrm>
-              <a:off x="2279650" y="2666425"/>
-              <a:ext cx="641916" cy="1177865"/>
-              <a:chOff x="2279650" y="2666425"/>
-              <a:chExt cx="641916" cy="1177865"/>
+              <a:off x="6335602" y="2954655"/>
+              <a:ext cx="622300" cy="1177865"/>
+              <a:chOff x="6335602" y="2954655"/>
+              <a:chExt cx="622300" cy="1177865"/>
             </a:xfrm>
           </p:grpSpPr>
           <p:sp>
@@ -5351,7 +5351,7 @@
             </p:nvSpPr>
             <p:spPr>
               <a:xfrm>
-                <a:off x="2279650" y="3251200"/>
+                <a:off x="6335602" y="3539430"/>
                 <a:ext cx="622300" cy="593090"/>
               </a:xfrm>
               <a:prstGeom prst="rect">
@@ -5403,7 +5403,7 @@
             </p:nvSpPr>
             <p:spPr>
               <a:xfrm>
-                <a:off x="2496116" y="2666425"/>
+                <a:off x="6434027" y="2954655"/>
                 <a:ext cx="425450" cy="584775"/>
               </a:xfrm>
               <a:prstGeom prst="rect">

--- a/졸업 논문/picture/그림모음.pptx
+++ b/졸업 논문/picture/그림모음.pptx
@@ -212,7 +212,7 @@
           <a:p>
             <a:fld id="{DF808D06-9E3F-44FB-93F2-5318620A4091}" type="datetimeFigureOut">
               <a:rPr lang="ko-KR" altLang="en-US" smtClean="0"/>
-              <a:t>2024-05-16</a:t>
+              <a:t>2024-05-17</a:t>
             </a:fld>
             <a:endParaRPr lang="ko-KR" altLang="en-US"/>
           </a:p>
@@ -878,7 +878,7 @@
           <a:p>
             <a:fld id="{1E28F0D3-E3FD-49FD-8E82-3F8837207BDD}" type="datetimeFigureOut">
               <a:rPr lang="ko-KR" altLang="en-US" smtClean="0"/>
-              <a:t>2024-05-16</a:t>
+              <a:t>2024-05-17</a:t>
             </a:fld>
             <a:endParaRPr lang="ko-KR" altLang="en-US"/>
           </a:p>
@@ -1076,7 +1076,7 @@
           <a:p>
             <a:fld id="{1E28F0D3-E3FD-49FD-8E82-3F8837207BDD}" type="datetimeFigureOut">
               <a:rPr lang="ko-KR" altLang="en-US" smtClean="0"/>
-              <a:t>2024-05-16</a:t>
+              <a:t>2024-05-17</a:t>
             </a:fld>
             <a:endParaRPr lang="ko-KR" altLang="en-US"/>
           </a:p>
@@ -1284,7 +1284,7 @@
           <a:p>
             <a:fld id="{1E28F0D3-E3FD-49FD-8E82-3F8837207BDD}" type="datetimeFigureOut">
               <a:rPr lang="ko-KR" altLang="en-US" smtClean="0"/>
-              <a:t>2024-05-16</a:t>
+              <a:t>2024-05-17</a:t>
             </a:fld>
             <a:endParaRPr lang="ko-KR" altLang="en-US"/>
           </a:p>
@@ -1482,7 +1482,7 @@
           <a:p>
             <a:fld id="{1E28F0D3-E3FD-49FD-8E82-3F8837207BDD}" type="datetimeFigureOut">
               <a:rPr lang="ko-KR" altLang="en-US" smtClean="0"/>
-              <a:t>2024-05-16</a:t>
+              <a:t>2024-05-17</a:t>
             </a:fld>
             <a:endParaRPr lang="ko-KR" altLang="en-US"/>
           </a:p>
@@ -1757,7 +1757,7 @@
           <a:p>
             <a:fld id="{1E28F0D3-E3FD-49FD-8E82-3F8837207BDD}" type="datetimeFigureOut">
               <a:rPr lang="ko-KR" altLang="en-US" smtClean="0"/>
-              <a:t>2024-05-16</a:t>
+              <a:t>2024-05-17</a:t>
             </a:fld>
             <a:endParaRPr lang="ko-KR" altLang="en-US"/>
           </a:p>
@@ -2022,7 +2022,7 @@
           <a:p>
             <a:fld id="{1E28F0D3-E3FD-49FD-8E82-3F8837207BDD}" type="datetimeFigureOut">
               <a:rPr lang="ko-KR" altLang="en-US" smtClean="0"/>
-              <a:t>2024-05-16</a:t>
+              <a:t>2024-05-17</a:t>
             </a:fld>
             <a:endParaRPr lang="ko-KR" altLang="en-US"/>
           </a:p>
@@ -2434,7 +2434,7 @@
           <a:p>
             <a:fld id="{1E28F0D3-E3FD-49FD-8E82-3F8837207BDD}" type="datetimeFigureOut">
               <a:rPr lang="ko-KR" altLang="en-US" smtClean="0"/>
-              <a:t>2024-05-16</a:t>
+              <a:t>2024-05-17</a:t>
             </a:fld>
             <a:endParaRPr lang="ko-KR" altLang="en-US"/>
           </a:p>
@@ -2575,7 +2575,7 @@
           <a:p>
             <a:fld id="{1E28F0D3-E3FD-49FD-8E82-3F8837207BDD}" type="datetimeFigureOut">
               <a:rPr lang="ko-KR" altLang="en-US" smtClean="0"/>
-              <a:t>2024-05-16</a:t>
+              <a:t>2024-05-17</a:t>
             </a:fld>
             <a:endParaRPr lang="ko-KR" altLang="en-US"/>
           </a:p>
@@ -2688,7 +2688,7 @@
           <a:p>
             <a:fld id="{1E28F0D3-E3FD-49FD-8E82-3F8837207BDD}" type="datetimeFigureOut">
               <a:rPr lang="ko-KR" altLang="en-US" smtClean="0"/>
-              <a:t>2024-05-16</a:t>
+              <a:t>2024-05-17</a:t>
             </a:fld>
             <a:endParaRPr lang="ko-KR" altLang="en-US"/>
           </a:p>
@@ -2999,7 +2999,7 @@
           <a:p>
             <a:fld id="{1E28F0D3-E3FD-49FD-8E82-3F8837207BDD}" type="datetimeFigureOut">
               <a:rPr lang="ko-KR" altLang="en-US" smtClean="0"/>
-              <a:t>2024-05-16</a:t>
+              <a:t>2024-05-17</a:t>
             </a:fld>
             <a:endParaRPr lang="ko-KR" altLang="en-US"/>
           </a:p>
@@ -3287,7 +3287,7 @@
           <a:p>
             <a:fld id="{1E28F0D3-E3FD-49FD-8E82-3F8837207BDD}" type="datetimeFigureOut">
               <a:rPr lang="ko-KR" altLang="en-US" smtClean="0"/>
-              <a:t>2024-05-16</a:t>
+              <a:t>2024-05-17</a:t>
             </a:fld>
             <a:endParaRPr lang="ko-KR" altLang="en-US"/>
           </a:p>
@@ -3528,7 +3528,7 @@
           <a:p>
             <a:fld id="{1E28F0D3-E3FD-49FD-8E82-3F8837207BDD}" type="datetimeFigureOut">
               <a:rPr lang="ko-KR" altLang="en-US" smtClean="0"/>
-              <a:t>2024-05-16</a:t>
+              <a:t>2024-05-17</a:t>
             </a:fld>
             <a:endParaRPr lang="ko-KR" altLang="en-US"/>
           </a:p>
@@ -5577,6 +5577,179 @@
           <a:chExt cx="0" cy="0"/>
         </a:xfrm>
       </p:grpSpPr>
+      <p:grpSp>
+        <p:nvGrpSpPr>
+          <p:cNvPr id="7" name="그룹 6">
+            <a:extLst>
+              <a:ext uri="{FF2B5EF4-FFF2-40B4-BE49-F238E27FC236}">
+                <a16:creationId xmlns:a16="http://schemas.microsoft.com/office/drawing/2014/main" id="{44DD5A96-557B-C742-BFF8-725B0F4C3DF5}"/>
+              </a:ext>
+            </a:extLst>
+          </p:cNvPr>
+          <p:cNvGrpSpPr/>
+          <p:nvPr/>
+        </p:nvGrpSpPr>
+        <p:grpSpPr>
+          <a:xfrm>
+            <a:off x="909782" y="298449"/>
+            <a:ext cx="10372436" cy="6057900"/>
+            <a:chOff x="909782" y="298449"/>
+            <a:chExt cx="10372436" cy="6057900"/>
+          </a:xfrm>
+        </p:grpSpPr>
+        <p:grpSp>
+          <p:nvGrpSpPr>
+            <p:cNvPr id="5" name="그룹 4">
+              <a:extLst>
+                <a:ext uri="{FF2B5EF4-FFF2-40B4-BE49-F238E27FC236}">
+                  <a16:creationId xmlns:a16="http://schemas.microsoft.com/office/drawing/2014/main" id="{A312FFA2-AD3B-EE45-DDE4-B849B075C757}"/>
+                </a:ext>
+              </a:extLst>
+            </p:cNvPr>
+            <p:cNvGrpSpPr/>
+            <p:nvPr/>
+          </p:nvGrpSpPr>
+          <p:grpSpPr>
+            <a:xfrm>
+              <a:off x="909782" y="298449"/>
+              <a:ext cx="10372436" cy="6057900"/>
+              <a:chOff x="909782" y="298449"/>
+              <a:chExt cx="10372436" cy="6057900"/>
+            </a:xfrm>
+          </p:grpSpPr>
+          <p:pic>
+            <p:nvPicPr>
+              <p:cNvPr id="3" name="그림 2">
+                <a:extLst>
+                  <a:ext uri="{FF2B5EF4-FFF2-40B4-BE49-F238E27FC236}">
+                    <a16:creationId xmlns:a16="http://schemas.microsoft.com/office/drawing/2014/main" id="{8922D614-D040-508F-5DAA-2C90FE3FEB1B}"/>
+                  </a:ext>
+                </a:extLst>
+              </p:cNvPr>
+              <p:cNvPicPr>
+                <a:picLocks noChangeAspect="1"/>
+              </p:cNvPicPr>
+              <p:nvPr/>
+            </p:nvPicPr>
+            <p:blipFill>
+              <a:blip r:embed="rId2">
+                <a:extLst>
+                  <a:ext uri="{28A0092B-C50C-407E-A947-70E740481C1C}">
+                    <a14:useLocalDpi xmlns:a14="http://schemas.microsoft.com/office/drawing/2010/main" val="0"/>
+                  </a:ext>
+                </a:extLst>
+              </a:blip>
+              <a:srcRect l="7462" r="7462"/>
+              <a:stretch/>
+            </p:blipFill>
+            <p:spPr>
+              <a:xfrm>
+                <a:off x="909782" y="298449"/>
+                <a:ext cx="10372436" cy="6057900"/>
+              </a:xfrm>
+              <a:prstGeom prst="rect">
+                <a:avLst/>
+              </a:prstGeom>
+            </p:spPr>
+          </p:pic>
+          <p:sp>
+            <p:nvSpPr>
+              <p:cNvPr id="4" name="직사각형 3">
+                <a:extLst>
+                  <a:ext uri="{FF2B5EF4-FFF2-40B4-BE49-F238E27FC236}">
+                    <a16:creationId xmlns:a16="http://schemas.microsoft.com/office/drawing/2014/main" id="{E9065CA4-2344-FD13-90EF-7BAB6700ADD7}"/>
+                  </a:ext>
+                </a:extLst>
+              </p:cNvPr>
+              <p:cNvSpPr/>
+              <p:nvPr/>
+            </p:nvSpPr>
+            <p:spPr>
+              <a:xfrm>
+                <a:off x="6585528" y="1461248"/>
+                <a:ext cx="622300" cy="593090"/>
+              </a:xfrm>
+              <a:prstGeom prst="rect">
+                <a:avLst/>
+              </a:prstGeom>
+              <a:noFill/>
+              <a:ln>
+                <a:solidFill>
+                  <a:srgbClr val="FF0000"/>
+                </a:solidFill>
+              </a:ln>
+            </p:spPr>
+            <p:style>
+              <a:lnRef idx="2">
+                <a:schemeClr val="accent1">
+                  <a:shade val="15000"/>
+                </a:schemeClr>
+              </a:lnRef>
+              <a:fillRef idx="1">
+                <a:schemeClr val="accent1"/>
+              </a:fillRef>
+              <a:effectRef idx="0">
+                <a:schemeClr val="accent1"/>
+              </a:effectRef>
+              <a:fontRef idx="minor">
+                <a:schemeClr val="lt1"/>
+              </a:fontRef>
+            </p:style>
+            <p:txBody>
+              <a:bodyPr rtlCol="0" anchor="ctr"/>
+              <a:lstStyle/>
+              <a:p>
+                <a:pPr algn="ctr"/>
+                <a:endParaRPr lang="ko-KR" altLang="en-US" dirty="0"/>
+              </a:p>
+            </p:txBody>
+          </p:sp>
+        </p:grpSp>
+        <p:sp>
+          <p:nvSpPr>
+            <p:cNvPr id="6" name="TextBox 5">
+              <a:extLst>
+                <a:ext uri="{FF2B5EF4-FFF2-40B4-BE49-F238E27FC236}">
+                  <a16:creationId xmlns:a16="http://schemas.microsoft.com/office/drawing/2014/main" id="{EC2AD465-C3B6-B88A-1D66-64A4945E9EF2}"/>
+                </a:ext>
+              </a:extLst>
+            </p:cNvPr>
+            <p:cNvSpPr txBox="1"/>
+            <p:nvPr/>
+          </p:nvSpPr>
+          <p:spPr>
+            <a:xfrm>
+              <a:off x="6585528" y="876473"/>
+              <a:ext cx="425450" cy="584775"/>
+            </a:xfrm>
+            <a:prstGeom prst="rect">
+              <a:avLst/>
+            </a:prstGeom>
+            <a:noFill/>
+          </p:spPr>
+          <p:txBody>
+            <a:bodyPr wrap="square" rtlCol="0">
+              <a:spAutoFit/>
+            </a:bodyPr>
+            <a:lstStyle/>
+            <a:p>
+              <a:r>
+                <a:rPr lang="ko-KR" altLang="en-US" sz="3200" b="1" dirty="0">
+                  <a:solidFill>
+                    <a:srgbClr val="FF0000"/>
+                  </a:solidFill>
+                </a:rPr>
+                <a:t>①</a:t>
+              </a:r>
+              <a:endParaRPr lang="ko-KR" altLang="en-US" b="1" dirty="0">
+                <a:solidFill>
+                  <a:srgbClr val="FF0000"/>
+                </a:solidFill>
+              </a:endParaRPr>
+            </a:p>
+          </p:txBody>
+        </p:sp>
+      </p:grpSp>
     </p:spTree>
     <p:extLst>
       <p:ext uri="{BB962C8B-B14F-4D97-AF65-F5344CB8AC3E}">
